--- a/Diplome/_Documentation/ppt/Camuglia_FindYouRide.pptx
+++ b/Diplome/_Documentation/ppt/Camuglia_FindYouRide.pptx
@@ -121,19 +121,45 @@
   </p:defaultTextStyle>
   <p:extLst>
     <p:ext uri="{EFAFB233-063F-42B5-8137-9DF3F51BA10A}">
-      <p15:sldGuideLst xmlns:p15="http://schemas.microsoft.com/office/powerpoint/2012/main" xmlns=""/>
+      <p15:sldGuideLst xmlns:p15="http://schemas.microsoft.com/office/powerpoint/2012/main">
+        <p15:guide id="1" orient="horz" pos="2160">
+          <p15:clr>
+            <a:srgbClr val="A4A3A4"/>
+          </p15:clr>
+        </p15:guide>
+        <p15:guide id="2" pos="3840">
+          <p15:clr>
+            <a:srgbClr val="A4A3A4"/>
+          </p15:clr>
+        </p15:guide>
+      </p15:sldGuideLst>
     </p:ext>
     <p:ext uri="{2D200454-40CA-4A62-9FC3-DE9A4176ACB9}">
-      <p15:notesGuideLst xmlns:p15="http://schemas.microsoft.com/office/powerpoint/2012/main" xmlns=""/>
+      <p15:notesGuideLst xmlns:p15="http://schemas.microsoft.com/office/powerpoint/2012/main">
+        <p15:guide id="1" orient="horz" pos="2880">
+          <p15:clr>
+            <a:srgbClr val="A4A3A4"/>
+          </p15:clr>
+        </p15:guide>
+        <p15:guide id="2" pos="2160">
+          <p15:clr>
+            <a:srgbClr val="A4A3A4"/>
+          </p15:clr>
+        </p15:guide>
+      </p15:notesGuideLst>
     </p:ext>
   </p:extLst>
 </p:presentation>
 </file>
 
+<file path=ppt/revisionInfo.xml><?xml version="1.0" encoding="utf-8"?>
+<p1510:revInfo xmlns:a="http://schemas.openxmlformats.org/drawingml/2006/main" xmlns:r="http://schemas.openxmlformats.org/officeDocument/2006/relationships" xmlns:p1510="http://schemas.microsoft.com/office/powerpoint/2015/10/main"/>
+</file>
+
 <file path=ppt/charts/chart1.xml><?xml version="1.0" encoding="utf-8"?>
-<c:chartSpace xmlns:c="http://schemas.openxmlformats.org/drawingml/2006/chart" xmlns:a="http://schemas.openxmlformats.org/drawingml/2006/main" xmlns:r="http://schemas.openxmlformats.org/officeDocument/2006/relationships">
+<c:chartSpace xmlns:c="http://schemas.openxmlformats.org/drawingml/2006/chart" xmlns:a="http://schemas.openxmlformats.org/drawingml/2006/main" xmlns:r="http://schemas.openxmlformats.org/officeDocument/2006/relationships" xmlns:c16r2="http://schemas.microsoft.com/office/drawing/2015/06/chart">
   <c:date1904 val="0"/>
-  <c:lang val="fr-CH"/>
+  <c:lang val="fr-FR"/>
   <c:roundedCorners val="0"/>
   <mc:AlternateContent xmlns:mc="http://schemas.openxmlformats.org/markup-compatibility/2006">
     <mc:Choice xmlns:c14="http://schemas.microsoft.com/office/drawing/2007/8/2/chart" Requires="c14">
@@ -150,7 +176,6 @@
       <c:rotY val="328"/>
       <c:depthPercent val="100"/>
       <c:rAngAx val="0"/>
-      <c:perspective val="30"/>
     </c:view3D>
     <c:floor>
       <c:thickness val="0"/>
@@ -231,7 +256,7 @@
                 <a:bevelB w="127000" h="127000"/>
               </a:sp3d>
             </c:spPr>
-            <c:extLst xmlns:c16r2="http://schemas.microsoft.com/office/drawing/2015/06/chart">
+            <c:extLst>
               <c:ext xmlns:c16="http://schemas.microsoft.com/office/drawing/2014/chart" uri="{C3380CC4-5D6E-409C-BE32-E72D297353CC}">
                 <c16:uniqueId val="{00000000-6EFB-44DD-BF49-316F11932455}"/>
               </c:ext>
@@ -263,7 +288,7 @@
                 <a:bevelB w="127000" h="127000"/>
               </a:sp3d>
             </c:spPr>
-            <c:extLst xmlns:c16r2="http://schemas.microsoft.com/office/drawing/2015/06/chart">
+            <c:extLst>
               <c:ext xmlns:c16="http://schemas.microsoft.com/office/drawing/2014/chart" uri="{C3380CC4-5D6E-409C-BE32-E72D297353CC}">
                 <c16:uniqueId val="{00000001-7882-4B9C-9754-14F60C0BDC72}"/>
               </c:ext>
@@ -295,7 +320,7 @@
                 <a:bevelB w="127000" h="127000"/>
               </a:sp3d>
             </c:spPr>
-            <c:extLst xmlns:c16r2="http://schemas.microsoft.com/office/drawing/2015/06/chart">
+            <c:extLst>
               <c:ext xmlns:c16="http://schemas.microsoft.com/office/drawing/2014/chart" uri="{C3380CC4-5D6E-409C-BE32-E72D297353CC}">
                 <c16:uniqueId val="{00000002-7882-4B9C-9754-14F60C0BDC72}"/>
               </c:ext>
@@ -327,7 +352,7 @@
                 <a:bevelB w="127000" h="127000"/>
               </a:sp3d>
             </c:spPr>
-            <c:extLst xmlns:c16r2="http://schemas.microsoft.com/office/drawing/2015/06/chart">
+            <c:extLst>
               <c:ext xmlns:c16="http://schemas.microsoft.com/office/drawing/2014/chart" uri="{C3380CC4-5D6E-409C-BE32-E72D297353CC}">
                 <c16:uniqueId val="{00000000-7882-4B9C-9754-14F60C0BDC72}"/>
               </c:ext>
@@ -360,7 +385,7 @@
                       </a:defRPr>
                     </a:pPr>
                     <a:r>
-                      <a:rPr lang="en-US" dirty="0" smtClean="0">
+                      <a:rPr lang="en-US" dirty="0">
                         <a:solidFill>
                           <a:schemeClr val="bg1"/>
                         </a:solidFill>
@@ -392,6 +417,25 @@
                   </a:outerShdw>
                 </a:effectLst>
               </c:spPr>
+              <c:txPr>
+                <a:bodyPr rot="0" spcFirstLastPara="1" vertOverflow="ellipsis" vert="horz" wrap="square" lIns="38100" tIns="19050" rIns="38100" bIns="19050" anchor="ctr" anchorCtr="1">
+                  <a:spAutoFit/>
+                </a:bodyPr>
+                <a:lstStyle/>
+                <a:p>
+                  <a:pPr>
+                    <a:defRPr sz="1330" b="1" i="0" u="none" strike="noStrike" kern="1200" spc="0" baseline="0">
+                      <a:solidFill>
+                        <a:schemeClr val="accent1"/>
+                      </a:solidFill>
+                      <a:latin typeface="+mn-lt"/>
+                      <a:ea typeface="+mn-ea"/>
+                      <a:cs typeface="+mn-cs"/>
+                    </a:defRPr>
+                  </a:pPr>
+                  <a:endParaRPr lang="fr-FR"/>
+                </a:p>
+              </c:txPr>
               <c:dLblPos val="bestFit"/>
               <c:showLegendKey val="0"/>
               <c:showVal val="1"/>
@@ -399,12 +443,8 @@
               <c:showSerName val="0"/>
               <c:showPercent val="1"/>
               <c:showBubbleSize val="0"/>
-              <c:extLst xmlns:c16r2="http://schemas.microsoft.com/office/drawing/2015/06/chart">
-                <c:ext xmlns:c15="http://schemas.microsoft.com/office/drawing/2012/chart" uri="{CE6537A1-D6FC-4f65-9D91-7224C49458BB}">
-                  <c15:layout/>
-                  <c15:dlblFieldTable/>
-                  <c15:showDataLabelsRange val="0"/>
-                </c:ext>
+              <c:extLst>
+                <c:ext xmlns:c15="http://schemas.microsoft.com/office/drawing/2012/chart" uri="{CE6537A1-D6FC-4f65-9D91-7224C49458BB}"/>
                 <c:ext xmlns:c16="http://schemas.microsoft.com/office/drawing/2014/chart" uri="{C3380CC4-5D6E-409C-BE32-E72D297353CC}">
                   <c16:uniqueId val="{00000000-6EFB-44DD-BF49-316F11932455}"/>
                 </c:ext>
@@ -436,7 +476,7 @@
                       </a:defRPr>
                     </a:pPr>
                     <a:r>
-                      <a:rPr lang="en-US" dirty="0" err="1" smtClean="0">
+                      <a:rPr lang="en-US" dirty="0" err="1">
                         <a:solidFill>
                           <a:schemeClr val="bg1"/>
                         </a:solidFill>
@@ -444,7 +484,7 @@
                       <a:t>Javascript</a:t>
                     </a:r>
                     <a:r>
-                      <a:rPr lang="en-US" dirty="0" smtClean="0">
+                      <a:rPr lang="en-US" dirty="0">
                         <a:solidFill>
                           <a:schemeClr val="bg1"/>
                         </a:solidFill>
@@ -452,18 +492,13 @@
                       <a:t>,</a:t>
                     </a:r>
                     <a:r>
-                      <a:rPr lang="en-US" baseline="0" dirty="0" smtClean="0">
+                      <a:rPr lang="en-US" baseline="0" dirty="0">
                         <a:solidFill>
                           <a:schemeClr val="bg1"/>
                         </a:solidFill>
                       </a:rPr>
                       <a:t> 40%</a:t>
                     </a:r>
-                    <a:endParaRPr lang="en-US" baseline="0" dirty="0">
-                      <a:solidFill>
-                        <a:schemeClr val="bg1"/>
-                      </a:solidFill>
-                    </a:endParaRPr>
                   </a:p>
                 </c:rich>
               </c:tx>
@@ -484,6 +519,25 @@
                   </a:outerShdw>
                 </a:effectLst>
               </c:spPr>
+              <c:txPr>
+                <a:bodyPr rot="0" spcFirstLastPara="1" vertOverflow="ellipsis" vert="horz" wrap="square" lIns="38100" tIns="19050" rIns="38100" bIns="19050" anchor="ctr" anchorCtr="1">
+                  <a:spAutoFit/>
+                </a:bodyPr>
+                <a:lstStyle/>
+                <a:p>
+                  <a:pPr>
+                    <a:defRPr sz="1330" b="1" i="0" u="none" strike="noStrike" kern="1200" spc="0" baseline="0">
+                      <a:solidFill>
+                        <a:schemeClr val="accent1"/>
+                      </a:solidFill>
+                      <a:latin typeface="+mn-lt"/>
+                      <a:ea typeface="+mn-ea"/>
+                      <a:cs typeface="+mn-cs"/>
+                    </a:defRPr>
+                  </a:pPr>
+                  <a:endParaRPr lang="fr-FR"/>
+                </a:p>
+              </c:txPr>
               <c:dLblPos val="bestFit"/>
               <c:showLegendKey val="0"/>
               <c:showVal val="1"/>
@@ -491,12 +545,8 @@
               <c:showSerName val="0"/>
               <c:showPercent val="1"/>
               <c:showBubbleSize val="0"/>
-              <c:extLst xmlns:c16r2="http://schemas.microsoft.com/office/drawing/2015/06/chart">
-                <c:ext xmlns:c15="http://schemas.microsoft.com/office/drawing/2012/chart" uri="{CE6537A1-D6FC-4f65-9D91-7224C49458BB}">
-                  <c15:layout/>
-                  <c15:dlblFieldTable/>
-                  <c15:showDataLabelsRange val="0"/>
-                </c:ext>
+              <c:extLst>
+                <c:ext xmlns:c15="http://schemas.microsoft.com/office/drawing/2012/chart" uri="{CE6537A1-D6FC-4f65-9D91-7224C49458BB}"/>
                 <c:ext xmlns:c16="http://schemas.microsoft.com/office/drawing/2014/chart" uri="{C3380CC4-5D6E-409C-BE32-E72D297353CC}">
                   <c16:uniqueId val="{00000001-7882-4B9C-9754-14F60C0BDC72}"/>
                 </c:ext>
@@ -528,7 +578,7 @@
                       </a:defRPr>
                     </a:pPr>
                     <a:r>
-                      <a:rPr lang="en-US" dirty="0" smtClean="0">
+                      <a:rPr lang="en-US" dirty="0">
                         <a:solidFill>
                           <a:schemeClr val="bg1"/>
                         </a:solidFill>
@@ -536,18 +586,13 @@
                       <a:t>HTML,</a:t>
                     </a:r>
                     <a:r>
-                      <a:rPr lang="en-US" baseline="0" dirty="0" smtClean="0">
+                      <a:rPr lang="en-US" baseline="0" dirty="0">
                         <a:solidFill>
                           <a:schemeClr val="bg1"/>
                         </a:solidFill>
                       </a:rPr>
                       <a:t> 10%</a:t>
                     </a:r>
-                    <a:endParaRPr lang="en-US" baseline="0" dirty="0">
-                      <a:solidFill>
-                        <a:schemeClr val="bg1"/>
-                      </a:solidFill>
-                    </a:endParaRPr>
                   </a:p>
                 </c:rich>
               </c:tx>
@@ -568,6 +613,25 @@
                   </a:outerShdw>
                 </a:effectLst>
               </c:spPr>
+              <c:txPr>
+                <a:bodyPr rot="0" spcFirstLastPara="1" vertOverflow="ellipsis" vert="horz" wrap="square" lIns="38100" tIns="19050" rIns="38100" bIns="19050" anchor="ctr" anchorCtr="1">
+                  <a:spAutoFit/>
+                </a:bodyPr>
+                <a:lstStyle/>
+                <a:p>
+                  <a:pPr>
+                    <a:defRPr sz="1330" b="1" i="0" u="none" strike="noStrike" kern="1200" spc="0" baseline="0">
+                      <a:solidFill>
+                        <a:schemeClr val="accent1"/>
+                      </a:solidFill>
+                      <a:latin typeface="+mn-lt"/>
+                      <a:ea typeface="+mn-ea"/>
+                      <a:cs typeface="+mn-cs"/>
+                    </a:defRPr>
+                  </a:pPr>
+                  <a:endParaRPr lang="fr-FR"/>
+                </a:p>
+              </c:txPr>
               <c:dLblPos val="bestFit"/>
               <c:showLegendKey val="0"/>
               <c:showVal val="1"/>
@@ -575,12 +639,8 @@
               <c:showSerName val="0"/>
               <c:showPercent val="1"/>
               <c:showBubbleSize val="0"/>
-              <c:extLst xmlns:c16r2="http://schemas.microsoft.com/office/drawing/2015/06/chart">
-                <c:ext xmlns:c15="http://schemas.microsoft.com/office/drawing/2012/chart" uri="{CE6537A1-D6FC-4f65-9D91-7224C49458BB}">
-                  <c15:layout/>
-                  <c15:dlblFieldTable/>
-                  <c15:showDataLabelsRange val="0"/>
-                </c:ext>
+              <c:extLst>
+                <c:ext xmlns:c15="http://schemas.microsoft.com/office/drawing/2012/chart" uri="{CE6537A1-D6FC-4f65-9D91-7224C49458BB}"/>
                 <c:ext xmlns:c16="http://schemas.microsoft.com/office/drawing/2014/chart" uri="{C3380CC4-5D6E-409C-BE32-E72D297353CC}">
                   <c16:uniqueId val="{00000002-7882-4B9C-9754-14F60C0BDC72}"/>
                 </c:ext>
@@ -612,7 +672,7 @@
                       </a:defRPr>
                     </a:pPr>
                     <a:r>
-                      <a:rPr lang="en-US" dirty="0" smtClean="0">
+                      <a:rPr lang="en-US" dirty="0">
                         <a:solidFill>
                           <a:schemeClr val="bg1"/>
                         </a:solidFill>
@@ -620,18 +680,13 @@
                       <a:t>CSS</a:t>
                     </a:r>
                     <a:r>
-                      <a:rPr lang="en-US" baseline="0" dirty="0" smtClean="0">
+                      <a:rPr lang="en-US" baseline="0" dirty="0">
                         <a:solidFill>
                           <a:schemeClr val="bg1"/>
                         </a:solidFill>
                       </a:rPr>
                       <a:t>, 5%</a:t>
                     </a:r>
-                    <a:endParaRPr lang="en-US" baseline="0" dirty="0">
-                      <a:solidFill>
-                        <a:schemeClr val="bg1"/>
-                      </a:solidFill>
-                    </a:endParaRPr>
                   </a:p>
                 </c:rich>
               </c:tx>
@@ -652,6 +707,25 @@
                   </a:outerShdw>
                 </a:effectLst>
               </c:spPr>
+              <c:txPr>
+                <a:bodyPr rot="0" spcFirstLastPara="1" vertOverflow="ellipsis" vert="horz" wrap="square" lIns="38100" tIns="19050" rIns="38100" bIns="19050" anchor="ctr" anchorCtr="1">
+                  <a:spAutoFit/>
+                </a:bodyPr>
+                <a:lstStyle/>
+                <a:p>
+                  <a:pPr>
+                    <a:defRPr sz="1330" b="1" i="0" u="none" strike="noStrike" kern="1200" spc="0" baseline="0">
+                      <a:solidFill>
+                        <a:schemeClr val="accent1"/>
+                      </a:solidFill>
+                      <a:latin typeface="+mn-lt"/>
+                      <a:ea typeface="+mn-ea"/>
+                      <a:cs typeface="+mn-cs"/>
+                    </a:defRPr>
+                  </a:pPr>
+                  <a:endParaRPr lang="fr-FR"/>
+                </a:p>
+              </c:txPr>
               <c:dLblPos val="bestFit"/>
               <c:showLegendKey val="0"/>
               <c:showVal val="1"/>
@@ -659,12 +733,8 @@
               <c:showSerName val="0"/>
               <c:showPercent val="1"/>
               <c:showBubbleSize val="0"/>
-              <c:extLst xmlns:c16r2="http://schemas.microsoft.com/office/drawing/2015/06/chart">
-                <c:ext xmlns:c15="http://schemas.microsoft.com/office/drawing/2012/chart" uri="{CE6537A1-D6FC-4f65-9D91-7224C49458BB}">
-                  <c15:layout/>
-                  <c15:dlblFieldTable/>
-                  <c15:showDataLabelsRange val="0"/>
-                </c:ext>
+              <c:extLst>
+                <c:ext xmlns:c15="http://schemas.microsoft.com/office/drawing/2012/chart" uri="{CE6537A1-D6FC-4f65-9D91-7224C49458BB}"/>
                 <c:ext xmlns:c16="http://schemas.microsoft.com/office/drawing/2014/chart" uri="{C3380CC4-5D6E-409C-BE32-E72D297353CC}">
                   <c16:uniqueId val="{00000000-7882-4B9C-9754-14F60C0BDC72}"/>
                 </c:ext>
@@ -699,7 +769,7 @@
                 <a:effectLst/>
               </c:spPr>
             </c:leaderLines>
-            <c:extLst xmlns:c16r2="http://schemas.microsoft.com/office/drawing/2015/06/chart">
+            <c:extLst>
               <c:ext xmlns:c15="http://schemas.microsoft.com/office/drawing/2012/chart" uri="{CE6537A1-D6FC-4f65-9D91-7224C49458BB}"/>
             </c:extLst>
           </c:dLbls>
@@ -745,7 +815,7 @@
               </c:numCache>
             </c:numRef>
           </c:val>
-          <c:extLst xmlns:c16r2="http://schemas.microsoft.com/office/drawing/2015/06/chart">
+          <c:extLst>
             <c:ext xmlns:c16="http://schemas.microsoft.com/office/drawing/2014/chart" uri="{C3380CC4-5D6E-409C-BE32-E72D297353CC}">
               <c16:uniqueId val="{00000001-6EFB-44DD-BF49-316F11932455}"/>
             </c:ext>
@@ -791,7 +861,7 @@
       <a:endParaRPr lang="fr-FR"/>
     </a:p>
   </c:txPr>
-  <c:externalData r:id="rId1">
+  <c:externalData r:id="rId3">
     <c:autoUpdate val="0"/>
   </c:externalData>
 </c:chartSpace>
@@ -1439,7 +1509,7 @@
           <a:p>
             <a:fld id="{B8532A3A-E1C2-42EA-BDD6-305DAB1834E8}" type="datetimeFigureOut">
               <a:rPr lang="en-US" smtClean="0"/>
-              <a:t>6/15/2017</a:t>
+              <a:t>6/18/2017</a:t>
             </a:fld>
             <a:endParaRPr lang="en-US"/>
           </a:p>
@@ -1503,38 +1573,37 @@
           <a:p>
             <a:pPr lvl="0"/>
             <a:r>
-              <a:rPr lang="en-US" smtClean="0"/>
+              <a:rPr lang="en-US"/>
               <a:t>Click to edit Master text styles</a:t>
             </a:r>
           </a:p>
           <a:p>
             <a:pPr lvl="1"/>
             <a:r>
-              <a:rPr lang="en-US" smtClean="0"/>
+              <a:rPr lang="en-US"/>
               <a:t>Second level</a:t>
             </a:r>
           </a:p>
           <a:p>
             <a:pPr lvl="2"/>
             <a:r>
-              <a:rPr lang="en-US" smtClean="0"/>
+              <a:rPr lang="en-US"/>
               <a:t>Third level</a:t>
             </a:r>
           </a:p>
           <a:p>
             <a:pPr lvl="3"/>
             <a:r>
-              <a:rPr lang="en-US" smtClean="0"/>
+              <a:rPr lang="en-US"/>
               <a:t>Fourth level</a:t>
             </a:r>
           </a:p>
           <a:p>
             <a:pPr lvl="4"/>
             <a:r>
-              <a:rPr lang="en-US" smtClean="0"/>
+              <a:rPr lang="en-US"/>
               <a:t>Fifth level</a:t>
             </a:r>
-            <a:endParaRPr lang="en-US"/>
           </a:p>
         </p:txBody>
       </p:sp>
@@ -1752,29 +1821,28 @@
           <a:lstStyle/>
           <a:p>
             <a:r>
-              <a:rPr lang="fr-CH" dirty="0" smtClean="0"/>
+              <a:rPr lang="fr-CH" dirty="0"/>
               <a:t>Interface applicative</a:t>
             </a:r>
             <a:r>
-              <a:rPr lang="fr-CH" baseline="0" dirty="0" smtClean="0"/>
+              <a:rPr lang="fr-CH" baseline="0" dirty="0"/>
               <a:t> de programmation</a:t>
             </a:r>
-            <a:endParaRPr lang="fr-CH" dirty="0" smtClean="0"/>
+            <a:endParaRPr lang="fr-CH" dirty="0"/>
           </a:p>
           <a:p>
             <a:r>
-              <a:rPr lang="fr-CH" dirty="0" smtClean="0"/>
+              <a:rPr lang="fr-CH" dirty="0"/>
               <a:t>Implémentation de </a:t>
             </a:r>
             <a:r>
-              <a:rPr lang="fr-CH" dirty="0" err="1" smtClean="0"/>
+              <a:rPr lang="fr-CH" dirty="0" err="1"/>
               <a:t>snap</a:t>
             </a:r>
             <a:r>
-              <a:rPr lang="fr-CH" dirty="0" smtClean="0"/>
+              <a:rPr lang="fr-CH" dirty="0"/>
               <a:t> to road uniquement</a:t>
             </a:r>
-            <a:endParaRPr lang="fr-CH" dirty="0"/>
           </a:p>
         </p:txBody>
       </p:sp>
@@ -1859,21 +1927,21 @@
           <a:lstStyle/>
           <a:p>
             <a:r>
-              <a:rPr lang="fr-CH" dirty="0" smtClean="0"/>
+              <a:rPr lang="fr-CH" dirty="0"/>
               <a:t>Calcul, </a:t>
             </a:r>
             <a:r>
-              <a:rPr lang="fr-CH" dirty="0" err="1" smtClean="0"/>
+              <a:rPr lang="fr-CH" dirty="0" err="1"/>
               <a:t>directio</a:t>
             </a:r>
-            <a:endParaRPr lang="fr-CH" dirty="0" smtClean="0"/>
+            <a:endParaRPr lang="fr-CH" dirty="0"/>
           </a:p>
           <a:p>
-            <a:endParaRPr lang="fr-CH" dirty="0" smtClean="0"/>
+            <a:endParaRPr lang="fr-CH" dirty="0"/>
           </a:p>
           <a:p>
             <a:r>
-              <a:rPr lang="fr-CH" smtClean="0"/>
+              <a:rPr lang="fr-CH"/>
               <a:t>Affichage</a:t>
             </a:r>
             <a:endParaRPr lang="fr-CH" dirty="0"/>
@@ -1955,13 +2023,6 @@
       </p:transition>
     </mc:Fallback>
   </mc:AlternateContent>
-  <p:timing>
-    <p:tnLst>
-      <p:par>
-        <p:cTn id="1" dur="indefinite" restart="never" nodeType="tmRoot"/>
-      </p:par>
-    </p:tnLst>
-  </p:timing>
 </p:sldLayout>
 </file>
 
@@ -1998,10 +2059,9 @@
           <a:lstStyle/>
           <a:p>
             <a:r>
-              <a:rPr lang="en-US" smtClean="0"/>
+              <a:rPr lang="en-US"/>
               <a:t>Click to edit Master title style</a:t>
             </a:r>
-            <a:endParaRPr lang="en-US"/>
           </a:p>
         </p:txBody>
       </p:sp>
@@ -2022,38 +2082,37 @@
           <a:p>
             <a:pPr lvl="0"/>
             <a:r>
-              <a:rPr lang="en-US" smtClean="0"/>
+              <a:rPr lang="en-US"/>
               <a:t>Click to edit Master text styles</a:t>
             </a:r>
           </a:p>
           <a:p>
             <a:pPr lvl="1"/>
             <a:r>
-              <a:rPr lang="en-US" smtClean="0"/>
+              <a:rPr lang="en-US"/>
               <a:t>Second level</a:t>
             </a:r>
           </a:p>
           <a:p>
             <a:pPr lvl="2"/>
             <a:r>
-              <a:rPr lang="en-US" smtClean="0"/>
+              <a:rPr lang="en-US"/>
               <a:t>Third level</a:t>
             </a:r>
           </a:p>
           <a:p>
             <a:pPr lvl="3"/>
             <a:r>
-              <a:rPr lang="en-US" smtClean="0"/>
+              <a:rPr lang="en-US"/>
               <a:t>Fourth level</a:t>
             </a:r>
           </a:p>
           <a:p>
             <a:pPr lvl="4"/>
             <a:r>
-              <a:rPr lang="en-US" smtClean="0"/>
+              <a:rPr lang="en-US"/>
               <a:t>Fifth level</a:t>
             </a:r>
-            <a:endParaRPr lang="en-US"/>
           </a:p>
         </p:txBody>
       </p:sp>
@@ -2092,10 +2151,9 @@
           <a:lstStyle/>
           <a:p>
             <a:r>
-              <a:rPr lang="en-US" smtClean="0"/>
+              <a:rPr lang="en-US"/>
               <a:t>Lucien Camuglia</a:t>
             </a:r>
-            <a:endParaRPr lang="en-US"/>
           </a:p>
         </p:txBody>
       </p:sp>
@@ -2144,13 +2202,6 @@
       </p:transition>
     </mc:Fallback>
   </mc:AlternateContent>
-  <p:timing>
-    <p:tnLst>
-      <p:par>
-        <p:cTn id="1" dur="indefinite" restart="never" nodeType="tmRoot"/>
-      </p:par>
-    </p:tnLst>
-  </p:timing>
 </p:sldLayout>
 </file>
 
@@ -2192,10 +2243,9 @@
           <a:lstStyle/>
           <a:p>
             <a:r>
-              <a:rPr lang="en-US" smtClean="0"/>
+              <a:rPr lang="en-US"/>
               <a:t>Click to edit Master title style</a:t>
             </a:r>
-            <a:endParaRPr lang="en-US"/>
           </a:p>
         </p:txBody>
       </p:sp>
@@ -2221,38 +2271,37 @@
           <a:p>
             <a:pPr lvl="0"/>
             <a:r>
-              <a:rPr lang="en-US" smtClean="0"/>
+              <a:rPr lang="en-US"/>
               <a:t>Click to edit Master text styles</a:t>
             </a:r>
           </a:p>
           <a:p>
             <a:pPr lvl="1"/>
             <a:r>
-              <a:rPr lang="en-US" smtClean="0"/>
+              <a:rPr lang="en-US"/>
               <a:t>Second level</a:t>
             </a:r>
           </a:p>
           <a:p>
             <a:pPr lvl="2"/>
             <a:r>
-              <a:rPr lang="en-US" smtClean="0"/>
+              <a:rPr lang="en-US"/>
               <a:t>Third level</a:t>
             </a:r>
           </a:p>
           <a:p>
             <a:pPr lvl="3"/>
             <a:r>
-              <a:rPr lang="en-US" smtClean="0"/>
+              <a:rPr lang="en-US"/>
               <a:t>Fourth level</a:t>
             </a:r>
           </a:p>
           <a:p>
             <a:pPr lvl="4"/>
             <a:r>
-              <a:rPr lang="en-US" smtClean="0"/>
+              <a:rPr lang="en-US"/>
               <a:t>Fifth level</a:t>
             </a:r>
-            <a:endParaRPr lang="en-US"/>
           </a:p>
         </p:txBody>
       </p:sp>
@@ -2291,10 +2340,9 @@
           <a:lstStyle/>
           <a:p>
             <a:r>
-              <a:rPr lang="en-US" smtClean="0"/>
+              <a:rPr lang="en-US"/>
               <a:t>Lucien Camuglia</a:t>
             </a:r>
-            <a:endParaRPr lang="en-US"/>
           </a:p>
         </p:txBody>
       </p:sp>
@@ -2343,13 +2391,6 @@
       </p:transition>
     </mc:Fallback>
   </mc:AlternateContent>
-  <p:timing>
-    <p:tnLst>
-      <p:par>
-        <p:cTn id="1" dur="indefinite" restart="never" nodeType="tmRoot"/>
-      </p:par>
-    </p:tnLst>
-  </p:timing>
 </p:sldLayout>
 </file>
 
@@ -2409,10 +2450,9 @@
           </a:lstStyle>
           <a:p>
             <a:r>
-              <a:rPr lang="en-US" dirty="0" smtClean="0"/>
+              <a:rPr lang="en-US" dirty="0"/>
               <a:t>Click Icon To Add Image </a:t>
             </a:r>
-            <a:endParaRPr lang="en-US" dirty="0"/>
           </a:p>
         </p:txBody>
       </p:sp>
@@ -2455,10 +2495,9 @@
           </a:lstStyle>
           <a:p>
             <a:r>
-              <a:rPr lang="en-US" dirty="0" smtClean="0"/>
+              <a:rPr lang="en-US" dirty="0"/>
               <a:t>Click Icon To Add Image </a:t>
             </a:r>
-            <a:endParaRPr lang="en-US" dirty="0"/>
           </a:p>
         </p:txBody>
       </p:sp>
@@ -2472,13 +2511,6 @@
   <p:clrMapOvr>
     <a:masterClrMapping/>
   </p:clrMapOvr>
-  <p:timing>
-    <p:tnLst>
-      <p:par>
-        <p:cTn id="1" dur="indefinite" restart="never" nodeType="tmRoot"/>
-      </p:par>
-    </p:tnLst>
-  </p:timing>
 </p:sldLayout>
 </file>
 
@@ -2886,7 +2918,7 @@
           </a:lstStyle>
           <a:p>
             <a:pPr lvl="0"/>
-            <a:endParaRPr lang="en-US" dirty="0" smtClean="0"/>
+            <a:endParaRPr lang="en-US" dirty="0"/>
           </a:p>
         </p:txBody>
       </p:sp>
@@ -2961,7 +2993,7 @@
           <a:p>
             <a:pPr lvl="0"/>
             <a:r>
-              <a:rPr lang="en-US" dirty="0" smtClean="0"/>
+              <a:rPr lang="en-US" dirty="0"/>
               <a:t>Num</a:t>
             </a:r>
           </a:p>
@@ -3038,7 +3070,7 @@
           <a:p>
             <a:pPr lvl="0"/>
             <a:r>
-              <a:rPr lang="en-US" dirty="0" smtClean="0"/>
+              <a:rPr lang="en-US" dirty="0"/>
               <a:t>Num</a:t>
             </a:r>
           </a:p>
@@ -3115,7 +3147,7 @@
           <a:p>
             <a:pPr lvl="0"/>
             <a:r>
-              <a:rPr lang="en-US" dirty="0" smtClean="0"/>
+              <a:rPr lang="en-US" dirty="0"/>
               <a:t>Num</a:t>
             </a:r>
           </a:p>
@@ -3288,10 +3320,9 @@
           </a:lstStyle>
           <a:p>
             <a:r>
-              <a:rPr lang="en-US" dirty="0" smtClean="0"/>
+              <a:rPr lang="en-US" dirty="0"/>
               <a:t>Image</a:t>
             </a:r>
-            <a:endParaRPr lang="en-US" dirty="0"/>
           </a:p>
         </p:txBody>
       </p:sp>
@@ -3336,10 +3367,9 @@
           </a:lstStyle>
           <a:p>
             <a:r>
-              <a:rPr lang="en-US" dirty="0" smtClean="0"/>
+              <a:rPr lang="en-US" dirty="0"/>
               <a:t>Image</a:t>
             </a:r>
-            <a:endParaRPr lang="en-US" dirty="0"/>
           </a:p>
         </p:txBody>
       </p:sp>
@@ -3384,10 +3414,9 @@
           </a:lstStyle>
           <a:p>
             <a:r>
-              <a:rPr lang="en-US" dirty="0" smtClean="0"/>
+              <a:rPr lang="en-US" dirty="0"/>
               <a:t>Image</a:t>
             </a:r>
-            <a:endParaRPr lang="en-US" dirty="0"/>
           </a:p>
         </p:txBody>
       </p:sp>
@@ -3539,7 +3568,7 @@
           </a:lstStyle>
           <a:p>
             <a:pPr lvl="0"/>
-            <a:endParaRPr lang="en-US" dirty="0" smtClean="0"/>
+            <a:endParaRPr lang="en-US" dirty="0"/>
           </a:p>
         </p:txBody>
       </p:sp>
@@ -3691,7 +3720,7 @@
           </a:lstStyle>
           <a:p>
             <a:pPr lvl="0"/>
-            <a:endParaRPr lang="en-US" dirty="0" smtClean="0"/>
+            <a:endParaRPr lang="en-US" dirty="0"/>
           </a:p>
         </p:txBody>
       </p:sp>
@@ -3843,7 +3872,7 @@
           </a:lstStyle>
           <a:p>
             <a:pPr lvl="0"/>
-            <a:endParaRPr lang="en-US" dirty="0" smtClean="0"/>
+            <a:endParaRPr lang="en-US" dirty="0"/>
           </a:p>
         </p:txBody>
       </p:sp>
@@ -5780,10 +5809,9 @@
           </a:lstStyle>
           <a:p>
             <a:r>
-              <a:rPr lang="en-US" dirty="0" smtClean="0"/>
+              <a:rPr lang="en-US" dirty="0"/>
               <a:t>Click Icon To Add Image</a:t>
             </a:r>
-            <a:endParaRPr lang="en-US" dirty="0"/>
           </a:p>
         </p:txBody>
       </p:sp>
@@ -5954,13 +5982,6 @@
   <p:clrMapOvr>
     <a:masterClrMapping/>
   </p:clrMapOvr>
-  <p:timing>
-    <p:tnLst>
-      <p:par>
-        <p:cTn id="1" dur="indefinite" restart="never" nodeType="tmRoot"/>
-      </p:par>
-    </p:tnLst>
-  </p:timing>
 </p:sldLayout>
 </file>
 
@@ -5999,13 +6020,6 @@
   <p:clrMapOvr>
     <a:masterClrMapping/>
   </p:clrMapOvr>
-  <p:timing>
-    <p:tnLst>
-      <p:par>
-        <p:cTn id="1" dur="indefinite" restart="never" nodeType="tmRoot"/>
-      </p:par>
-    </p:tnLst>
-  </p:timing>
 </p:sldLayout>
 </file>
 
@@ -6036,13 +6050,6 @@
   <p:clrMapOvr>
     <a:masterClrMapping/>
   </p:clrMapOvr>
-  <p:timing>
-    <p:tnLst>
-      <p:par>
-        <p:cTn id="1" dur="indefinite" restart="never" nodeType="tmRoot"/>
-      </p:par>
-    </p:tnLst>
-  </p:timing>
 </p:sldLayout>
 </file>
 
@@ -6073,13 +6080,6 @@
   <p:clrMapOvr>
     <a:masterClrMapping/>
   </p:clrMapOvr>
-  <p:timing>
-    <p:tnLst>
-      <p:par>
-        <p:cTn id="1" dur="indefinite" restart="never" nodeType="tmRoot"/>
-      </p:par>
-    </p:tnLst>
-  </p:timing>
 </p:sldLayout>
 </file>
 
@@ -6187,10 +6187,9 @@
           </a:lstStyle>
           <a:p>
             <a:r>
-              <a:rPr lang="en-US" dirty="0" smtClean="0"/>
+              <a:rPr lang="en-US" dirty="0"/>
               <a:t>Click Icon To Add Image</a:t>
             </a:r>
-            <a:endParaRPr lang="en-US" dirty="0"/>
           </a:p>
         </p:txBody>
       </p:sp>
@@ -6233,10 +6232,9 @@
           </a:lstStyle>
           <a:p>
             <a:r>
-              <a:rPr lang="en-US" dirty="0" smtClean="0"/>
+              <a:rPr lang="en-US" dirty="0"/>
               <a:t>Click Icon To Add Image</a:t>
             </a:r>
-            <a:endParaRPr lang="en-US" dirty="0"/>
           </a:p>
         </p:txBody>
       </p:sp>
@@ -6279,10 +6277,9 @@
           </a:lstStyle>
           <a:p>
             <a:r>
-              <a:rPr lang="en-US" dirty="0" smtClean="0"/>
+              <a:rPr lang="en-US" dirty="0"/>
               <a:t>Click Icon To Add Image</a:t>
             </a:r>
-            <a:endParaRPr lang="en-US" dirty="0"/>
           </a:p>
         </p:txBody>
       </p:sp>
@@ -6565,10 +6562,9 @@
           </a:lstStyle>
           <a:p>
             <a:r>
-              <a:rPr lang="en-US" smtClean="0"/>
+              <a:rPr lang="en-US"/>
               <a:t>Click to edit Master title style</a:t>
             </a:r>
-            <a:endParaRPr lang="en-US"/>
           </a:p>
         </p:txBody>
       </p:sp>
@@ -6685,7 +6681,7 @@
           <a:p>
             <a:pPr lvl="0"/>
             <a:r>
-              <a:rPr lang="en-US" smtClean="0"/>
+              <a:rPr lang="en-US"/>
               <a:t>Click to edit Master text styles</a:t>
             </a:r>
           </a:p>
@@ -6726,10 +6722,9 @@
           <a:lstStyle/>
           <a:p>
             <a:r>
-              <a:rPr lang="en-US" smtClean="0"/>
+              <a:rPr lang="en-US"/>
               <a:t>Lucien Camuglia</a:t>
             </a:r>
-            <a:endParaRPr lang="en-US"/>
           </a:p>
         </p:txBody>
       </p:sp>
@@ -6778,13 +6773,6 @@
       </p:transition>
     </mc:Fallback>
   </mc:AlternateContent>
-  <p:timing>
-    <p:tnLst>
-      <p:par>
-        <p:cTn id="1" dur="indefinite" restart="never" nodeType="tmRoot"/>
-      </p:par>
-    </p:tnLst>
-  </p:timing>
 </p:sldLayout>
 </file>
 
@@ -7014,10 +7002,9 @@
           </a:lstStyle>
           <a:p>
             <a:r>
-              <a:rPr lang="en-US" dirty="0" smtClean="0"/>
+              <a:rPr lang="en-US" dirty="0"/>
               <a:t>Click Icon To Add Image</a:t>
             </a:r>
-            <a:endParaRPr lang="en-US" dirty="0"/>
           </a:p>
         </p:txBody>
       </p:sp>
@@ -7219,7 +7206,7 @@
           </a:lstStyle>
           <a:p>
             <a:pPr lvl="0"/>
-            <a:endParaRPr lang="en-US" dirty="0" smtClean="0"/>
+            <a:endParaRPr lang="en-US" dirty="0"/>
           </a:p>
         </p:txBody>
       </p:sp>
@@ -7262,10 +7249,9 @@
           </a:lstStyle>
           <a:p>
             <a:r>
-              <a:rPr lang="en-US" dirty="0" smtClean="0"/>
+              <a:rPr lang="en-US" dirty="0"/>
               <a:t>Click Icon To Add Image</a:t>
             </a:r>
-            <a:endParaRPr lang="en-US" dirty="0"/>
           </a:p>
         </p:txBody>
       </p:sp>
@@ -7467,7 +7453,7 @@
           </a:lstStyle>
           <a:p>
             <a:pPr lvl="0"/>
-            <a:endParaRPr lang="en-US" dirty="0" smtClean="0"/>
+            <a:endParaRPr lang="en-US" dirty="0"/>
           </a:p>
         </p:txBody>
       </p:sp>
@@ -7510,10 +7496,9 @@
           </a:lstStyle>
           <a:p>
             <a:r>
-              <a:rPr lang="en-US" dirty="0" smtClean="0"/>
+              <a:rPr lang="en-US" dirty="0"/>
               <a:t>Click Icon To Add Image</a:t>
             </a:r>
-            <a:endParaRPr lang="en-US" dirty="0"/>
           </a:p>
         </p:txBody>
       </p:sp>
@@ -7715,7 +7700,7 @@
           </a:lstStyle>
           <a:p>
             <a:pPr lvl="0"/>
-            <a:endParaRPr lang="en-US" dirty="0" smtClean="0"/>
+            <a:endParaRPr lang="en-US" dirty="0"/>
           </a:p>
         </p:txBody>
       </p:sp>
@@ -7758,10 +7743,9 @@
           </a:lstStyle>
           <a:p>
             <a:r>
-              <a:rPr lang="en-US" dirty="0" smtClean="0"/>
+              <a:rPr lang="en-US" dirty="0"/>
               <a:t>Click Icon To Add Image</a:t>
             </a:r>
-            <a:endParaRPr lang="en-US" dirty="0"/>
           </a:p>
         </p:txBody>
       </p:sp>
@@ -7963,7 +7947,7 @@
           </a:lstStyle>
           <a:p>
             <a:pPr lvl="0"/>
-            <a:endParaRPr lang="en-US" dirty="0" smtClean="0"/>
+            <a:endParaRPr lang="en-US" dirty="0"/>
           </a:p>
         </p:txBody>
       </p:sp>
@@ -8006,10 +7990,9 @@
           </a:lstStyle>
           <a:p>
             <a:r>
-              <a:rPr lang="en-US" dirty="0" smtClean="0"/>
+              <a:rPr lang="en-US" dirty="0"/>
               <a:t>Click Icon To Add Image</a:t>
             </a:r>
-            <a:endParaRPr lang="en-US" dirty="0"/>
           </a:p>
         </p:txBody>
       </p:sp>
@@ -8211,7 +8194,7 @@
           </a:lstStyle>
           <a:p>
             <a:pPr lvl="0"/>
-            <a:endParaRPr lang="en-US" dirty="0" smtClean="0"/>
+            <a:endParaRPr lang="en-US" dirty="0"/>
           </a:p>
         </p:txBody>
       </p:sp>
@@ -8560,21 +8543,30 @@
                             </p:childTnLst>
                           </p:cTn>
                         </p:par>
+                      </p:childTnLst>
+                    </p:cTn>
+                  </p:par>
+                  <p:par>
+                    <p:cTn id="27" fill="hold">
+                      <p:stCondLst>
+                        <p:cond delay="indefinite"/>
+                      </p:stCondLst>
+                      <p:childTnLst>
                         <p:par>
-                          <p:cTn id="27" fill="hold">
+                          <p:cTn id="28" fill="hold">
                             <p:stCondLst>
-                              <p:cond delay="2000"/>
+                              <p:cond delay="0"/>
                             </p:stCondLst>
                             <p:childTnLst>
                               <p:par>
-                                <p:cTn id="28" presetID="22" presetClass="entr" presetSubtype="1" fill="hold" grpId="0" nodeType="afterEffect">
+                                <p:cTn id="29" presetID="22" presetClass="entr" presetSubtype="1" fill="hold" grpId="0" nodeType="clickEffect">
                                   <p:stCondLst>
                                     <p:cond delay="0"/>
                                   </p:stCondLst>
                                   <p:childTnLst>
                                     <p:set>
                                       <p:cBhvr>
-                                        <p:cTn id="29" dur="1" fill="hold">
+                                        <p:cTn id="30" dur="1" fill="hold">
                                           <p:stCondLst>
                                             <p:cond delay="0"/>
                                           </p:stCondLst>
@@ -8592,7 +8584,7 @@
                                     </p:set>
                                     <p:animEffect transition="in" filter="wipe(up)">
                                       <p:cBhvr>
-                                        <p:cTn id="30" dur="500"/>
+                                        <p:cTn id="31" dur="500"/>
                                         <p:tgtEl>
                                           <p:spTgt spid="16"/>
                                         </p:tgtEl>
@@ -8602,14 +8594,14 @@
                                 </p:cTn>
                               </p:par>
                               <p:par>
-                                <p:cTn id="31" presetID="12" presetClass="entr" presetSubtype="4" fill="hold" grpId="0" nodeType="withEffect">
+                                <p:cTn id="32" presetID="12" presetClass="entr" presetSubtype="4" fill="hold" grpId="0" nodeType="withEffect">
                                   <p:stCondLst>
                                     <p:cond delay="0"/>
                                   </p:stCondLst>
                                   <p:childTnLst>
                                     <p:set>
                                       <p:cBhvr>
-                                        <p:cTn id="32" dur="1" fill="hold">
+                                        <p:cTn id="33" dur="1" fill="hold">
                                           <p:stCondLst>
                                             <p:cond delay="0"/>
                                           </p:stCondLst>
@@ -8627,7 +8619,7 @@
                                     </p:set>
                                     <p:animEffect transition="in" filter="slide(fromBottom)">
                                       <p:cBhvr>
-                                        <p:cTn id="33" dur="500"/>
+                                        <p:cTn id="34" dur="500"/>
                                         <p:tgtEl>
                                           <p:spTgt spid="18"/>
                                         </p:tgtEl>
@@ -8640,20 +8632,20 @@
                           </p:cTn>
                         </p:par>
                         <p:par>
-                          <p:cTn id="34" fill="hold">
+                          <p:cTn id="35" fill="hold">
                             <p:stCondLst>
-                              <p:cond delay="2500"/>
+                              <p:cond delay="500"/>
                             </p:stCondLst>
                             <p:childTnLst>
                               <p:par>
-                                <p:cTn id="35" presetID="22" presetClass="entr" presetSubtype="1" fill="hold" grpId="0" nodeType="afterEffect">
+                                <p:cTn id="36" presetID="22" presetClass="entr" presetSubtype="1" fill="hold" grpId="0" nodeType="afterEffect">
                                   <p:stCondLst>
                                     <p:cond delay="0"/>
                                   </p:stCondLst>
                                   <p:childTnLst>
                                     <p:set>
                                       <p:cBhvr>
-                                        <p:cTn id="36" dur="1" fill="hold">
+                                        <p:cTn id="37" dur="1" fill="hold">
                                           <p:stCondLst>
                                             <p:cond delay="0"/>
                                           </p:stCondLst>
@@ -8673,7 +8665,7 @@
                                     </p:set>
                                     <p:animEffect transition="in" filter="wipe(up)">
                                       <p:cBhvr>
-                                        <p:cTn id="37" dur="500"/>
+                                        <p:cTn id="38" dur="500"/>
                                         <p:tgtEl>
                                           <p:spTgt spid="19">
                                             <p:bg/>
@@ -8685,19 +8677,19 @@
                                 </p:cTn>
                               </p:par>
                               <p:par>
-                                <p:cTn id="38" presetID="10" presetClass="entr" presetSubtype="0" fill="hold" grpId="0" nodeType="withEffect" nodePh="1">
+                                <p:cTn id="39" presetID="10" presetClass="entr" presetSubtype="0" fill="hold" grpId="0" nodeType="withEffect" nodePh="1">
                                   <p:stCondLst>
                                     <p:cond delay="0"/>
                                   </p:stCondLst>
                                   <p:endCondLst>
                                     <p:cond evt="begin" delay="0">
-                                      <p:tn val="38"/>
+                                      <p:tn val="39"/>
                                     </p:cond>
                                   </p:endCondLst>
                                   <p:childTnLst>
                                     <p:set>
                                       <p:cBhvr>
-                                        <p:cTn id="39" dur="1" fill="hold">
+                                        <p:cTn id="40" dur="1" fill="hold">
                                           <p:stCondLst>
                                             <p:cond delay="0"/>
                                           </p:stCondLst>
@@ -8719,7 +8711,7 @@
                                     </p:set>
                                     <p:animEffect transition="in" filter="fade">
                                       <p:cBhvr>
-                                        <p:cTn id="40" dur="500"/>
+                                        <p:cTn id="41" dur="500"/>
                                         <p:tgtEl>
                                           <p:spTgt spid="19">
                                             <p:txEl>
@@ -8736,25 +8728,25 @@
                           </p:cTn>
                         </p:par>
                         <p:par>
-                          <p:cTn id="41" fill="hold">
+                          <p:cTn id="42" fill="hold">
                             <p:stCondLst>
-                              <p:cond delay="3000"/>
+                              <p:cond delay="1000"/>
                             </p:stCondLst>
                             <p:childTnLst>
                               <p:par>
-                                <p:cTn id="42" presetID="2" presetClass="entr" presetSubtype="4" accel="50000" decel="50000" fill="hold" grpId="0" nodeType="afterEffect" nodePh="1">
+                                <p:cTn id="43" presetID="2" presetClass="entr" presetSubtype="4" accel="50000" decel="50000" fill="hold" grpId="0" nodeType="afterEffect" nodePh="1">
                                   <p:stCondLst>
                                     <p:cond delay="0"/>
                                   </p:stCondLst>
                                   <p:endCondLst>
                                     <p:cond evt="begin" delay="0">
-                                      <p:tn val="42"/>
+                                      <p:tn val="43"/>
                                     </p:cond>
                                   </p:endCondLst>
                                   <p:childTnLst>
                                     <p:set>
                                       <p:cBhvr>
-                                        <p:cTn id="43" dur="1" fill="hold">
+                                        <p:cTn id="44" dur="1" fill="hold">
                                           <p:stCondLst>
                                             <p:cond delay="0"/>
                                           </p:stCondLst>
@@ -8776,7 +8768,7 @@
                                     </p:set>
                                     <p:anim calcmode="lin" valueType="num">
                                       <p:cBhvr additive="base">
-                                        <p:cTn id="44" dur="500" fill="hold"/>
+                                        <p:cTn id="45" dur="500" fill="hold"/>
                                         <p:tgtEl>
                                           <p:spTgt spid="17">
                                             <p:txEl>
@@ -8803,7 +8795,7 @@
                                     </p:anim>
                                     <p:anim calcmode="lin" valueType="num">
                                       <p:cBhvr additive="base">
-                                        <p:cTn id="45" dur="500" fill="hold"/>
+                                        <p:cTn id="46" dur="500" fill="hold"/>
                                         <p:tgtEl>
                                           <p:spTgt spid="17">
                                             <p:txEl>
@@ -8834,21 +8826,30 @@
                             </p:childTnLst>
                           </p:cTn>
                         </p:par>
+                      </p:childTnLst>
+                    </p:cTn>
+                  </p:par>
+                  <p:par>
+                    <p:cTn id="47" fill="hold">
+                      <p:stCondLst>
+                        <p:cond delay="indefinite"/>
+                      </p:stCondLst>
+                      <p:childTnLst>
                         <p:par>
-                          <p:cTn id="46" fill="hold">
+                          <p:cTn id="48" fill="hold">
                             <p:stCondLst>
-                              <p:cond delay="3500"/>
+                              <p:cond delay="0"/>
                             </p:stCondLst>
                             <p:childTnLst>
                               <p:par>
-                                <p:cTn id="47" presetID="22" presetClass="entr" presetSubtype="1" fill="hold" grpId="0" nodeType="afterEffect">
+                                <p:cTn id="49" presetID="22" presetClass="entr" presetSubtype="1" fill="hold" grpId="0" nodeType="clickEffect">
                                   <p:stCondLst>
                                     <p:cond delay="0"/>
                                   </p:stCondLst>
                                   <p:childTnLst>
                                     <p:set>
                                       <p:cBhvr>
-                                        <p:cTn id="48" dur="1" fill="hold">
+                                        <p:cTn id="50" dur="1" fill="hold">
                                           <p:stCondLst>
                                             <p:cond delay="0"/>
                                           </p:stCondLst>
@@ -8866,7 +8867,7 @@
                                     </p:set>
                                     <p:animEffect transition="in" filter="wipe(up)">
                                       <p:cBhvr>
-                                        <p:cTn id="49" dur="500"/>
+                                        <p:cTn id="51" dur="500"/>
                                         <p:tgtEl>
                                           <p:spTgt spid="20"/>
                                         </p:tgtEl>
@@ -8876,14 +8877,14 @@
                                 </p:cTn>
                               </p:par>
                               <p:par>
-                                <p:cTn id="50" presetID="12" presetClass="entr" presetSubtype="4" fill="hold" grpId="0" nodeType="withEffect">
+                                <p:cTn id="52" presetID="12" presetClass="entr" presetSubtype="4" fill="hold" grpId="0" nodeType="withEffect">
                                   <p:stCondLst>
                                     <p:cond delay="0"/>
                                   </p:stCondLst>
                                   <p:childTnLst>
                                     <p:set>
                                       <p:cBhvr>
-                                        <p:cTn id="51" dur="1" fill="hold">
+                                        <p:cTn id="53" dur="1" fill="hold">
                                           <p:stCondLst>
                                             <p:cond delay="0"/>
                                           </p:stCondLst>
@@ -8901,7 +8902,7 @@
                                     </p:set>
                                     <p:animEffect transition="in" filter="slide(fromBottom)">
                                       <p:cBhvr>
-                                        <p:cTn id="52" dur="500"/>
+                                        <p:cTn id="54" dur="500"/>
                                         <p:tgtEl>
                                           <p:spTgt spid="22"/>
                                         </p:tgtEl>
@@ -8914,20 +8915,20 @@
                           </p:cTn>
                         </p:par>
                         <p:par>
-                          <p:cTn id="53" fill="hold">
+                          <p:cTn id="55" fill="hold">
                             <p:stCondLst>
-                              <p:cond delay="4000"/>
+                              <p:cond delay="500"/>
                             </p:stCondLst>
                             <p:childTnLst>
                               <p:par>
-                                <p:cTn id="54" presetID="22" presetClass="entr" presetSubtype="1" fill="hold" grpId="0" nodeType="afterEffect">
+                                <p:cTn id="56" presetID="22" presetClass="entr" presetSubtype="1" fill="hold" grpId="0" nodeType="afterEffect">
                                   <p:stCondLst>
                                     <p:cond delay="0"/>
                                   </p:stCondLst>
                                   <p:childTnLst>
                                     <p:set>
                                       <p:cBhvr>
-                                        <p:cTn id="55" dur="1" fill="hold">
+                                        <p:cTn id="57" dur="1" fill="hold">
                                           <p:stCondLst>
                                             <p:cond delay="0"/>
                                           </p:stCondLst>
@@ -8947,7 +8948,7 @@
                                     </p:set>
                                     <p:animEffect transition="in" filter="wipe(up)">
                                       <p:cBhvr>
-                                        <p:cTn id="56" dur="500"/>
+                                        <p:cTn id="58" dur="500"/>
                                         <p:tgtEl>
                                           <p:spTgt spid="23">
                                             <p:bg/>
@@ -8959,19 +8960,19 @@
                                 </p:cTn>
                               </p:par>
                               <p:par>
-                                <p:cTn id="57" presetID="10" presetClass="entr" presetSubtype="0" fill="hold" grpId="0" nodeType="withEffect" nodePh="1">
+                                <p:cTn id="59" presetID="10" presetClass="entr" presetSubtype="0" fill="hold" grpId="0" nodeType="withEffect" nodePh="1">
                                   <p:stCondLst>
                                     <p:cond delay="0"/>
                                   </p:stCondLst>
                                   <p:endCondLst>
                                     <p:cond evt="begin" delay="0">
-                                      <p:tn val="57"/>
+                                      <p:tn val="59"/>
                                     </p:cond>
                                   </p:endCondLst>
                                   <p:childTnLst>
                                     <p:set>
                                       <p:cBhvr>
-                                        <p:cTn id="58" dur="1" fill="hold">
+                                        <p:cTn id="60" dur="1" fill="hold">
                                           <p:stCondLst>
                                             <p:cond delay="0"/>
                                           </p:stCondLst>
@@ -8993,7 +8994,7 @@
                                     </p:set>
                                     <p:animEffect transition="in" filter="fade">
                                       <p:cBhvr>
-                                        <p:cTn id="59" dur="500"/>
+                                        <p:cTn id="61" dur="500"/>
                                         <p:tgtEl>
                                           <p:spTgt spid="23">
                                             <p:txEl>
@@ -9010,25 +9011,25 @@
                           </p:cTn>
                         </p:par>
                         <p:par>
-                          <p:cTn id="60" fill="hold">
+                          <p:cTn id="62" fill="hold">
                             <p:stCondLst>
-                              <p:cond delay="4500"/>
+                              <p:cond delay="1000"/>
                             </p:stCondLst>
                             <p:childTnLst>
                               <p:par>
-                                <p:cTn id="61" presetID="2" presetClass="entr" presetSubtype="4" accel="50000" decel="50000" fill="hold" grpId="0" nodeType="afterEffect" nodePh="1">
+                                <p:cTn id="63" presetID="2" presetClass="entr" presetSubtype="4" accel="50000" decel="50000" fill="hold" grpId="0" nodeType="afterEffect" nodePh="1">
                                   <p:stCondLst>
                                     <p:cond delay="0"/>
                                   </p:stCondLst>
                                   <p:endCondLst>
                                     <p:cond evt="begin" delay="0">
-                                      <p:tn val="61"/>
+                                      <p:tn val="63"/>
                                     </p:cond>
                                   </p:endCondLst>
                                   <p:childTnLst>
                                     <p:set>
                                       <p:cBhvr>
-                                        <p:cTn id="62" dur="1" fill="hold">
+                                        <p:cTn id="64" dur="1" fill="hold">
                                           <p:stCondLst>
                                             <p:cond delay="0"/>
                                           </p:stCondLst>
@@ -9050,7 +9051,7 @@
                                     </p:set>
                                     <p:anim calcmode="lin" valueType="num">
                                       <p:cBhvr additive="base">
-                                        <p:cTn id="63" dur="500" fill="hold"/>
+                                        <p:cTn id="65" dur="500" fill="hold"/>
                                         <p:tgtEl>
                                           <p:spTgt spid="21">
                                             <p:txEl>
@@ -9077,7 +9078,7 @@
                                     </p:anim>
                                     <p:anim calcmode="lin" valueType="num">
                                       <p:cBhvr additive="base">
-                                        <p:cTn id="64" dur="500" fill="hold"/>
+                                        <p:cTn id="66" dur="500" fill="hold"/>
                                         <p:tgtEl>
                                           <p:spTgt spid="21">
                                             <p:txEl>
@@ -9108,49 +9109,23 @@
                             </p:childTnLst>
                           </p:cTn>
                         </p:par>
+                      </p:childTnLst>
+                    </p:cTn>
+                  </p:par>
+                  <p:par>
+                    <p:cTn id="67" fill="hold">
+                      <p:stCondLst>
+                        <p:cond delay="indefinite"/>
+                      </p:stCondLst>
+                      <p:childTnLst>
                         <p:par>
-                          <p:cTn id="65" fill="hold">
+                          <p:cTn id="68" fill="hold">
                             <p:stCondLst>
-                              <p:cond delay="5000"/>
+                              <p:cond delay="0"/>
                             </p:stCondLst>
                             <p:childTnLst>
                               <p:par>
-                                <p:cTn id="66" presetID="22" presetClass="entr" presetSubtype="1" fill="hold" grpId="0" nodeType="afterEffect">
-                                  <p:stCondLst>
-                                    <p:cond delay="0"/>
-                                  </p:stCondLst>
-                                  <p:childTnLst>
-                                    <p:set>
-                                      <p:cBhvr>
-                                        <p:cTn id="67" dur="1" fill="hold">
-                                          <p:stCondLst>
-                                            <p:cond delay="0"/>
-                                          </p:stCondLst>
-                                        </p:cTn>
-                                        <p:tgtEl>
-                                          <p:spTgt spid="24"/>
-                                        </p:tgtEl>
-                                        <p:attrNameLst>
-                                          <p:attrName>style.visibility</p:attrName>
-                                        </p:attrNameLst>
-                                      </p:cBhvr>
-                                      <p:to>
-                                        <p:strVal val="visible"/>
-                                      </p:to>
-                                    </p:set>
-                                    <p:animEffect transition="in" filter="wipe(up)">
-                                      <p:cBhvr>
-                                        <p:cTn id="68" dur="500"/>
-                                        <p:tgtEl>
-                                          <p:spTgt spid="24"/>
-                                        </p:tgtEl>
-                                      </p:cBhvr>
-                                    </p:animEffect>
-                                  </p:childTnLst>
-                                </p:cTn>
-                              </p:par>
-                              <p:par>
-                                <p:cTn id="69" presetID="12" presetClass="entr" presetSubtype="4" fill="hold" grpId="0" nodeType="withEffect">
+                                <p:cTn id="69" presetID="22" presetClass="entr" presetSubtype="1" fill="hold" grpId="0" nodeType="clickEffect">
                                   <p:stCondLst>
                                     <p:cond delay="0"/>
                                   </p:stCondLst>
@@ -9163,6 +9138,41 @@
                                           </p:stCondLst>
                                         </p:cTn>
                                         <p:tgtEl>
+                                          <p:spTgt spid="24"/>
+                                        </p:tgtEl>
+                                        <p:attrNameLst>
+                                          <p:attrName>style.visibility</p:attrName>
+                                        </p:attrNameLst>
+                                      </p:cBhvr>
+                                      <p:to>
+                                        <p:strVal val="visible"/>
+                                      </p:to>
+                                    </p:set>
+                                    <p:animEffect transition="in" filter="wipe(up)">
+                                      <p:cBhvr>
+                                        <p:cTn id="71" dur="500"/>
+                                        <p:tgtEl>
+                                          <p:spTgt spid="24"/>
+                                        </p:tgtEl>
+                                      </p:cBhvr>
+                                    </p:animEffect>
+                                  </p:childTnLst>
+                                </p:cTn>
+                              </p:par>
+                              <p:par>
+                                <p:cTn id="72" presetID="12" presetClass="entr" presetSubtype="4" fill="hold" grpId="0" nodeType="withEffect">
+                                  <p:stCondLst>
+                                    <p:cond delay="0"/>
+                                  </p:stCondLst>
+                                  <p:childTnLst>
+                                    <p:set>
+                                      <p:cBhvr>
+                                        <p:cTn id="73" dur="1" fill="hold">
+                                          <p:stCondLst>
+                                            <p:cond delay="0"/>
+                                          </p:stCondLst>
+                                        </p:cTn>
+                                        <p:tgtEl>
                                           <p:spTgt spid="26"/>
                                         </p:tgtEl>
                                         <p:attrNameLst>
@@ -9175,7 +9185,7 @@
                                     </p:set>
                                     <p:animEffect transition="in" filter="slide(fromBottom)">
                                       <p:cBhvr>
-                                        <p:cTn id="71" dur="500"/>
+                                        <p:cTn id="74" dur="500"/>
                                         <p:tgtEl>
                                           <p:spTgt spid="26"/>
                                         </p:tgtEl>
@@ -9188,60 +9198,16 @@
                           </p:cTn>
                         </p:par>
                         <p:par>
-                          <p:cTn id="72" fill="hold">
+                          <p:cTn id="75" fill="hold">
                             <p:stCondLst>
-                              <p:cond delay="5500"/>
+                              <p:cond delay="500"/>
                             </p:stCondLst>
                             <p:childTnLst>
                               <p:par>
-                                <p:cTn id="73" presetID="22" presetClass="entr" presetSubtype="1" fill="hold" grpId="0" nodeType="afterEffect">
+                                <p:cTn id="76" presetID="22" presetClass="entr" presetSubtype="1" fill="hold" grpId="0" nodeType="afterEffect">
                                   <p:stCondLst>
                                     <p:cond delay="0"/>
                                   </p:stCondLst>
-                                  <p:childTnLst>
-                                    <p:set>
-                                      <p:cBhvr>
-                                        <p:cTn id="74" dur="1" fill="hold">
-                                          <p:stCondLst>
-                                            <p:cond delay="0"/>
-                                          </p:stCondLst>
-                                        </p:cTn>
-                                        <p:tgtEl>
-                                          <p:spTgt spid="27">
-                                            <p:bg/>
-                                          </p:spTgt>
-                                        </p:tgtEl>
-                                        <p:attrNameLst>
-                                          <p:attrName>style.visibility</p:attrName>
-                                        </p:attrNameLst>
-                                      </p:cBhvr>
-                                      <p:to>
-                                        <p:strVal val="visible"/>
-                                      </p:to>
-                                    </p:set>
-                                    <p:animEffect transition="in" filter="wipe(up)">
-                                      <p:cBhvr>
-                                        <p:cTn id="75" dur="500"/>
-                                        <p:tgtEl>
-                                          <p:spTgt spid="27">
-                                            <p:bg/>
-                                          </p:spTgt>
-                                        </p:tgtEl>
-                                      </p:cBhvr>
-                                    </p:animEffect>
-                                  </p:childTnLst>
-                                </p:cTn>
-                              </p:par>
-                              <p:par>
-                                <p:cTn id="76" presetID="10" presetClass="entr" presetSubtype="0" fill="hold" grpId="0" nodeType="withEffect" nodePh="1">
-                                  <p:stCondLst>
-                                    <p:cond delay="0"/>
-                                  </p:stCondLst>
-                                  <p:endCondLst>
-                                    <p:cond evt="begin" delay="0">
-                                      <p:tn val="76"/>
-                                    </p:cond>
-                                  </p:endCondLst>
                                   <p:childTnLst>
                                     <p:set>
                                       <p:cBhvr>
@@ -9252,6 +9218,50 @@
                                         </p:cTn>
                                         <p:tgtEl>
                                           <p:spTgt spid="27">
+                                            <p:bg/>
+                                          </p:spTgt>
+                                        </p:tgtEl>
+                                        <p:attrNameLst>
+                                          <p:attrName>style.visibility</p:attrName>
+                                        </p:attrNameLst>
+                                      </p:cBhvr>
+                                      <p:to>
+                                        <p:strVal val="visible"/>
+                                      </p:to>
+                                    </p:set>
+                                    <p:animEffect transition="in" filter="wipe(up)">
+                                      <p:cBhvr>
+                                        <p:cTn id="78" dur="500"/>
+                                        <p:tgtEl>
+                                          <p:spTgt spid="27">
+                                            <p:bg/>
+                                          </p:spTgt>
+                                        </p:tgtEl>
+                                      </p:cBhvr>
+                                    </p:animEffect>
+                                  </p:childTnLst>
+                                </p:cTn>
+                              </p:par>
+                              <p:par>
+                                <p:cTn id="79" presetID="10" presetClass="entr" presetSubtype="0" fill="hold" grpId="0" nodeType="withEffect" nodePh="1">
+                                  <p:stCondLst>
+                                    <p:cond delay="0"/>
+                                  </p:stCondLst>
+                                  <p:endCondLst>
+                                    <p:cond evt="begin" delay="0">
+                                      <p:tn val="79"/>
+                                    </p:cond>
+                                  </p:endCondLst>
+                                  <p:childTnLst>
+                                    <p:set>
+                                      <p:cBhvr>
+                                        <p:cTn id="80" dur="1" fill="hold">
+                                          <p:stCondLst>
+                                            <p:cond delay="0"/>
+                                          </p:stCondLst>
+                                        </p:cTn>
+                                        <p:tgtEl>
+                                          <p:spTgt spid="27">
                                             <p:txEl>
                                               <p:pRg st="0" end="0"/>
                                             </p:txEl>
@@ -9267,7 +9277,7 @@
                                     </p:set>
                                     <p:animEffect transition="in" filter="fade">
                                       <p:cBhvr>
-                                        <p:cTn id="78" dur="500"/>
+                                        <p:cTn id="81" dur="500"/>
                                         <p:tgtEl>
                                           <p:spTgt spid="27">
                                             <p:txEl>
@@ -9284,25 +9294,25 @@
                           </p:cTn>
                         </p:par>
                         <p:par>
-                          <p:cTn id="79" fill="hold">
+                          <p:cTn id="82" fill="hold">
                             <p:stCondLst>
-                              <p:cond delay="6000"/>
+                              <p:cond delay="1000"/>
                             </p:stCondLst>
                             <p:childTnLst>
                               <p:par>
-                                <p:cTn id="80" presetID="2" presetClass="entr" presetSubtype="4" accel="50000" decel="50000" fill="hold" grpId="0" nodeType="afterEffect" nodePh="1">
+                                <p:cTn id="83" presetID="2" presetClass="entr" presetSubtype="4" accel="50000" decel="50000" fill="hold" grpId="0" nodeType="afterEffect" nodePh="1">
                                   <p:stCondLst>
                                     <p:cond delay="0"/>
                                   </p:stCondLst>
                                   <p:endCondLst>
                                     <p:cond evt="begin" delay="0">
-                                      <p:tn val="80"/>
+                                      <p:tn val="83"/>
                                     </p:cond>
                                   </p:endCondLst>
                                   <p:childTnLst>
                                     <p:set>
                                       <p:cBhvr>
-                                        <p:cTn id="81" dur="1" fill="hold">
+                                        <p:cTn id="84" dur="1" fill="hold">
                                           <p:stCondLst>
                                             <p:cond delay="0"/>
                                           </p:stCondLst>
@@ -9324,7 +9334,7 @@
                                     </p:set>
                                     <p:anim calcmode="lin" valueType="num">
                                       <p:cBhvr additive="base">
-                                        <p:cTn id="82" dur="500" fill="hold"/>
+                                        <p:cTn id="85" dur="500" fill="hold"/>
                                         <p:tgtEl>
                                           <p:spTgt spid="25">
                                             <p:txEl>
@@ -9351,7 +9361,7 @@
                                     </p:anim>
                                     <p:anim calcmode="lin" valueType="num">
                                       <p:cBhvr additive="base">
-                                        <p:cTn id="83" dur="500" fill="hold"/>
+                                        <p:cTn id="86" dur="500" fill="hold"/>
                                         <p:tgtEl>
                                           <p:spTgt spid="25">
                                             <p:txEl>
@@ -9382,21 +9392,30 @@
                             </p:childTnLst>
                           </p:cTn>
                         </p:par>
+                      </p:childTnLst>
+                    </p:cTn>
+                  </p:par>
+                  <p:par>
+                    <p:cTn id="87" fill="hold">
+                      <p:stCondLst>
+                        <p:cond delay="indefinite"/>
+                      </p:stCondLst>
+                      <p:childTnLst>
                         <p:par>
-                          <p:cTn id="84" fill="hold">
+                          <p:cTn id="88" fill="hold">
                             <p:stCondLst>
-                              <p:cond delay="6500"/>
+                              <p:cond delay="0"/>
                             </p:stCondLst>
                             <p:childTnLst>
                               <p:par>
-                                <p:cTn id="85" presetID="22" presetClass="entr" presetSubtype="1" fill="hold" grpId="0" nodeType="afterEffect">
+                                <p:cTn id="89" presetID="22" presetClass="entr" presetSubtype="1" fill="hold" grpId="0" nodeType="clickEffect">
                                   <p:stCondLst>
                                     <p:cond delay="0"/>
                                   </p:stCondLst>
                                   <p:childTnLst>
                                     <p:set>
                                       <p:cBhvr>
-                                        <p:cTn id="86" dur="1" fill="hold">
+                                        <p:cTn id="90" dur="1" fill="hold">
                                           <p:stCondLst>
                                             <p:cond delay="0"/>
                                           </p:stCondLst>
@@ -9414,7 +9433,7 @@
                                     </p:set>
                                     <p:animEffect transition="in" filter="wipe(up)">
                                       <p:cBhvr>
-                                        <p:cTn id="87" dur="500"/>
+                                        <p:cTn id="91" dur="500"/>
                                         <p:tgtEl>
                                           <p:spTgt spid="28"/>
                                         </p:tgtEl>
@@ -9424,51 +9443,7 @@
                                 </p:cTn>
                               </p:par>
                               <p:par>
-                                <p:cTn id="88" presetID="12" presetClass="entr" presetSubtype="4" fill="hold" grpId="0" nodeType="withEffect">
-                                  <p:stCondLst>
-                                    <p:cond delay="0"/>
-                                  </p:stCondLst>
-                                  <p:childTnLst>
-                                    <p:set>
-                                      <p:cBhvr>
-                                        <p:cTn id="89" dur="1" fill="hold">
-                                          <p:stCondLst>
-                                            <p:cond delay="0"/>
-                                          </p:stCondLst>
-                                        </p:cTn>
-                                        <p:tgtEl>
-                                          <p:spTgt spid="30"/>
-                                        </p:tgtEl>
-                                        <p:attrNameLst>
-                                          <p:attrName>style.visibility</p:attrName>
-                                        </p:attrNameLst>
-                                      </p:cBhvr>
-                                      <p:to>
-                                        <p:strVal val="visible"/>
-                                      </p:to>
-                                    </p:set>
-                                    <p:animEffect transition="in" filter="slide(fromBottom)">
-                                      <p:cBhvr>
-                                        <p:cTn id="90" dur="500"/>
-                                        <p:tgtEl>
-                                          <p:spTgt spid="30"/>
-                                        </p:tgtEl>
-                                      </p:cBhvr>
-                                    </p:animEffect>
-                                  </p:childTnLst>
-                                </p:cTn>
-                              </p:par>
-                            </p:childTnLst>
-                          </p:cTn>
-                        </p:par>
-                        <p:par>
-                          <p:cTn id="91" fill="hold">
-                            <p:stCondLst>
-                              <p:cond delay="7000"/>
-                            </p:stCondLst>
-                            <p:childTnLst>
-                              <p:par>
-                                <p:cTn id="92" presetID="22" presetClass="entr" presetSubtype="1" fill="hold" grpId="0" nodeType="afterEffect">
+                                <p:cTn id="92" presetID="12" presetClass="entr" presetSubtype="4" fill="hold" grpId="0" nodeType="withEffect">
                                   <p:stCondLst>
                                     <p:cond delay="0"/>
                                   </p:stCondLst>
@@ -9481,9 +9456,7 @@
                                           </p:stCondLst>
                                         </p:cTn>
                                         <p:tgtEl>
-                                          <p:spTgt spid="31">
-                                            <p:bg/>
-                                          </p:spTgt>
+                                          <p:spTgt spid="30"/>
                                         </p:tgtEl>
                                         <p:attrNameLst>
                                           <p:attrName>style.visibility</p:attrName>
@@ -9493,61 +9466,11 @@
                                         <p:strVal val="visible"/>
                                       </p:to>
                                     </p:set>
-                                    <p:animEffect transition="in" filter="wipe(up)">
+                                    <p:animEffect transition="in" filter="slide(fromBottom)">
                                       <p:cBhvr>
                                         <p:cTn id="94" dur="500"/>
                                         <p:tgtEl>
-                                          <p:spTgt spid="31">
-                                            <p:bg/>
-                                          </p:spTgt>
-                                        </p:tgtEl>
-                                      </p:cBhvr>
-                                    </p:animEffect>
-                                  </p:childTnLst>
-                                </p:cTn>
-                              </p:par>
-                              <p:par>
-                                <p:cTn id="95" presetID="10" presetClass="entr" presetSubtype="0" fill="hold" grpId="0" nodeType="withEffect" nodePh="1">
-                                  <p:stCondLst>
-                                    <p:cond delay="0"/>
-                                  </p:stCondLst>
-                                  <p:endCondLst>
-                                    <p:cond evt="begin" delay="0">
-                                      <p:tn val="95"/>
-                                    </p:cond>
-                                  </p:endCondLst>
-                                  <p:childTnLst>
-                                    <p:set>
-                                      <p:cBhvr>
-                                        <p:cTn id="96" dur="1" fill="hold">
-                                          <p:stCondLst>
-                                            <p:cond delay="0"/>
-                                          </p:stCondLst>
-                                        </p:cTn>
-                                        <p:tgtEl>
-                                          <p:spTgt spid="31">
-                                            <p:txEl>
-                                              <p:pRg st="0" end="0"/>
-                                            </p:txEl>
-                                          </p:spTgt>
-                                        </p:tgtEl>
-                                        <p:attrNameLst>
-                                          <p:attrName>style.visibility</p:attrName>
-                                        </p:attrNameLst>
-                                      </p:cBhvr>
-                                      <p:to>
-                                        <p:strVal val="visible"/>
-                                      </p:to>
-                                    </p:set>
-                                    <p:animEffect transition="in" filter="fade">
-                                      <p:cBhvr>
-                                        <p:cTn id="97" dur="500"/>
-                                        <p:tgtEl>
-                                          <p:spTgt spid="31">
-                                            <p:txEl>
-                                              <p:pRg st="0" end="0"/>
-                                            </p:txEl>
-                                          </p:spTgt>
+                                          <p:spTgt spid="30"/>
                                         </p:tgtEl>
                                       </p:cBhvr>
                                     </p:animEffect>
@@ -9558,13 +9481,52 @@
                           </p:cTn>
                         </p:par>
                         <p:par>
-                          <p:cTn id="98" fill="hold">
+                          <p:cTn id="95" fill="hold">
                             <p:stCondLst>
-                              <p:cond delay="7500"/>
+                              <p:cond delay="500"/>
                             </p:stCondLst>
                             <p:childTnLst>
                               <p:par>
-                                <p:cTn id="99" presetID="2" presetClass="entr" presetSubtype="4" accel="50000" decel="50000" fill="hold" grpId="0" nodeType="afterEffect" nodePh="1">
+                                <p:cTn id="96" presetID="22" presetClass="entr" presetSubtype="1" fill="hold" grpId="0" nodeType="afterEffect">
+                                  <p:stCondLst>
+                                    <p:cond delay="0"/>
+                                  </p:stCondLst>
+                                  <p:childTnLst>
+                                    <p:set>
+                                      <p:cBhvr>
+                                        <p:cTn id="97" dur="1" fill="hold">
+                                          <p:stCondLst>
+                                            <p:cond delay="0"/>
+                                          </p:stCondLst>
+                                        </p:cTn>
+                                        <p:tgtEl>
+                                          <p:spTgt spid="31">
+                                            <p:bg/>
+                                          </p:spTgt>
+                                        </p:tgtEl>
+                                        <p:attrNameLst>
+                                          <p:attrName>style.visibility</p:attrName>
+                                        </p:attrNameLst>
+                                      </p:cBhvr>
+                                      <p:to>
+                                        <p:strVal val="visible"/>
+                                      </p:to>
+                                    </p:set>
+                                    <p:animEffect transition="in" filter="wipe(up)">
+                                      <p:cBhvr>
+                                        <p:cTn id="98" dur="500"/>
+                                        <p:tgtEl>
+                                          <p:spTgt spid="31">
+                                            <p:bg/>
+                                          </p:spTgt>
+                                        </p:tgtEl>
+                                      </p:cBhvr>
+                                    </p:animEffect>
+                                  </p:childTnLst>
+                                </p:cTn>
+                              </p:par>
+                              <p:par>
+                                <p:cTn id="99" presetID="10" presetClass="entr" presetSubtype="0" fill="hold" grpId="0" nodeType="withEffect" nodePh="1">
                                   <p:stCondLst>
                                     <p:cond delay="0"/>
                                   </p:stCondLst>
@@ -9582,6 +9544,63 @@
                                           </p:stCondLst>
                                         </p:cTn>
                                         <p:tgtEl>
+                                          <p:spTgt spid="31">
+                                            <p:txEl>
+                                              <p:pRg st="0" end="0"/>
+                                            </p:txEl>
+                                          </p:spTgt>
+                                        </p:tgtEl>
+                                        <p:attrNameLst>
+                                          <p:attrName>style.visibility</p:attrName>
+                                        </p:attrNameLst>
+                                      </p:cBhvr>
+                                      <p:to>
+                                        <p:strVal val="visible"/>
+                                      </p:to>
+                                    </p:set>
+                                    <p:animEffect transition="in" filter="fade">
+                                      <p:cBhvr>
+                                        <p:cTn id="101" dur="500"/>
+                                        <p:tgtEl>
+                                          <p:spTgt spid="31">
+                                            <p:txEl>
+                                              <p:pRg st="0" end="0"/>
+                                            </p:txEl>
+                                          </p:spTgt>
+                                        </p:tgtEl>
+                                      </p:cBhvr>
+                                    </p:animEffect>
+                                  </p:childTnLst>
+                                </p:cTn>
+                              </p:par>
+                            </p:childTnLst>
+                          </p:cTn>
+                        </p:par>
+                        <p:par>
+                          <p:cTn id="102" fill="hold">
+                            <p:stCondLst>
+                              <p:cond delay="1000"/>
+                            </p:stCondLst>
+                            <p:childTnLst>
+                              <p:par>
+                                <p:cTn id="103" presetID="2" presetClass="entr" presetSubtype="4" accel="50000" decel="50000" fill="hold" grpId="0" nodeType="afterEffect" nodePh="1">
+                                  <p:stCondLst>
+                                    <p:cond delay="0"/>
+                                  </p:stCondLst>
+                                  <p:endCondLst>
+                                    <p:cond evt="begin" delay="0">
+                                      <p:tn val="103"/>
+                                    </p:cond>
+                                  </p:endCondLst>
+                                  <p:childTnLst>
+                                    <p:set>
+                                      <p:cBhvr>
+                                        <p:cTn id="104" dur="1" fill="hold">
+                                          <p:stCondLst>
+                                            <p:cond delay="0"/>
+                                          </p:stCondLst>
+                                        </p:cTn>
+                                        <p:tgtEl>
                                           <p:spTgt spid="29">
                                             <p:txEl>
                                               <p:pRg st="0" end="0"/>
@@ -9598,7 +9617,7 @@
                                     </p:set>
                                     <p:anim calcmode="lin" valueType="num">
                                       <p:cBhvr additive="base">
-                                        <p:cTn id="101" dur="500" fill="hold"/>
+                                        <p:cTn id="105" dur="500" fill="hold"/>
                                         <p:tgtEl>
                                           <p:spTgt spid="29">
                                             <p:txEl>
@@ -9625,7 +9644,7 @@
                                     </p:anim>
                                     <p:anim calcmode="lin" valueType="num">
                                       <p:cBhvr additive="base">
-                                        <p:cTn id="102" dur="500" fill="hold"/>
+                                        <p:cTn id="106" dur="500" fill="hold"/>
                                         <p:tgtEl>
                                           <p:spTgt spid="29">
                                             <p:txEl>
@@ -10576,38 +10595,37 @@
           <a:p>
             <a:pPr lvl="0"/>
             <a:r>
-              <a:rPr lang="en-US" smtClean="0"/>
+              <a:rPr lang="en-US"/>
               <a:t>Click to edit Master text styles</a:t>
             </a:r>
           </a:p>
           <a:p>
             <a:pPr lvl="1"/>
             <a:r>
-              <a:rPr lang="en-US" smtClean="0"/>
+              <a:rPr lang="en-US"/>
               <a:t>Second level</a:t>
             </a:r>
           </a:p>
           <a:p>
             <a:pPr lvl="2"/>
             <a:r>
-              <a:rPr lang="en-US" smtClean="0"/>
+              <a:rPr lang="en-US"/>
               <a:t>Third level</a:t>
             </a:r>
           </a:p>
           <a:p>
             <a:pPr lvl="3"/>
             <a:r>
-              <a:rPr lang="en-US" smtClean="0"/>
+              <a:rPr lang="en-US"/>
               <a:t>Fourth level</a:t>
             </a:r>
           </a:p>
           <a:p>
             <a:pPr lvl="4"/>
             <a:r>
-              <a:rPr lang="en-US" smtClean="0"/>
+              <a:rPr lang="en-US"/>
               <a:t>Fifth level</a:t>
             </a:r>
-            <a:endParaRPr lang="en-US"/>
           </a:p>
         </p:txBody>
       </p:sp>
@@ -10646,10 +10664,9 @@
           <a:lstStyle/>
           <a:p>
             <a:r>
-              <a:rPr lang="en-US" smtClean="0"/>
+              <a:rPr lang="en-US"/>
               <a:t>Lucien Camuglia</a:t>
             </a:r>
-            <a:endParaRPr lang="en-US"/>
           </a:p>
         </p:txBody>
       </p:sp>
@@ -10698,13 +10715,6 @@
       </p:transition>
     </mc:Fallback>
   </mc:AlternateContent>
-  <p:timing>
-    <p:tnLst>
-      <p:par>
-        <p:cTn id="1" dur="indefinite" restart="never" nodeType="tmRoot"/>
-      </p:par>
-    </p:tnLst>
-  </p:timing>
 </p:sldLayout>
 </file>
 
@@ -10741,10 +10751,9 @@
           <a:lstStyle/>
           <a:p>
             <a:r>
-              <a:rPr lang="en-US" smtClean="0"/>
+              <a:rPr lang="en-US"/>
               <a:t>Click to edit Master title style</a:t>
             </a:r>
-            <a:endParaRPr lang="en-US"/>
           </a:p>
         </p:txBody>
       </p:sp>
@@ -10770,38 +10779,37 @@
           <a:p>
             <a:pPr lvl="0"/>
             <a:r>
-              <a:rPr lang="en-US" smtClean="0"/>
+              <a:rPr lang="en-US"/>
               <a:t>Click to edit Master text styles</a:t>
             </a:r>
           </a:p>
           <a:p>
             <a:pPr lvl="1"/>
             <a:r>
-              <a:rPr lang="en-US" smtClean="0"/>
+              <a:rPr lang="en-US"/>
               <a:t>Second level</a:t>
             </a:r>
           </a:p>
           <a:p>
             <a:pPr lvl="2"/>
             <a:r>
-              <a:rPr lang="en-US" smtClean="0"/>
+              <a:rPr lang="en-US"/>
               <a:t>Third level</a:t>
             </a:r>
           </a:p>
           <a:p>
             <a:pPr lvl="3"/>
             <a:r>
-              <a:rPr lang="en-US" smtClean="0"/>
+              <a:rPr lang="en-US"/>
               <a:t>Fourth level</a:t>
             </a:r>
           </a:p>
           <a:p>
             <a:pPr lvl="4"/>
             <a:r>
-              <a:rPr lang="en-US" smtClean="0"/>
+              <a:rPr lang="en-US"/>
               <a:t>Fifth level</a:t>
             </a:r>
-            <a:endParaRPr lang="en-US"/>
           </a:p>
         </p:txBody>
       </p:sp>
@@ -10827,38 +10835,37 @@
           <a:p>
             <a:pPr lvl="0"/>
             <a:r>
-              <a:rPr lang="en-US" smtClean="0"/>
+              <a:rPr lang="en-US"/>
               <a:t>Click to edit Master text styles</a:t>
             </a:r>
           </a:p>
           <a:p>
             <a:pPr lvl="1"/>
             <a:r>
-              <a:rPr lang="en-US" smtClean="0"/>
+              <a:rPr lang="en-US"/>
               <a:t>Second level</a:t>
             </a:r>
           </a:p>
           <a:p>
             <a:pPr lvl="2"/>
             <a:r>
-              <a:rPr lang="en-US" smtClean="0"/>
+              <a:rPr lang="en-US"/>
               <a:t>Third level</a:t>
             </a:r>
           </a:p>
           <a:p>
             <a:pPr lvl="3"/>
             <a:r>
-              <a:rPr lang="en-US" smtClean="0"/>
+              <a:rPr lang="en-US"/>
               <a:t>Fourth level</a:t>
             </a:r>
           </a:p>
           <a:p>
             <a:pPr lvl="4"/>
             <a:r>
-              <a:rPr lang="en-US" smtClean="0"/>
+              <a:rPr lang="en-US"/>
               <a:t>Fifth level</a:t>
             </a:r>
-            <a:endParaRPr lang="en-US"/>
           </a:p>
         </p:txBody>
       </p:sp>
@@ -10897,10 +10904,9 @@
           <a:lstStyle/>
           <a:p>
             <a:r>
-              <a:rPr lang="en-US" smtClean="0"/>
+              <a:rPr lang="en-US"/>
               <a:t>Lucien Camuglia</a:t>
             </a:r>
-            <a:endParaRPr lang="en-US"/>
           </a:p>
         </p:txBody>
       </p:sp>
@@ -10949,13 +10955,6 @@
       </p:transition>
     </mc:Fallback>
   </mc:AlternateContent>
-  <p:timing>
-    <p:tnLst>
-      <p:par>
-        <p:cTn id="1" dur="indefinite" restart="never" nodeType="tmRoot"/>
-      </p:par>
-    </p:tnLst>
-  </p:timing>
 </p:sldLayout>
 </file>
 
@@ -10997,10 +10996,9 @@
           <a:lstStyle/>
           <a:p>
             <a:r>
-              <a:rPr lang="en-US" smtClean="0"/>
+              <a:rPr lang="en-US"/>
               <a:t>Click to edit Master title style</a:t>
             </a:r>
-            <a:endParaRPr lang="en-US"/>
           </a:p>
         </p:txBody>
       </p:sp>
@@ -11063,7 +11061,7 @@
           <a:p>
             <a:pPr lvl="0"/>
             <a:r>
-              <a:rPr lang="en-US" smtClean="0"/>
+              <a:rPr lang="en-US"/>
               <a:t>Click to edit Master text styles</a:t>
             </a:r>
           </a:p>
@@ -11091,38 +11089,37 @@
           <a:p>
             <a:pPr lvl="0"/>
             <a:r>
-              <a:rPr lang="en-US" smtClean="0"/>
+              <a:rPr lang="en-US"/>
               <a:t>Click to edit Master text styles</a:t>
             </a:r>
           </a:p>
           <a:p>
             <a:pPr lvl="1"/>
             <a:r>
-              <a:rPr lang="en-US" smtClean="0"/>
+              <a:rPr lang="en-US"/>
               <a:t>Second level</a:t>
             </a:r>
           </a:p>
           <a:p>
             <a:pPr lvl="2"/>
             <a:r>
-              <a:rPr lang="en-US" smtClean="0"/>
+              <a:rPr lang="en-US"/>
               <a:t>Third level</a:t>
             </a:r>
           </a:p>
           <a:p>
             <a:pPr lvl="3"/>
             <a:r>
-              <a:rPr lang="en-US" smtClean="0"/>
+              <a:rPr lang="en-US"/>
               <a:t>Fourth level</a:t>
             </a:r>
           </a:p>
           <a:p>
             <a:pPr lvl="4"/>
             <a:r>
-              <a:rPr lang="en-US" smtClean="0"/>
+              <a:rPr lang="en-US"/>
               <a:t>Fifth level</a:t>
             </a:r>
-            <a:endParaRPr lang="en-US"/>
           </a:p>
         </p:txBody>
       </p:sp>
@@ -11185,7 +11182,7 @@
           <a:p>
             <a:pPr lvl="0"/>
             <a:r>
-              <a:rPr lang="en-US" smtClean="0"/>
+              <a:rPr lang="en-US"/>
               <a:t>Click to edit Master text styles</a:t>
             </a:r>
           </a:p>
@@ -11213,38 +11210,37 @@
           <a:p>
             <a:pPr lvl="0"/>
             <a:r>
-              <a:rPr lang="en-US" smtClean="0"/>
+              <a:rPr lang="en-US"/>
               <a:t>Click to edit Master text styles</a:t>
             </a:r>
           </a:p>
           <a:p>
             <a:pPr lvl="1"/>
             <a:r>
-              <a:rPr lang="en-US" smtClean="0"/>
+              <a:rPr lang="en-US"/>
               <a:t>Second level</a:t>
             </a:r>
           </a:p>
           <a:p>
             <a:pPr lvl="2"/>
             <a:r>
-              <a:rPr lang="en-US" smtClean="0"/>
+              <a:rPr lang="en-US"/>
               <a:t>Third level</a:t>
             </a:r>
           </a:p>
           <a:p>
             <a:pPr lvl="3"/>
             <a:r>
-              <a:rPr lang="en-US" smtClean="0"/>
+              <a:rPr lang="en-US"/>
               <a:t>Fourth level</a:t>
             </a:r>
           </a:p>
           <a:p>
             <a:pPr lvl="4"/>
             <a:r>
-              <a:rPr lang="en-US" smtClean="0"/>
+              <a:rPr lang="en-US"/>
               <a:t>Fifth level</a:t>
             </a:r>
-            <a:endParaRPr lang="en-US"/>
           </a:p>
         </p:txBody>
       </p:sp>
@@ -11283,10 +11279,9 @@
           <a:lstStyle/>
           <a:p>
             <a:r>
-              <a:rPr lang="en-US" smtClean="0"/>
+              <a:rPr lang="en-US"/>
               <a:t>Lucien Camuglia</a:t>
             </a:r>
-            <a:endParaRPr lang="en-US"/>
           </a:p>
         </p:txBody>
       </p:sp>
@@ -11335,13 +11330,6 @@
       </p:transition>
     </mc:Fallback>
   </mc:AlternateContent>
-  <p:timing>
-    <p:tnLst>
-      <p:par>
-        <p:cTn id="1" dur="indefinite" restart="never" nodeType="tmRoot"/>
-      </p:par>
-    </p:tnLst>
-  </p:timing>
 </p:sldLayout>
 </file>
 
@@ -11378,10 +11366,9 @@
           <a:lstStyle/>
           <a:p>
             <a:r>
-              <a:rPr lang="en-US" smtClean="0"/>
+              <a:rPr lang="en-US"/>
               <a:t>Click to edit Master title style</a:t>
             </a:r>
-            <a:endParaRPr lang="en-US"/>
           </a:p>
         </p:txBody>
       </p:sp>
@@ -11420,10 +11407,9 @@
           <a:lstStyle/>
           <a:p>
             <a:r>
-              <a:rPr lang="en-US" smtClean="0"/>
+              <a:rPr lang="en-US"/>
               <a:t>Lucien Camuglia</a:t>
             </a:r>
-            <a:endParaRPr lang="en-US"/>
           </a:p>
         </p:txBody>
       </p:sp>
@@ -11472,13 +11458,6 @@
       </p:transition>
     </mc:Fallback>
   </mc:AlternateContent>
-  <p:timing>
-    <p:tnLst>
-      <p:par>
-        <p:cTn id="1" dur="indefinite" restart="never" nodeType="tmRoot"/>
-      </p:par>
-    </p:tnLst>
-  </p:timing>
 </p:sldLayout>
 </file>
 
@@ -11534,10 +11513,9 @@
           <a:lstStyle/>
           <a:p>
             <a:r>
-              <a:rPr lang="en-US" smtClean="0"/>
+              <a:rPr lang="en-US"/>
               <a:t>Lucien Camuglia</a:t>
             </a:r>
-            <a:endParaRPr lang="en-US"/>
           </a:p>
         </p:txBody>
       </p:sp>
@@ -11586,13 +11564,6 @@
       </p:transition>
     </mc:Fallback>
   </mc:AlternateContent>
-  <p:timing>
-    <p:tnLst>
-      <p:par>
-        <p:cTn id="1" dur="indefinite" restart="never" nodeType="tmRoot"/>
-      </p:par>
-    </p:tnLst>
-  </p:timing>
 </p:sldLayout>
 </file>
 
@@ -11638,10 +11609,9 @@
           </a:lstStyle>
           <a:p>
             <a:r>
-              <a:rPr lang="en-US" smtClean="0"/>
+              <a:rPr lang="en-US"/>
               <a:t>Click to edit Master title style</a:t>
             </a:r>
-            <a:endParaRPr lang="en-US"/>
           </a:p>
         </p:txBody>
       </p:sp>
@@ -11695,38 +11665,37 @@
           <a:p>
             <a:pPr lvl="0"/>
             <a:r>
-              <a:rPr lang="en-US" smtClean="0"/>
+              <a:rPr lang="en-US"/>
               <a:t>Click to edit Master text styles</a:t>
             </a:r>
           </a:p>
           <a:p>
             <a:pPr lvl="1"/>
             <a:r>
-              <a:rPr lang="en-US" smtClean="0"/>
+              <a:rPr lang="en-US"/>
               <a:t>Second level</a:t>
             </a:r>
           </a:p>
           <a:p>
             <a:pPr lvl="2"/>
             <a:r>
-              <a:rPr lang="en-US" smtClean="0"/>
+              <a:rPr lang="en-US"/>
               <a:t>Third level</a:t>
             </a:r>
           </a:p>
           <a:p>
             <a:pPr lvl="3"/>
             <a:r>
-              <a:rPr lang="en-US" smtClean="0"/>
+              <a:rPr lang="en-US"/>
               <a:t>Fourth level</a:t>
             </a:r>
           </a:p>
           <a:p>
             <a:pPr lvl="4"/>
             <a:r>
-              <a:rPr lang="en-US" smtClean="0"/>
+              <a:rPr lang="en-US"/>
               <a:t>Fifth level</a:t>
             </a:r>
-            <a:endParaRPr lang="en-US"/>
           </a:p>
         </p:txBody>
       </p:sp>
@@ -11789,7 +11758,7 @@
           <a:p>
             <a:pPr lvl="0"/>
             <a:r>
-              <a:rPr lang="en-US" smtClean="0"/>
+              <a:rPr lang="en-US"/>
               <a:t>Click to edit Master text styles</a:t>
             </a:r>
           </a:p>
@@ -11830,10 +11799,9 @@
           <a:lstStyle/>
           <a:p>
             <a:r>
-              <a:rPr lang="en-US" smtClean="0"/>
+              <a:rPr lang="en-US"/>
               <a:t>Lucien Camuglia</a:t>
             </a:r>
-            <a:endParaRPr lang="en-US"/>
           </a:p>
         </p:txBody>
       </p:sp>
@@ -11927,10 +11895,9 @@
           </a:lstStyle>
           <a:p>
             <a:r>
-              <a:rPr lang="en-US" smtClean="0"/>
+              <a:rPr lang="en-US"/>
               <a:t>Click to edit Master title style</a:t>
             </a:r>
-            <a:endParaRPr lang="en-US"/>
           </a:p>
         </p:txBody>
       </p:sp>
@@ -12054,7 +12021,7 @@
           <a:p>
             <a:pPr lvl="0"/>
             <a:r>
-              <a:rPr lang="en-US" smtClean="0"/>
+              <a:rPr lang="en-US"/>
               <a:t>Click to edit Master text styles</a:t>
             </a:r>
           </a:p>
@@ -12095,10 +12062,9 @@
           <a:lstStyle/>
           <a:p>
             <a:r>
-              <a:rPr lang="en-US" smtClean="0"/>
+              <a:rPr lang="en-US"/>
               <a:t>Lucien Camuglia</a:t>
             </a:r>
-            <a:endParaRPr lang="en-US"/>
           </a:p>
         </p:txBody>
       </p:sp>
@@ -12147,13 +12113,6 @@
       </p:transition>
     </mc:Fallback>
   </mc:AlternateContent>
-  <p:timing>
-    <p:tnLst>
-      <p:par>
-        <p:cTn id="1" dur="indefinite" restart="never" nodeType="tmRoot"/>
-      </p:par>
-    </p:tnLst>
-  </p:timing>
 </p:sldLayout>
 </file>
 
@@ -12258,10 +12217,9 @@
           <a:lstStyle/>
           <a:p>
             <a:r>
-              <a:rPr lang="en-US" dirty="0" smtClean="0"/>
+              <a:rPr lang="en-US" dirty="0"/>
               <a:t>Click to edit Master title style</a:t>
             </a:r>
-            <a:endParaRPr lang="en-US" dirty="0"/>
           </a:p>
         </p:txBody>
       </p:sp>
@@ -12292,38 +12250,37 @@
           <a:p>
             <a:pPr lvl="0"/>
             <a:r>
-              <a:rPr lang="en-US" dirty="0" smtClean="0"/>
+              <a:rPr lang="en-US" dirty="0"/>
               <a:t>Test info</a:t>
             </a:r>
           </a:p>
           <a:p>
             <a:pPr lvl="1"/>
             <a:r>
-              <a:rPr lang="en-US" dirty="0" smtClean="0"/>
+              <a:rPr lang="en-US" dirty="0"/>
               <a:t>Second level</a:t>
             </a:r>
           </a:p>
           <a:p>
             <a:pPr lvl="2"/>
             <a:r>
-              <a:rPr lang="en-US" dirty="0" smtClean="0"/>
+              <a:rPr lang="en-US" dirty="0"/>
               <a:t>Third level</a:t>
             </a:r>
           </a:p>
           <a:p>
             <a:pPr lvl="3"/>
             <a:r>
-              <a:rPr lang="en-US" dirty="0" smtClean="0"/>
+              <a:rPr lang="en-US" dirty="0"/>
               <a:t>Fourth level</a:t>
             </a:r>
           </a:p>
           <a:p>
             <a:pPr lvl="4"/>
             <a:r>
-              <a:rPr lang="en-US" dirty="0" smtClean="0"/>
+              <a:rPr lang="en-US" dirty="0"/>
               <a:t>Fifth level</a:t>
             </a:r>
-            <a:endParaRPr lang="en-US" dirty="0"/>
           </a:p>
         </p:txBody>
       </p:sp>
@@ -12398,7 +12355,7 @@
           </a:lstStyle>
           <a:p>
             <a:r>
-              <a:rPr lang="en-US" smtClean="0"/>
+              <a:rPr lang="en-US"/>
               <a:t>Lucien Camuglia</a:t>
             </a:r>
             <a:endParaRPr lang="en-US" dirty="0"/>
@@ -12528,13 +12485,6 @@
       </p:transition>
     </mc:Fallback>
   </mc:AlternateContent>
-  <p:timing>
-    <p:tnLst>
-      <p:par>
-        <p:cTn id="1" dur="indefinite" restart="never" nodeType="tmRoot"/>
-      </p:par>
-    </p:tnLst>
-  </p:timing>
   <p:hf hdr="0" dt="0"/>
   <p:txStyles>
     <p:titleStyle>
@@ -13065,7 +13015,7 @@
           <a:p>
             <a:pPr algn="ctr"/>
             <a:r>
-              <a:rPr lang="en-US" sz="4400" dirty="0" smtClean="0">
+              <a:rPr lang="en-US" sz="4400" dirty="0">
                 <a:solidFill>
                   <a:schemeClr val="bg1"/>
                 </a:solidFill>
@@ -13073,12 +13023,6 @@
               </a:rPr>
               <a:t>Find your ride</a:t>
             </a:r>
-            <a:endParaRPr lang="en-US" sz="4400" dirty="0">
-              <a:solidFill>
-                <a:schemeClr val="bg1"/>
-              </a:solidFill>
-              <a:cs typeface="Estrangelo Edessa" panose="03080600000000000000" pitchFamily="66" charset="0"/>
-            </a:endParaRPr>
           </a:p>
         </p:txBody>
       </p:sp>
@@ -13106,7 +13050,7 @@
           <a:p>
             <a:pPr algn="ctr"/>
             <a:r>
-              <a:rPr lang="fr-CH" sz="3200" dirty="0" smtClean="0">
+              <a:rPr lang="fr-CH" sz="3200" dirty="0">
                 <a:solidFill>
                   <a:schemeClr val="bg1">
                     <a:lumMod val="85000"/>
@@ -13116,14 +13060,6 @@
               </a:rPr>
               <a:t>CFPT - Technicien ES informatique - Travail de diplôme</a:t>
             </a:r>
-            <a:endParaRPr lang="fr-CH" sz="3200" dirty="0">
-              <a:solidFill>
-                <a:schemeClr val="bg1">
-                  <a:lumMod val="85000"/>
-                </a:schemeClr>
-              </a:solidFill>
-              <a:cs typeface="Estrangelo Edessa" panose="03080600000000000000" pitchFamily="66" charset="0"/>
-            </a:endParaRPr>
           </a:p>
         </p:txBody>
       </p:sp>
@@ -13268,7 +13204,7 @@
           <a:p>
             <a:pPr algn="ctr"/>
             <a:r>
-              <a:rPr lang="en-US" sz="1400" i="1" dirty="0" smtClean="0">
+              <a:rPr lang="en-US" sz="1400" i="1" dirty="0">
                 <a:solidFill>
                   <a:schemeClr val="bg1">
                     <a:lumMod val="85000"/>
@@ -13280,7 +13216,7 @@
               <a:t>Lucien </a:t>
             </a:r>
             <a:r>
-              <a:rPr lang="en-US" sz="1400" i="1" dirty="0" err="1" smtClean="0">
+              <a:rPr lang="en-US" sz="1400" i="1" dirty="0" err="1">
                 <a:solidFill>
                   <a:schemeClr val="bg1">
                     <a:lumMod val="85000"/>
@@ -13292,7 +13228,7 @@
               <a:t>Camuglia</a:t>
             </a:r>
             <a:r>
-              <a:rPr lang="en-US" sz="1400" i="1" dirty="0" smtClean="0">
+              <a:rPr lang="en-US" sz="1400" i="1" dirty="0">
                 <a:solidFill>
                   <a:schemeClr val="bg1">
                     <a:lumMod val="85000"/>
@@ -13304,7 +13240,7 @@
               <a:t> – 19 </a:t>
             </a:r>
             <a:r>
-              <a:rPr lang="en-US" sz="1400" i="1" dirty="0" err="1" smtClean="0">
+              <a:rPr lang="en-US" sz="1400" i="1" dirty="0" err="1">
                 <a:solidFill>
                   <a:schemeClr val="bg1">
                     <a:lumMod val="85000"/>
@@ -13316,7 +13252,7 @@
               <a:t>juin</a:t>
             </a:r>
             <a:r>
-              <a:rPr lang="en-US" sz="1400" i="1" dirty="0" smtClean="0">
+              <a:rPr lang="en-US" sz="1400" i="1" dirty="0">
                 <a:solidFill>
                   <a:schemeClr val="bg1">
                     <a:lumMod val="85000"/>
@@ -13327,15 +13263,6 @@
               </a:rPr>
               <a:t> 2017</a:t>
             </a:r>
-            <a:endParaRPr lang="en-US" sz="1400" i="1" dirty="0">
-              <a:solidFill>
-                <a:schemeClr val="bg1">
-                  <a:lumMod val="85000"/>
-                </a:schemeClr>
-              </a:solidFill>
-              <a:latin typeface="+mj-lt"/>
-              <a:cs typeface="Estrangelo Edessa" panose="03080600000000000000" pitchFamily="66" charset="0"/>
-            </a:endParaRPr>
           </a:p>
         </p:txBody>
       </p:sp>
@@ -13689,7 +13616,7 @@
           <a:bodyPr/>
           <a:lstStyle/>
           <a:p>
-            <a:endParaRPr lang="fr-FR" sz="2800" dirty="0" smtClean="0"/>
+            <a:endParaRPr lang="fr-FR" sz="2800" dirty="0"/>
           </a:p>
         </p:txBody>
       </p:sp>
@@ -13709,10 +13636,9 @@
           <a:lstStyle/>
           <a:p>
             <a:r>
-              <a:rPr lang="en-US" sz="2000" dirty="0" smtClean="0"/>
+              <a:rPr lang="en-US" sz="2000" dirty="0"/>
               <a:t>01</a:t>
             </a:r>
-            <a:endParaRPr lang="en-US" sz="2000" dirty="0"/>
           </a:p>
         </p:txBody>
       </p:sp>
@@ -13732,10 +13658,9 @@
           <a:lstStyle/>
           <a:p>
             <a:r>
-              <a:rPr lang="en-US" sz="2000" dirty="0" smtClean="0"/>
+              <a:rPr lang="en-US" sz="2000" dirty="0"/>
               <a:t>02</a:t>
             </a:r>
-            <a:endParaRPr lang="en-US" sz="2000" dirty="0"/>
           </a:p>
         </p:txBody>
       </p:sp>
@@ -13755,10 +13680,9 @@
           <a:lstStyle/>
           <a:p>
             <a:r>
-              <a:rPr lang="en-US" sz="2000" dirty="0" smtClean="0"/>
+              <a:rPr lang="en-US" sz="2000" dirty="0"/>
               <a:t>03</a:t>
             </a:r>
-            <a:endParaRPr lang="en-US" sz="2000" dirty="0"/>
           </a:p>
         </p:txBody>
       </p:sp>
@@ -13783,7 +13707,7 @@
           <a:lstStyle/>
           <a:p>
             <a:r>
-              <a:rPr lang="en-US" sz="1400" dirty="0" smtClean="0">
+              <a:rPr lang="en-US" sz="1400" dirty="0">
                 <a:solidFill>
                   <a:schemeClr val="bg1">
                     <a:lumMod val="85000"/>
@@ -13793,7 +13717,7 @@
               <a:t>Beaucoup </a:t>
             </a:r>
             <a:r>
-              <a:rPr lang="en-US" sz="1400" dirty="0" err="1" smtClean="0">
+              <a:rPr lang="en-US" sz="1400" dirty="0" err="1">
                 <a:solidFill>
                   <a:schemeClr val="bg1">
                     <a:lumMod val="85000"/>
@@ -13803,7 +13727,7 @@
               <a:t>ou</a:t>
             </a:r>
             <a:r>
-              <a:rPr lang="en-US" sz="1400" dirty="0" smtClean="0">
+              <a:rPr lang="en-US" sz="1400" dirty="0">
                 <a:solidFill>
                   <a:schemeClr val="bg1">
                     <a:lumMod val="85000"/>
@@ -13813,7 +13737,7 @@
               <a:t> </a:t>
             </a:r>
             <a:r>
-              <a:rPr lang="en-US" sz="1400" dirty="0" err="1" smtClean="0">
+              <a:rPr lang="en-US" sz="1400" dirty="0" err="1">
                 <a:solidFill>
                   <a:schemeClr val="bg1">
                     <a:lumMod val="85000"/>
@@ -13823,7 +13747,7 @@
               <a:t>peu</a:t>
             </a:r>
             <a:r>
-              <a:rPr lang="en-US" sz="1400" dirty="0" smtClean="0">
+              <a:rPr lang="en-US" sz="1400" dirty="0">
                 <a:solidFill>
                   <a:schemeClr val="bg1">
                     <a:lumMod val="85000"/>
@@ -13833,14 +13757,14 @@
               <a:t> de </a:t>
             </a:r>
             <a:r>
-              <a:rPr lang="en-US" sz="1400" dirty="0" err="1" smtClean="0">
+              <a:rPr lang="en-US" sz="1400" dirty="0" err="1">
                 <a:solidFill>
                   <a:schemeClr val="bg1">
                     <a:lumMod val="85000"/>
                   </a:schemeClr>
                 </a:solidFill>
               </a:rPr>
-              <a:t>tournant</a:t>
+              <a:t>virages</a:t>
             </a:r>
             <a:endParaRPr lang="en-US" sz="1400" dirty="0">
               <a:solidFill>
@@ -13868,7 +13792,7 @@
           <a:lstStyle/>
           <a:p>
             <a:r>
-              <a:rPr lang="en-US" sz="2000" dirty="0" err="1" smtClean="0">
+              <a:rPr lang="en-US" sz="2000" dirty="0" err="1">
                 <a:solidFill>
                   <a:srgbClr val="5B9BD5"/>
                 </a:solidFill>
@@ -13904,22 +13828,15 @@
           <a:lstStyle/>
           <a:p>
             <a:r>
-              <a:rPr lang="fr-CH" sz="1400" dirty="0" smtClean="0">
+              <a:rPr lang="fr-CH" sz="1400" dirty="0">
                 <a:solidFill>
                   <a:schemeClr val="bg1">
                     <a:lumMod val="85000"/>
                   </a:schemeClr>
                 </a:solidFill>
               </a:rPr>
-              <a:t>Route montagneuse ou non</a:t>
+              <a:t>Routes montagneuses ou non</a:t>
             </a:r>
-            <a:endParaRPr lang="fr-CH" sz="1400" dirty="0">
-              <a:solidFill>
-                <a:schemeClr val="bg1">
-                  <a:lumMod val="85000"/>
-                </a:schemeClr>
-              </a:solidFill>
-            </a:endParaRPr>
           </a:p>
         </p:txBody>
       </p:sp>
@@ -13944,7 +13861,7 @@
           <a:lstStyle/>
           <a:p>
             <a:r>
-              <a:rPr lang="en-US" sz="2000" dirty="0" err="1" smtClean="0">
+              <a:rPr lang="en-US" sz="2000" dirty="0" err="1">
                 <a:solidFill>
                   <a:srgbClr val="A65925"/>
                 </a:solidFill>
@@ -13952,7 +13869,7 @@
               <a:t>Changement</a:t>
             </a:r>
             <a:r>
-              <a:rPr lang="en-US" sz="2000" dirty="0" smtClean="0">
+              <a:rPr lang="en-US" sz="2000" dirty="0">
                 <a:solidFill>
                   <a:srgbClr val="A65925"/>
                 </a:solidFill>
@@ -13960,7 +13877,7 @@
               <a:t> </a:t>
             </a:r>
             <a:r>
-              <a:rPr lang="en-US" sz="2000" dirty="0" err="1" smtClean="0">
+              <a:rPr lang="en-US" sz="2000" dirty="0" err="1">
                 <a:solidFill>
                   <a:srgbClr val="A65925"/>
                 </a:solidFill>
@@ -14026,18 +13943,13 @@
           <a:lstStyle/>
           <a:p>
             <a:r>
-              <a:rPr lang="fr-CH" sz="2000" dirty="0" smtClean="0">
+              <a:rPr lang="fr-CH" sz="2000" dirty="0">
                 <a:solidFill>
                   <a:srgbClr val="A5A5A5"/>
                 </a:solidFill>
               </a:rPr>
               <a:t>Autoroutes</a:t>
             </a:r>
-            <a:endParaRPr lang="fr-CH" sz="2000" dirty="0">
-              <a:solidFill>
-                <a:srgbClr val="A5A5A5"/>
-              </a:solidFill>
-            </a:endParaRPr>
           </a:p>
         </p:txBody>
       </p:sp>
@@ -14074,7 +13986,7 @@
           <a:p>
             <a:pPr algn="ctr"/>
             <a:r>
-              <a:rPr lang="en-US" sz="2400" dirty="0" err="1" smtClean="0">
+              <a:rPr lang="en-US" sz="2400" dirty="0" err="1">
                 <a:solidFill>
                   <a:schemeClr val="bg1">
                     <a:lumMod val="85000"/>
@@ -14188,7 +14100,12 @@
           <a:srcRect l="-12349" t="-9879" r="-14436" b="-16905"/>
           <a:stretch/>
         </p:blipFill>
-        <p:spPr/>
+        <p:spPr>
+          <a:xfrm>
+            <a:off x="5201005" y="4261070"/>
+            <a:ext cx="1600200" cy="1600200"/>
+          </a:xfrm>
+        </p:spPr>
       </p:pic>
       <p:sp>
         <p:nvSpPr>
@@ -14213,18 +14130,13 @@
           <a:lstStyle/>
           <a:p>
             <a:r>
-              <a:rPr lang="fr-CH" sz="2800" dirty="0" smtClean="0">
+              <a:rPr lang="fr-CH" sz="2800" dirty="0">
                 <a:solidFill>
                   <a:schemeClr val="bg1"/>
                 </a:solidFill>
               </a:rPr>
               <a:t>10</a:t>
             </a:r>
-            <a:endParaRPr lang="fr-CH" sz="2800" dirty="0">
-              <a:solidFill>
-                <a:schemeClr val="bg1"/>
-              </a:solidFill>
-            </a:endParaRPr>
           </a:p>
         </p:txBody>
       </p:sp>
@@ -14241,13 +14153,6 @@
   <p:transition spd="slow">
     <p:push dir="u"/>
   </p:transition>
-  <p:timing>
-    <p:tnLst>
-      <p:par>
-        <p:cTn id="1" dur="indefinite" restart="never" nodeType="tmRoot"/>
-      </p:par>
-    </p:tnLst>
-  </p:timing>
 </p:sld>
 </file>
 
@@ -14377,7 +14282,7 @@
             <a:p>
               <a:pPr algn="ctr"/>
               <a:r>
-                <a:rPr lang="en-US" sz="2000" b="1" dirty="0" err="1" smtClean="0">
+                <a:rPr lang="en-US" sz="2000" b="1" dirty="0" err="1">
                   <a:solidFill>
                     <a:schemeClr val="accent2"/>
                   </a:solidFill>
@@ -14415,7 +14320,7 @@
             <a:lstStyle/>
             <a:p>
               <a:r>
-                <a:rPr lang="fr-CH" sz="1400" dirty="0" smtClean="0">
+                <a:rPr lang="fr-CH" sz="1400" dirty="0">
                   <a:solidFill>
                     <a:schemeClr val="bg1">
                       <a:lumMod val="85000"/>
@@ -14424,13 +14329,6 @@
                 </a:rPr>
                 <a:t>Indice de 1 à 10</a:t>
               </a:r>
-              <a:endParaRPr lang="fr-CH" sz="1400" dirty="0">
-                <a:solidFill>
-                  <a:schemeClr val="bg1">
-                    <a:lumMod val="85000"/>
-                  </a:schemeClr>
-                </a:solidFill>
-              </a:endParaRPr>
             </a:p>
           </p:txBody>
         </p:sp>
@@ -14479,18 +14377,13 @@
             <a:p>
               <a:pPr algn="ctr"/>
               <a:r>
-                <a:rPr lang="en-US" sz="2000" b="1" dirty="0" smtClean="0">
+                <a:rPr lang="en-US" sz="2000" b="1" dirty="0">
                   <a:solidFill>
                     <a:schemeClr val="accent3"/>
                   </a:solidFill>
                 </a:rPr>
                 <a:t>Altitude</a:t>
               </a:r>
-              <a:endParaRPr lang="en-US" sz="2000" b="1" dirty="0">
-                <a:solidFill>
-                  <a:schemeClr val="accent3"/>
-                </a:solidFill>
-              </a:endParaRPr>
             </a:p>
           </p:txBody>
         </p:sp>
@@ -14517,7 +14410,7 @@
             <a:lstStyle/>
             <a:p>
               <a:r>
-                <a:rPr lang="en-US" sz="1400" dirty="0" err="1" smtClean="0">
+                <a:rPr lang="en-US" sz="1400" dirty="0" err="1">
                   <a:solidFill>
                     <a:schemeClr val="bg1">
                       <a:lumMod val="85000"/>
@@ -14527,7 +14420,7 @@
                 <a:t>Indice</a:t>
               </a:r>
               <a:r>
-                <a:rPr lang="en-US" sz="1400" dirty="0" smtClean="0">
+                <a:rPr lang="en-US" sz="1400" dirty="0">
                   <a:solidFill>
                     <a:schemeClr val="bg1">
                       <a:lumMod val="85000"/>
@@ -14536,13 +14429,6 @@
                 </a:rPr>
                 <a:t> de 1 à 10</a:t>
               </a:r>
-              <a:endParaRPr lang="en-US" sz="1400" dirty="0">
-                <a:solidFill>
-                  <a:schemeClr val="bg1">
-                    <a:lumMod val="85000"/>
-                  </a:schemeClr>
-                </a:solidFill>
-              </a:endParaRPr>
             </a:p>
           </p:txBody>
         </p:sp>
@@ -14592,7 +14478,7 @@
             <a:p>
               <a:pPr algn="ctr"/>
               <a:r>
-                <a:rPr lang="en-US" sz="2000" b="1" dirty="0" err="1" smtClean="0">
+                <a:rPr lang="en-US" sz="2000" b="1" dirty="0" err="1">
                   <a:solidFill>
                     <a:schemeClr val="accent1"/>
                   </a:solidFill>
@@ -14684,18 +14570,13 @@
             <a:p>
               <a:pPr algn="ctr"/>
               <a:r>
-                <a:rPr lang="fr-CH" sz="2000" b="1" dirty="0" smtClean="0">
+                <a:rPr lang="fr-CH" sz="2000" b="1" dirty="0">
                   <a:solidFill>
                     <a:srgbClr val="5A8C39"/>
                   </a:solidFill>
                 </a:rPr>
                 <a:t>Consommation</a:t>
               </a:r>
-              <a:endParaRPr lang="fr-CH" sz="2000" b="1" dirty="0">
-                <a:solidFill>
-                  <a:srgbClr val="5A8C39"/>
-                </a:solidFill>
-              </a:endParaRPr>
             </a:p>
           </p:txBody>
         </p:sp>
@@ -14722,7 +14603,7 @@
             <a:lstStyle/>
             <a:p>
               <a:r>
-                <a:rPr lang="en-US" sz="1400" dirty="0" err="1" smtClean="0">
+                <a:rPr lang="en-US" sz="1400" dirty="0" err="1">
                   <a:solidFill>
                     <a:schemeClr val="bg1">
                       <a:lumMod val="85000"/>
@@ -15433,7 +15314,7 @@
           <a:p>
             <a:pPr algn="ctr"/>
             <a:r>
-              <a:rPr lang="en-US" sz="2400" dirty="0" err="1" smtClean="0">
+              <a:rPr lang="en-US" sz="2400" dirty="0" err="1">
                 <a:solidFill>
                   <a:schemeClr val="bg1">
                     <a:lumMod val="85000"/>
@@ -15681,18 +15562,13 @@
           <a:lstStyle/>
           <a:p>
             <a:r>
-              <a:rPr lang="fr-CH" sz="2800" dirty="0" smtClean="0">
+              <a:rPr lang="fr-CH" sz="2800" dirty="0">
                 <a:solidFill>
                   <a:schemeClr val="bg1"/>
                 </a:solidFill>
               </a:rPr>
               <a:t>11</a:t>
             </a:r>
-            <a:endParaRPr lang="fr-CH" sz="2800" dirty="0">
-              <a:solidFill>
-                <a:schemeClr val="bg1"/>
-              </a:solidFill>
-            </a:endParaRPr>
           </a:p>
         </p:txBody>
       </p:sp>
@@ -15992,21 +15868,30 @@
                             </p:childTnLst>
                           </p:cTn>
                         </p:par>
+                      </p:childTnLst>
+                    </p:cTn>
+                  </p:par>
+                  <p:par>
+                    <p:cTn id="26" fill="hold">
+                      <p:stCondLst>
+                        <p:cond delay="indefinite"/>
+                      </p:stCondLst>
+                      <p:childTnLst>
                         <p:par>
-                          <p:cTn id="26" fill="hold">
+                          <p:cTn id="27" fill="hold">
                             <p:stCondLst>
-                              <p:cond delay="2500"/>
+                              <p:cond delay="0"/>
                             </p:stCondLst>
                             <p:childTnLst>
                               <p:par>
-                                <p:cTn id="27" presetID="22" presetClass="entr" presetSubtype="4" fill="hold" grpId="0" nodeType="afterEffect">
+                                <p:cTn id="28" presetID="22" presetClass="entr" presetSubtype="4" fill="hold" grpId="0" nodeType="clickEffect">
                                   <p:stCondLst>
                                     <p:cond delay="0"/>
                                   </p:stCondLst>
                                   <p:childTnLst>
                                     <p:set>
                                       <p:cBhvr>
-                                        <p:cTn id="28" dur="1" fill="hold">
+                                        <p:cTn id="29" dur="1" fill="hold">
                                           <p:stCondLst>
                                             <p:cond delay="0"/>
                                           </p:stCondLst>
@@ -16024,7 +15909,7 @@
                                     </p:set>
                                     <p:animEffect transition="in" filter="wipe(down)">
                                       <p:cBhvr>
-                                        <p:cTn id="29" dur="500"/>
+                                        <p:cTn id="30" dur="500"/>
                                         <p:tgtEl>
                                           <p:spTgt spid="49"/>
                                         </p:tgtEl>
@@ -16037,20 +15922,20 @@
                           </p:cTn>
                         </p:par>
                         <p:par>
-                          <p:cTn id="30" fill="hold">
+                          <p:cTn id="31" fill="hold">
                             <p:stCondLst>
-                              <p:cond delay="3000"/>
+                              <p:cond delay="500"/>
                             </p:stCondLst>
                             <p:childTnLst>
                               <p:par>
-                                <p:cTn id="31" presetID="53" presetClass="entr" presetSubtype="16" fill="hold" nodeType="afterEffect">
+                                <p:cTn id="32" presetID="53" presetClass="entr" presetSubtype="16" fill="hold" nodeType="afterEffect">
                                   <p:stCondLst>
                                     <p:cond delay="0"/>
                                   </p:stCondLst>
                                   <p:childTnLst>
                                     <p:set>
                                       <p:cBhvr>
-                                        <p:cTn id="32" dur="1" fill="hold">
+                                        <p:cTn id="33" dur="1" fill="hold">
                                           <p:stCondLst>
                                             <p:cond delay="0"/>
                                           </p:stCondLst>
@@ -16068,7 +15953,7 @@
                                     </p:set>
                                     <p:anim calcmode="lin" valueType="num">
                                       <p:cBhvr>
-                                        <p:cTn id="33" dur="500" fill="hold"/>
+                                        <p:cTn id="34" dur="500" fill="hold"/>
                                         <p:tgtEl>
                                           <p:spTgt spid="2051"/>
                                         </p:tgtEl>
@@ -16091,7 +15976,7 @@
                                     </p:anim>
                                     <p:anim calcmode="lin" valueType="num">
                                       <p:cBhvr>
-                                        <p:cTn id="34" dur="500" fill="hold"/>
+                                        <p:cTn id="35" dur="500" fill="hold"/>
                                         <p:tgtEl>
                                           <p:spTgt spid="2051"/>
                                         </p:tgtEl>
@@ -16114,7 +15999,7 @@
                                     </p:anim>
                                     <p:animEffect transition="in" filter="fade">
                                       <p:cBhvr>
-                                        <p:cTn id="35" dur="500"/>
+                                        <p:cTn id="36" dur="500"/>
                                         <p:tgtEl>
                                           <p:spTgt spid="2051"/>
                                         </p:tgtEl>
@@ -16127,20 +16012,20 @@
                           </p:cTn>
                         </p:par>
                         <p:par>
-                          <p:cTn id="36" fill="hold">
+                          <p:cTn id="37" fill="hold">
                             <p:stCondLst>
-                              <p:cond delay="3500"/>
+                              <p:cond delay="1000"/>
                             </p:stCondLst>
                             <p:childTnLst>
                               <p:par>
-                                <p:cTn id="37" presetID="22" presetClass="entr" presetSubtype="4" fill="hold" nodeType="afterEffect">
+                                <p:cTn id="38" presetID="22" presetClass="entr" presetSubtype="4" fill="hold" nodeType="afterEffect">
                                   <p:stCondLst>
                                     <p:cond delay="0"/>
                                   </p:stCondLst>
                                   <p:childTnLst>
                                     <p:set>
                                       <p:cBhvr>
-                                        <p:cTn id="38" dur="1" fill="hold">
+                                        <p:cTn id="39" dur="1" fill="hold">
                                           <p:stCondLst>
                                             <p:cond delay="0"/>
                                           </p:stCondLst>
@@ -16158,7 +16043,7 @@
                                     </p:set>
                                     <p:animEffect transition="in" filter="wipe(down)">
                                       <p:cBhvr>
-                                        <p:cTn id="39" dur="500"/>
+                                        <p:cTn id="40" dur="500"/>
                                         <p:tgtEl>
                                           <p:spTgt spid="67"/>
                                         </p:tgtEl>
@@ -16171,20 +16056,20 @@
                           </p:cTn>
                         </p:par>
                         <p:par>
-                          <p:cTn id="40" fill="hold">
+                          <p:cTn id="41" fill="hold">
                             <p:stCondLst>
-                              <p:cond delay="4000"/>
+                              <p:cond delay="1500"/>
                             </p:stCondLst>
                             <p:childTnLst>
                               <p:par>
-                                <p:cTn id="41" presetID="22" presetClass="entr" presetSubtype="1" fill="hold" nodeType="afterEffect">
+                                <p:cTn id="42" presetID="22" presetClass="entr" presetSubtype="1" fill="hold" nodeType="afterEffect">
                                   <p:stCondLst>
                                     <p:cond delay="0"/>
                                   </p:stCondLst>
                                   <p:childTnLst>
                                     <p:set>
                                       <p:cBhvr>
-                                        <p:cTn id="42" dur="1" fill="hold">
+                                        <p:cTn id="43" dur="1" fill="hold">
                                           <p:stCondLst>
                                             <p:cond delay="0"/>
                                           </p:stCondLst>
@@ -16202,9 +16087,62 @@
                                     </p:set>
                                     <p:animEffect transition="in" filter="wipe(up)">
                                       <p:cBhvr>
-                                        <p:cTn id="43" dur="500"/>
+                                        <p:cTn id="44" dur="500"/>
                                         <p:tgtEl>
                                           <p:spTgt spid="7"/>
+                                        </p:tgtEl>
+                                      </p:cBhvr>
+                                    </p:animEffect>
+                                  </p:childTnLst>
+                                </p:cTn>
+                              </p:par>
+                            </p:childTnLst>
+                          </p:cTn>
+                        </p:par>
+                      </p:childTnLst>
+                    </p:cTn>
+                  </p:par>
+                  <p:par>
+                    <p:cTn id="45" fill="hold">
+                      <p:stCondLst>
+                        <p:cond delay="indefinite"/>
+                      </p:stCondLst>
+                      <p:childTnLst>
+                        <p:par>
+                          <p:cTn id="46" fill="hold">
+                            <p:stCondLst>
+                              <p:cond delay="0"/>
+                            </p:stCondLst>
+                            <p:childTnLst>
+                              <p:par>
+                                <p:cTn id="47" presetID="22" presetClass="entr" presetSubtype="8" fill="hold" grpId="0" nodeType="clickEffect">
+                                  <p:stCondLst>
+                                    <p:cond delay="0"/>
+                                  </p:stCondLst>
+                                  <p:childTnLst>
+                                    <p:set>
+                                      <p:cBhvr>
+                                        <p:cTn id="48" dur="1" fill="hold">
+                                          <p:stCondLst>
+                                            <p:cond delay="0"/>
+                                          </p:stCondLst>
+                                        </p:cTn>
+                                        <p:tgtEl>
+                                          <p:spTgt spid="48"/>
+                                        </p:tgtEl>
+                                        <p:attrNameLst>
+                                          <p:attrName>style.visibility</p:attrName>
+                                        </p:attrNameLst>
+                                      </p:cBhvr>
+                                      <p:to>
+                                        <p:strVal val="visible"/>
+                                      </p:to>
+                                    </p:set>
+                                    <p:animEffect transition="in" filter="wipe(left)">
+                                      <p:cBhvr>
+                                        <p:cTn id="49" dur="500"/>
+                                        <p:tgtEl>
+                                          <p:spTgt spid="48"/>
                                         </p:tgtEl>
                                       </p:cBhvr>
                                     </p:animEffect>
@@ -16215,64 +16153,20 @@
                           </p:cTn>
                         </p:par>
                         <p:par>
-                          <p:cTn id="44" fill="hold">
+                          <p:cTn id="50" fill="hold">
                             <p:stCondLst>
-                              <p:cond delay="4500"/>
+                              <p:cond delay="500"/>
                             </p:stCondLst>
                             <p:childTnLst>
                               <p:par>
-                                <p:cTn id="45" presetID="22" presetClass="entr" presetSubtype="8" fill="hold" grpId="0" nodeType="afterEffect">
+                                <p:cTn id="51" presetID="53" presetClass="entr" presetSubtype="16" fill="hold" nodeType="afterEffect">
                                   <p:stCondLst>
                                     <p:cond delay="0"/>
                                   </p:stCondLst>
                                   <p:childTnLst>
                                     <p:set>
                                       <p:cBhvr>
-                                        <p:cTn id="46" dur="1" fill="hold">
-                                          <p:stCondLst>
-                                            <p:cond delay="0"/>
-                                          </p:stCondLst>
-                                        </p:cTn>
-                                        <p:tgtEl>
-                                          <p:spTgt spid="48"/>
-                                        </p:tgtEl>
-                                        <p:attrNameLst>
-                                          <p:attrName>style.visibility</p:attrName>
-                                        </p:attrNameLst>
-                                      </p:cBhvr>
-                                      <p:to>
-                                        <p:strVal val="visible"/>
-                                      </p:to>
-                                    </p:set>
-                                    <p:animEffect transition="in" filter="wipe(left)">
-                                      <p:cBhvr>
-                                        <p:cTn id="47" dur="500"/>
-                                        <p:tgtEl>
-                                          <p:spTgt spid="48"/>
-                                        </p:tgtEl>
-                                      </p:cBhvr>
-                                    </p:animEffect>
-                                  </p:childTnLst>
-                                </p:cTn>
-                              </p:par>
-                            </p:childTnLst>
-                          </p:cTn>
-                        </p:par>
-                        <p:par>
-                          <p:cTn id="48" fill="hold">
-                            <p:stCondLst>
-                              <p:cond delay="5000"/>
-                            </p:stCondLst>
-                            <p:childTnLst>
-                              <p:par>
-                                <p:cTn id="49" presetID="53" presetClass="entr" presetSubtype="16" fill="hold" nodeType="afterEffect">
-                                  <p:stCondLst>
-                                    <p:cond delay="0"/>
-                                  </p:stCondLst>
-                                  <p:childTnLst>
-                                    <p:set>
-                                      <p:cBhvr>
-                                        <p:cTn id="50" dur="1" fill="hold">
+                                        <p:cTn id="52" dur="1" fill="hold">
                                           <p:stCondLst>
                                             <p:cond delay="0"/>
                                           </p:stCondLst>
@@ -16290,7 +16184,7 @@
                                     </p:set>
                                     <p:anim calcmode="lin" valueType="num">
                                       <p:cBhvr>
-                                        <p:cTn id="51" dur="500" fill="hold"/>
+                                        <p:cTn id="53" dur="500" fill="hold"/>
                                         <p:tgtEl>
                                           <p:spTgt spid="2052"/>
                                         </p:tgtEl>
@@ -16313,7 +16207,7 @@
                                     </p:anim>
                                     <p:anim calcmode="lin" valueType="num">
                                       <p:cBhvr>
-                                        <p:cTn id="52" dur="500" fill="hold"/>
+                                        <p:cTn id="54" dur="500" fill="hold"/>
                                         <p:tgtEl>
                                           <p:spTgt spid="2052"/>
                                         </p:tgtEl>
@@ -16336,7 +16230,7 @@
                                     </p:anim>
                                     <p:animEffect transition="in" filter="fade">
                                       <p:cBhvr>
-                                        <p:cTn id="53" dur="500"/>
+                                        <p:cTn id="55" dur="500"/>
                                         <p:tgtEl>
                                           <p:spTgt spid="2052"/>
                                         </p:tgtEl>
@@ -16349,20 +16243,20 @@
                           </p:cTn>
                         </p:par>
                         <p:par>
-                          <p:cTn id="54" fill="hold">
+                          <p:cTn id="56" fill="hold">
                             <p:stCondLst>
-                              <p:cond delay="5500"/>
+                              <p:cond delay="1000"/>
                             </p:stCondLst>
                             <p:childTnLst>
                               <p:par>
-                                <p:cTn id="55" presetID="22" presetClass="entr" presetSubtype="4" fill="hold" nodeType="afterEffect">
+                                <p:cTn id="57" presetID="22" presetClass="entr" presetSubtype="4" fill="hold" nodeType="afterEffect">
                                   <p:stCondLst>
                                     <p:cond delay="0"/>
                                   </p:stCondLst>
                                   <p:childTnLst>
                                     <p:set>
                                       <p:cBhvr>
-                                        <p:cTn id="56" dur="1" fill="hold">
+                                        <p:cTn id="58" dur="1" fill="hold">
                                           <p:stCondLst>
                                             <p:cond delay="0"/>
                                           </p:stCondLst>
@@ -16380,7 +16274,7 @@
                                     </p:set>
                                     <p:animEffect transition="in" filter="wipe(down)">
                                       <p:cBhvr>
-                                        <p:cTn id="57" dur="500"/>
+                                        <p:cTn id="59" dur="500"/>
                                         <p:tgtEl>
                                           <p:spTgt spid="70"/>
                                         </p:tgtEl>
@@ -16393,20 +16287,20 @@
                           </p:cTn>
                         </p:par>
                         <p:par>
-                          <p:cTn id="58" fill="hold">
+                          <p:cTn id="60" fill="hold">
                             <p:stCondLst>
-                              <p:cond delay="6000"/>
+                              <p:cond delay="1500"/>
                             </p:stCondLst>
                             <p:childTnLst>
                               <p:par>
-                                <p:cTn id="59" presetID="22" presetClass="entr" presetSubtype="1" fill="hold" nodeType="afterEffect">
+                                <p:cTn id="61" presetID="22" presetClass="entr" presetSubtype="1" fill="hold" nodeType="afterEffect">
                                   <p:stCondLst>
                                     <p:cond delay="0"/>
                                   </p:stCondLst>
                                   <p:childTnLst>
                                     <p:set>
                                       <p:cBhvr>
-                                        <p:cTn id="60" dur="1" fill="hold">
+                                        <p:cTn id="62" dur="1" fill="hold">
                                           <p:stCondLst>
                                             <p:cond delay="0"/>
                                           </p:stCondLst>
@@ -16424,9 +16318,62 @@
                                     </p:set>
                                     <p:animEffect transition="in" filter="wipe(up)">
                                       <p:cBhvr>
-                                        <p:cTn id="61" dur="500"/>
+                                        <p:cTn id="63" dur="500"/>
                                         <p:tgtEl>
                                           <p:spTgt spid="8"/>
+                                        </p:tgtEl>
+                                      </p:cBhvr>
+                                    </p:animEffect>
+                                  </p:childTnLst>
+                                </p:cTn>
+                              </p:par>
+                            </p:childTnLst>
+                          </p:cTn>
+                        </p:par>
+                      </p:childTnLst>
+                    </p:cTn>
+                  </p:par>
+                  <p:par>
+                    <p:cTn id="64" fill="hold">
+                      <p:stCondLst>
+                        <p:cond delay="indefinite"/>
+                      </p:stCondLst>
+                      <p:childTnLst>
+                        <p:par>
+                          <p:cTn id="65" fill="hold">
+                            <p:stCondLst>
+                              <p:cond delay="0"/>
+                            </p:stCondLst>
+                            <p:childTnLst>
+                              <p:par>
+                                <p:cTn id="66" presetID="22" presetClass="entr" presetSubtype="1" fill="hold" grpId="0" nodeType="clickEffect">
+                                  <p:stCondLst>
+                                    <p:cond delay="0"/>
+                                  </p:stCondLst>
+                                  <p:childTnLst>
+                                    <p:set>
+                                      <p:cBhvr>
+                                        <p:cTn id="67" dur="1" fill="hold">
+                                          <p:stCondLst>
+                                            <p:cond delay="0"/>
+                                          </p:stCondLst>
+                                        </p:cTn>
+                                        <p:tgtEl>
+                                          <p:spTgt spid="47"/>
+                                        </p:tgtEl>
+                                        <p:attrNameLst>
+                                          <p:attrName>style.visibility</p:attrName>
+                                        </p:attrNameLst>
+                                      </p:cBhvr>
+                                      <p:to>
+                                        <p:strVal val="visible"/>
+                                      </p:to>
+                                    </p:set>
+                                    <p:animEffect transition="in" filter="wipe(up)">
+                                      <p:cBhvr>
+                                        <p:cTn id="68" dur="500"/>
+                                        <p:tgtEl>
+                                          <p:spTgt spid="47"/>
                                         </p:tgtEl>
                                       </p:cBhvr>
                                     </p:animEffect>
@@ -16437,64 +16384,20 @@
                           </p:cTn>
                         </p:par>
                         <p:par>
-                          <p:cTn id="62" fill="hold">
+                          <p:cTn id="69" fill="hold">
                             <p:stCondLst>
-                              <p:cond delay="6500"/>
+                              <p:cond delay="500"/>
                             </p:stCondLst>
                             <p:childTnLst>
                               <p:par>
-                                <p:cTn id="63" presetID="22" presetClass="entr" presetSubtype="1" fill="hold" grpId="0" nodeType="afterEffect">
+                                <p:cTn id="70" presetID="53" presetClass="entr" presetSubtype="16" fill="hold" nodeType="afterEffect">
                                   <p:stCondLst>
                                     <p:cond delay="0"/>
                                   </p:stCondLst>
                                   <p:childTnLst>
                                     <p:set>
                                       <p:cBhvr>
-                                        <p:cTn id="64" dur="1" fill="hold">
-                                          <p:stCondLst>
-                                            <p:cond delay="0"/>
-                                          </p:stCondLst>
-                                        </p:cTn>
-                                        <p:tgtEl>
-                                          <p:spTgt spid="47"/>
-                                        </p:tgtEl>
-                                        <p:attrNameLst>
-                                          <p:attrName>style.visibility</p:attrName>
-                                        </p:attrNameLst>
-                                      </p:cBhvr>
-                                      <p:to>
-                                        <p:strVal val="visible"/>
-                                      </p:to>
-                                    </p:set>
-                                    <p:animEffect transition="in" filter="wipe(up)">
-                                      <p:cBhvr>
-                                        <p:cTn id="65" dur="500"/>
-                                        <p:tgtEl>
-                                          <p:spTgt spid="47"/>
-                                        </p:tgtEl>
-                                      </p:cBhvr>
-                                    </p:animEffect>
-                                  </p:childTnLst>
-                                </p:cTn>
-                              </p:par>
-                            </p:childTnLst>
-                          </p:cTn>
-                        </p:par>
-                        <p:par>
-                          <p:cTn id="66" fill="hold">
-                            <p:stCondLst>
-                              <p:cond delay="7000"/>
-                            </p:stCondLst>
-                            <p:childTnLst>
-                              <p:par>
-                                <p:cTn id="67" presetID="53" presetClass="entr" presetSubtype="16" fill="hold" nodeType="afterEffect">
-                                  <p:stCondLst>
-                                    <p:cond delay="0"/>
-                                  </p:stCondLst>
-                                  <p:childTnLst>
-                                    <p:set>
-                                      <p:cBhvr>
-                                        <p:cTn id="68" dur="1" fill="hold">
+                                        <p:cTn id="71" dur="1" fill="hold">
                                           <p:stCondLst>
                                             <p:cond delay="0"/>
                                           </p:stCondLst>
@@ -16512,7 +16415,7 @@
                                     </p:set>
                                     <p:anim calcmode="lin" valueType="num">
                                       <p:cBhvr>
-                                        <p:cTn id="69" dur="500" fill="hold"/>
+                                        <p:cTn id="72" dur="500" fill="hold"/>
                                         <p:tgtEl>
                                           <p:spTgt spid="2053"/>
                                         </p:tgtEl>
@@ -16535,7 +16438,7 @@
                                     </p:anim>
                                     <p:anim calcmode="lin" valueType="num">
                                       <p:cBhvr>
-                                        <p:cTn id="70" dur="500" fill="hold"/>
+                                        <p:cTn id="73" dur="500" fill="hold"/>
                                         <p:tgtEl>
                                           <p:spTgt spid="2053"/>
                                         </p:tgtEl>
@@ -16558,7 +16461,7 @@
                                     </p:anim>
                                     <p:animEffect transition="in" filter="fade">
                                       <p:cBhvr>
-                                        <p:cTn id="71" dur="500"/>
+                                        <p:cTn id="74" dur="500"/>
                                         <p:tgtEl>
                                           <p:spTgt spid="2053"/>
                                         </p:tgtEl>
@@ -16571,20 +16474,20 @@
                           </p:cTn>
                         </p:par>
                         <p:par>
-                          <p:cTn id="72" fill="hold">
+                          <p:cTn id="75" fill="hold">
                             <p:stCondLst>
-                              <p:cond delay="7500"/>
+                              <p:cond delay="1000"/>
                             </p:stCondLst>
                             <p:childTnLst>
                               <p:par>
-                                <p:cTn id="73" presetID="22" presetClass="entr" presetSubtype="1" fill="hold" nodeType="afterEffect">
+                                <p:cTn id="76" presetID="22" presetClass="entr" presetSubtype="1" fill="hold" nodeType="afterEffect">
                                   <p:stCondLst>
                                     <p:cond delay="0"/>
                                   </p:stCondLst>
                                   <p:childTnLst>
                                     <p:set>
                                       <p:cBhvr>
-                                        <p:cTn id="74" dur="1" fill="hold">
+                                        <p:cTn id="77" dur="1" fill="hold">
                                           <p:stCondLst>
                                             <p:cond delay="0"/>
                                           </p:stCondLst>
@@ -16602,7 +16505,7 @@
                                     </p:set>
                                     <p:animEffect transition="in" filter="wipe(up)">
                                       <p:cBhvr>
-                                        <p:cTn id="75" dur="500"/>
+                                        <p:cTn id="78" dur="500"/>
                                         <p:tgtEl>
                                           <p:spTgt spid="73"/>
                                         </p:tgtEl>
@@ -16615,20 +16518,20 @@
                           </p:cTn>
                         </p:par>
                         <p:par>
-                          <p:cTn id="76" fill="hold">
+                          <p:cTn id="79" fill="hold">
                             <p:stCondLst>
-                              <p:cond delay="8000"/>
+                              <p:cond delay="1500"/>
                             </p:stCondLst>
                             <p:childTnLst>
                               <p:par>
-                                <p:cTn id="77" presetID="22" presetClass="entr" presetSubtype="1" fill="hold" nodeType="afterEffect">
+                                <p:cTn id="80" presetID="22" presetClass="entr" presetSubtype="1" fill="hold" nodeType="afterEffect">
                                   <p:stCondLst>
                                     <p:cond delay="0"/>
                                   </p:stCondLst>
                                   <p:childTnLst>
                                     <p:set>
                                       <p:cBhvr>
-                                        <p:cTn id="78" dur="1" fill="hold">
+                                        <p:cTn id="81" dur="1" fill="hold">
                                           <p:stCondLst>
                                             <p:cond delay="0"/>
                                           </p:stCondLst>
@@ -16646,7 +16549,7 @@
                                     </p:set>
                                     <p:animEffect transition="in" filter="wipe(up)">
                                       <p:cBhvr>
-                                        <p:cTn id="79" dur="500"/>
+                                        <p:cTn id="82" dur="500"/>
                                         <p:tgtEl>
                                           <p:spTgt spid="10"/>
                                         </p:tgtEl>
@@ -16939,7 +16842,7 @@
           <a:p>
             <a:pPr algn="ctr"/>
             <a:r>
-              <a:rPr lang="fr-CH" sz="4400" dirty="0" smtClean="0">
+              <a:rPr lang="fr-CH" sz="4400" dirty="0">
                 <a:solidFill>
                   <a:schemeClr val="bg1"/>
                 </a:solidFill>
@@ -16947,12 +16850,6 @@
               </a:rPr>
               <a:t>Démonstration</a:t>
             </a:r>
-            <a:endParaRPr lang="fr-CH" sz="4400" dirty="0">
-              <a:solidFill>
-                <a:schemeClr val="bg1"/>
-              </a:solidFill>
-              <a:cs typeface="Estrangelo Edessa" panose="03080600000000000000" pitchFamily="66" charset="0"/>
-            </a:endParaRPr>
           </a:p>
         </p:txBody>
       </p:sp>
@@ -17020,18 +16917,13 @@
           <a:lstStyle/>
           <a:p>
             <a:r>
-              <a:rPr lang="fr-CH" sz="2800" dirty="0" smtClean="0">
+              <a:rPr lang="fr-CH" sz="2800" dirty="0">
                 <a:solidFill>
                   <a:schemeClr val="bg1"/>
                 </a:solidFill>
               </a:rPr>
               <a:t>12</a:t>
             </a:r>
-            <a:endParaRPr lang="fr-CH" sz="2800" dirty="0">
-              <a:solidFill>
-                <a:schemeClr val="bg1"/>
-              </a:solidFill>
-            </a:endParaRPr>
           </a:p>
         </p:txBody>
       </p:sp>
@@ -17325,7 +17217,7 @@
               <a:buChar char="-"/>
             </a:pPr>
             <a:r>
-              <a:rPr lang="fr-CH" sz="1400" dirty="0" smtClean="0">
+              <a:rPr lang="fr-CH" sz="1400" dirty="0">
                 <a:solidFill>
                   <a:schemeClr val="bg1">
                     <a:lumMod val="85000"/>
@@ -17354,14 +17246,14 @@
               <a:buChar char="-"/>
             </a:pPr>
             <a:r>
-              <a:rPr lang="fr-CH" sz="1400" dirty="0" smtClean="0">
+              <a:rPr lang="fr-CH" sz="1400" dirty="0">
                 <a:solidFill>
                   <a:schemeClr val="bg1">
                     <a:lumMod val="85000"/>
                   </a:schemeClr>
                 </a:solidFill>
               </a:rPr>
-              <a:t>Google API</a:t>
+              <a:t>Idée de balades</a:t>
             </a:r>
           </a:p>
           <a:p>
@@ -17369,7 +17261,7 @@
               <a:buFontTx/>
               <a:buChar char="-"/>
             </a:pPr>
-            <a:endParaRPr lang="fr-CH" sz="1400" dirty="0" smtClean="0">
+            <a:endParaRPr lang="fr-CH" sz="1400" dirty="0">
               <a:solidFill>
                 <a:schemeClr val="bg1">
                   <a:lumMod val="85000"/>
@@ -17476,7 +17368,7 @@
             <a:p>
               <a:pPr algn="ctr"/>
               <a:r>
-                <a:rPr lang="en-US" sz="1867" b="1" dirty="0" err="1" smtClean="0">
+                <a:rPr lang="en-US" sz="1867" b="1" dirty="0" err="1">
                   <a:solidFill>
                     <a:schemeClr val="bg1">
                       <a:lumMod val="95000"/>
@@ -17553,7 +17445,7 @@
         <p:spPr>
           <a:xfrm>
             <a:off x="6176686" y="2139619"/>
-            <a:ext cx="3286876" cy="1713226"/>
+            <a:ext cx="3286876" cy="1282339"/>
           </a:xfrm>
           <a:prstGeom prst="rect">
             <a:avLst/>
@@ -17571,7 +17463,7 @@
               <a:buChar char="-"/>
             </a:pPr>
             <a:r>
-              <a:rPr lang="fr-CH" sz="1400" dirty="0" smtClean="0">
+              <a:rPr lang="fr-CH" sz="1400" dirty="0">
                 <a:solidFill>
                   <a:schemeClr val="bg1">
                     <a:lumMod val="85000"/>
@@ -17582,11 +17474,7 @@
             </a:r>
           </a:p>
           <a:p>
-            <a:pPr marL="285750" indent="-285750">
-              <a:buFontTx/>
-              <a:buChar char="-"/>
-            </a:pPr>
-            <a:endParaRPr lang="fr-CH" sz="1400" dirty="0" smtClean="0">
+            <a:endParaRPr lang="fr-CH" sz="1400" dirty="0">
               <a:solidFill>
                 <a:schemeClr val="bg1">
                   <a:lumMod val="85000"/>
@@ -17600,14 +17488,14 @@
               <a:buChar char="-"/>
             </a:pPr>
             <a:r>
-              <a:rPr lang="fr-CH" sz="1400" dirty="0" smtClean="0">
+              <a:rPr lang="fr-CH" sz="1400" dirty="0">
                 <a:solidFill>
                   <a:schemeClr val="bg1">
                     <a:lumMod val="85000"/>
                   </a:schemeClr>
                 </a:solidFill>
               </a:rPr>
-              <a:t>Partage par lien</a:t>
+              <a:t>Plusieurs motos</a:t>
             </a:r>
           </a:p>
           <a:p>
@@ -17615,7 +17503,7 @@
               <a:buFontTx/>
               <a:buChar char="-"/>
             </a:pPr>
-            <a:endParaRPr lang="fr-CH" sz="1400" dirty="0" smtClean="0">
+            <a:endParaRPr lang="fr-CH" sz="1400" dirty="0">
               <a:solidFill>
                 <a:schemeClr val="bg1">
                   <a:lumMod val="85000"/>
@@ -17629,36 +17517,7 @@
               <a:buChar char="-"/>
             </a:pPr>
             <a:r>
-              <a:rPr lang="fr-CH" sz="1400" dirty="0" smtClean="0">
-                <a:solidFill>
-                  <a:schemeClr val="bg1">
-                    <a:lumMod val="85000"/>
-                  </a:schemeClr>
-                </a:solidFill>
-              </a:rPr>
-              <a:t>Plusieurs moto</a:t>
-            </a:r>
-          </a:p>
-          <a:p>
-            <a:pPr marL="285750" indent="-285750">
-              <a:buFontTx/>
-              <a:buChar char="-"/>
-            </a:pPr>
-            <a:endParaRPr lang="fr-CH" sz="1400" dirty="0" smtClean="0">
-              <a:solidFill>
-                <a:schemeClr val="bg1">
-                  <a:lumMod val="85000"/>
-                </a:schemeClr>
-              </a:solidFill>
-            </a:endParaRPr>
-          </a:p>
-          <a:p>
-            <a:pPr marL="285750" indent="-285750">
-              <a:buFontTx/>
-              <a:buChar char="-"/>
-            </a:pPr>
-            <a:r>
-              <a:rPr lang="fr-CH" sz="1400" dirty="0" smtClean="0">
+              <a:rPr lang="fr-CH" sz="1400" dirty="0">
                 <a:solidFill>
                   <a:schemeClr val="bg1">
                     <a:lumMod val="85000"/>
@@ -17667,7 +17526,7 @@
               </a:rPr>
               <a:t>Fatigue</a:t>
             </a:r>
-            <a:endParaRPr lang="fr-CH" sz="1400" dirty="0" smtClean="0">
+            <a:endParaRPr lang="fr-CH" sz="1400" dirty="0">
               <a:solidFill>
                 <a:schemeClr val="tx1">
                   <a:lumMod val="50000"/>
@@ -17772,7 +17631,7 @@
             <a:p>
               <a:pPr algn="ctr"/>
               <a:r>
-                <a:rPr lang="en-US" sz="1867" b="1" dirty="0" smtClean="0">
+                <a:rPr lang="en-US" sz="1867" b="1" dirty="0">
                   <a:solidFill>
                     <a:schemeClr val="bg1">
                       <a:lumMod val="95000"/>
@@ -17825,7 +17684,7 @@
           <a:p>
             <a:pPr algn="ctr"/>
             <a:r>
-              <a:rPr lang="en-US" sz="2400" dirty="0" smtClean="0">
+              <a:rPr lang="en-US" sz="2400" dirty="0">
                 <a:solidFill>
                   <a:schemeClr val="bg1">
                     <a:lumMod val="85000"/>
@@ -17834,13 +17693,6 @@
               </a:rPr>
               <a:t>Conclusion</a:t>
             </a:r>
-            <a:endParaRPr lang="en-US" sz="2400" dirty="0">
-              <a:solidFill>
-                <a:schemeClr val="bg1">
-                  <a:lumMod val="85000"/>
-                </a:schemeClr>
-              </a:solidFill>
-            </a:endParaRPr>
           </a:p>
         </p:txBody>
       </p:sp>
@@ -17937,18 +17789,13 @@
           <a:lstStyle/>
           <a:p>
             <a:r>
-              <a:rPr lang="fr-CH" sz="2800" dirty="0" smtClean="0">
+              <a:rPr lang="fr-CH" sz="2800" dirty="0">
                 <a:solidFill>
                   <a:schemeClr val="bg1"/>
                 </a:solidFill>
               </a:rPr>
               <a:t>13</a:t>
             </a:r>
-            <a:endParaRPr lang="fr-CH" sz="2800" dirty="0">
-              <a:solidFill>
-                <a:schemeClr val="bg1"/>
-              </a:solidFill>
-            </a:endParaRPr>
           </a:p>
         </p:txBody>
       </p:sp>
@@ -18033,7 +17880,7 @@
                             </p:stCondLst>
                             <p:childTnLst>
                               <p:par>
-                                <p:cTn id="9" presetID="10" presetClass="entr" presetSubtype="0" fill="hold" grpId="0" nodeType="afterEffect">
+                                <p:cTn id="9" presetID="10" presetClass="entr" presetSubtype="0" fill="hold" nodeType="afterEffect">
                                   <p:stCondLst>
                                     <p:cond delay="0"/>
                                   </p:stCondLst>
@@ -18046,7 +17893,7 @@
                                           </p:stCondLst>
                                         </p:cTn>
                                         <p:tgtEl>
-                                          <p:spTgt spid="5"/>
+                                          <p:spTgt spid="7"/>
                                         </p:tgtEl>
                                         <p:attrNameLst>
                                           <p:attrName>style.visibility</p:attrName>
@@ -18060,7 +17907,7 @@
                                       <p:cBhvr>
                                         <p:cTn id="11" dur="500"/>
                                         <p:tgtEl>
-                                          <p:spTgt spid="5"/>
+                                          <p:spTgt spid="7"/>
                                         </p:tgtEl>
                                       </p:cBhvr>
                                     </p:animEffect>
@@ -18077,7 +17924,7 @@
                             </p:stCondLst>
                             <p:childTnLst>
                               <p:par>
-                                <p:cTn id="13" presetID="10" presetClass="entr" presetSubtype="0" fill="hold" nodeType="afterEffect">
+                                <p:cTn id="13" presetID="10" presetClass="entr" presetSubtype="0" fill="hold" grpId="0" nodeType="afterEffect">
                                   <p:stCondLst>
                                     <p:cond delay="0"/>
                                   </p:stCondLst>
@@ -18090,7 +17937,7 @@
                                           </p:stCondLst>
                                         </p:cTn>
                                         <p:tgtEl>
-                                          <p:spTgt spid="7"/>
+                                          <p:spTgt spid="5"/>
                                         </p:tgtEl>
                                         <p:attrNameLst>
                                           <p:attrName>style.visibility</p:attrName>
@@ -18104,7 +17951,7 @@
                                       <p:cBhvr>
                                         <p:cTn id="15" dur="500"/>
                                         <p:tgtEl>
-                                          <p:spTgt spid="7"/>
+                                          <p:spTgt spid="5"/>
                                         </p:tgtEl>
                                       </p:cBhvr>
                                     </p:animEffect>
@@ -19396,7 +19243,7 @@
           </a:bodyPr>
           <a:lstStyle/>
           <a:p>
-            <a:endParaRPr lang="en-US" sz="2400"/>
+            <a:endParaRPr lang="en-US" sz="2400" dirty="0"/>
           </a:p>
         </p:txBody>
       </p:sp>
@@ -21884,7 +21731,7 @@
               <a:defRPr/>
             </a:pPr>
             <a:r>
-              <a:rPr lang="en-US" sz="1600" b="1" dirty="0" smtClean="0">
+              <a:rPr lang="en-US" sz="1600" b="1" dirty="0">
                 <a:solidFill>
                   <a:schemeClr val="accent4"/>
                 </a:solidFill>
@@ -21892,7 +21739,7 @@
               <a:t>5. </a:t>
             </a:r>
             <a:r>
-              <a:rPr lang="en-US" sz="1600" b="1" dirty="0" err="1" smtClean="0">
+              <a:rPr lang="en-US" sz="1600" b="1" dirty="0" err="1">
                 <a:solidFill>
                   <a:schemeClr val="accent4"/>
                 </a:solidFill>
@@ -21900,7 +21747,7 @@
               <a:t>Fichier</a:t>
             </a:r>
             <a:r>
-              <a:rPr lang="en-US" sz="1600" b="1" dirty="0" smtClean="0">
+              <a:rPr lang="en-US" sz="1600" b="1" dirty="0">
                 <a:solidFill>
                   <a:schemeClr val="accent4"/>
                 </a:solidFill>
@@ -21908,7 +21755,7 @@
               <a:t> GPX et </a:t>
             </a:r>
             <a:r>
-              <a:rPr lang="en-US" sz="1600" b="1" dirty="0" err="1" smtClean="0">
+              <a:rPr lang="en-US" sz="1600" b="1" dirty="0" err="1">
                 <a:solidFill>
                   <a:schemeClr val="accent4"/>
                 </a:solidFill>
@@ -21955,7 +21802,7 @@
               <a:defRPr/>
             </a:pPr>
             <a:r>
-              <a:rPr lang="en-US" sz="1600" b="1" dirty="0" smtClean="0">
+              <a:rPr lang="en-US" sz="1600" b="1" dirty="0">
                 <a:solidFill>
                   <a:schemeClr val="accent5"/>
                 </a:solidFill>
@@ -22002,7 +21849,7 @@
               <a:defRPr/>
             </a:pPr>
             <a:r>
-              <a:rPr lang="en-US" sz="1600" b="1" dirty="0" smtClean="0">
+              <a:rPr lang="en-US" sz="1600" b="1" dirty="0">
                 <a:solidFill>
                   <a:schemeClr val="accent6"/>
                 </a:solidFill>
@@ -22049,7 +21896,7 @@
               <a:defRPr/>
             </a:pPr>
             <a:r>
-              <a:rPr lang="en-US" sz="1600" b="1" dirty="0" smtClean="0">
+              <a:rPr lang="en-US" sz="1600" b="1" dirty="0">
                 <a:solidFill>
                   <a:schemeClr val="accent2"/>
                 </a:solidFill>
@@ -22057,7 +21904,7 @@
               <a:t>2. </a:t>
             </a:r>
             <a:r>
-              <a:rPr lang="en-US" sz="1600" b="1" dirty="0" err="1" smtClean="0">
+              <a:rPr lang="en-US" sz="1600" b="1" dirty="0" err="1">
                 <a:solidFill>
                   <a:schemeClr val="accent2"/>
                 </a:solidFill>
@@ -22065,7 +21912,7 @@
               <a:t>Qu’est-ce</a:t>
             </a:r>
             <a:r>
-              <a:rPr lang="en-US" sz="1600" b="1" dirty="0" smtClean="0">
+              <a:rPr lang="en-US" sz="1600" b="1" dirty="0">
                 <a:solidFill>
                   <a:schemeClr val="accent2"/>
                 </a:solidFill>
@@ -22073,7 +21920,7 @@
               <a:t> que </a:t>
             </a:r>
             <a:r>
-              <a:rPr lang="en-US" sz="1600" b="1" dirty="0" err="1" smtClean="0">
+              <a:rPr lang="en-US" sz="1600" b="1" dirty="0" err="1">
                 <a:solidFill>
                   <a:schemeClr val="accent2"/>
                 </a:solidFill>
@@ -22081,7 +21928,7 @@
               <a:t>c’est</a:t>
             </a:r>
             <a:r>
-              <a:rPr lang="en-US" sz="1600" b="1" dirty="0" smtClean="0">
+              <a:rPr lang="en-US" sz="1600" b="1" dirty="0">
                 <a:solidFill>
                   <a:schemeClr val="accent2"/>
                 </a:solidFill>
@@ -22128,7 +21975,7 @@
               <a:defRPr/>
             </a:pPr>
             <a:r>
-              <a:rPr lang="en-US" sz="1600" b="1" dirty="0" smtClean="0">
+              <a:rPr lang="en-US" sz="1600" b="1" dirty="0">
                 <a:solidFill>
                   <a:schemeClr val="accent3"/>
                 </a:solidFill>
@@ -22175,7 +22022,7 @@
               <a:defRPr/>
             </a:pPr>
             <a:r>
-              <a:rPr lang="en-US" sz="1600" b="1" dirty="0" smtClean="0">
+              <a:rPr lang="en-US" sz="1600" b="1" dirty="0">
                 <a:solidFill>
                   <a:schemeClr val="accent1"/>
                 </a:solidFill>
@@ -22226,7 +22073,7 @@
           <a:p>
             <a:pPr algn="ctr"/>
             <a:r>
-              <a:rPr lang="en-US" sz="2400" dirty="0" err="1" smtClean="0">
+              <a:rPr lang="en-US" sz="2400" dirty="0" err="1">
                 <a:solidFill>
                   <a:schemeClr val="bg1">
                     <a:lumMod val="85000"/>
@@ -22268,18 +22115,13 @@
           <a:lstStyle/>
           <a:p>
             <a:r>
-              <a:rPr lang="fr-CH" sz="2800" dirty="0" smtClean="0">
+              <a:rPr lang="fr-CH" sz="2800" dirty="0">
                 <a:solidFill>
                   <a:schemeClr val="bg1"/>
                 </a:solidFill>
               </a:rPr>
               <a:t>2</a:t>
             </a:r>
-            <a:endParaRPr lang="fr-CH" sz="2800" dirty="0">
-              <a:solidFill>
-                <a:schemeClr val="bg1"/>
-              </a:solidFill>
-            </a:endParaRPr>
           </a:p>
         </p:txBody>
       </p:sp>
@@ -22770,24 +22612,15 @@
                                   </p:childTnLst>
                                 </p:cTn>
                               </p:par>
-                            </p:childTnLst>
-                          </p:cTn>
-                        </p:par>
-                        <p:par>
-                          <p:cTn id="20" fill="hold">
-                            <p:stCondLst>
-                              <p:cond delay="1000"/>
-                            </p:stCondLst>
-                            <p:childTnLst>
                               <p:par>
-                                <p:cTn id="21" presetID="22" presetClass="entr" presetSubtype="2" fill="hold" grpId="0" nodeType="afterEffect">
+                                <p:cTn id="20" presetID="22" presetClass="entr" presetSubtype="2" fill="hold" grpId="0" nodeType="withEffect">
                                   <p:stCondLst>
                                     <p:cond delay="0"/>
                                   </p:stCondLst>
                                   <p:childTnLst>
                                     <p:set>
                                       <p:cBhvr>
-                                        <p:cTn id="22" dur="1" fill="hold">
+                                        <p:cTn id="21" dur="1" fill="hold">
                                           <p:stCondLst>
                                             <p:cond delay="0"/>
                                           </p:stCondLst>
@@ -22805,7 +22638,7 @@
                                     </p:set>
                                     <p:animEffect transition="in" filter="wipe(right)">
                                       <p:cBhvr>
-                                        <p:cTn id="23" dur="500"/>
+                                        <p:cTn id="22" dur="500"/>
                                         <p:tgtEl>
                                           <p:spTgt spid="154"/>
                                         </p:tgtEl>
@@ -22814,15 +22647,33 @@
                                   </p:childTnLst>
                                 </p:cTn>
                               </p:par>
+                            </p:childTnLst>
+                          </p:cTn>
+                        </p:par>
+                      </p:childTnLst>
+                    </p:cTn>
+                  </p:par>
+                  <p:par>
+                    <p:cTn id="23" fill="hold">
+                      <p:stCondLst>
+                        <p:cond delay="indefinite"/>
+                      </p:stCondLst>
+                      <p:childTnLst>
+                        <p:par>
+                          <p:cTn id="24" fill="hold">
+                            <p:stCondLst>
+                              <p:cond delay="0"/>
+                            </p:stCondLst>
+                            <p:childTnLst>
                               <p:par>
-                                <p:cTn id="24" presetID="23" presetClass="entr" presetSubtype="16" fill="hold" grpId="0" nodeType="withEffect">
+                                <p:cTn id="25" presetID="23" presetClass="entr" presetSubtype="16" fill="hold" grpId="0" nodeType="clickEffect">
                                   <p:stCondLst>
                                     <p:cond delay="0"/>
                                   </p:stCondLst>
                                   <p:childTnLst>
                                     <p:set>
                                       <p:cBhvr>
-                                        <p:cTn id="25" dur="1" fill="hold">
+                                        <p:cTn id="26" dur="1" fill="hold">
                                           <p:stCondLst>
                                             <p:cond delay="0"/>
                                           </p:stCondLst>
@@ -22840,7 +22691,7 @@
                                     </p:set>
                                     <p:anim calcmode="lin" valueType="num">
                                       <p:cBhvr>
-                                        <p:cTn id="26" dur="500" fill="hold"/>
+                                        <p:cTn id="27" dur="500" fill="hold"/>
                                         <p:tgtEl>
                                           <p:spTgt spid="3141"/>
                                         </p:tgtEl>
@@ -22863,7 +22714,7 @@
                                     </p:anim>
                                     <p:anim calcmode="lin" valueType="num">
                                       <p:cBhvr>
-                                        <p:cTn id="27" dur="500" fill="hold"/>
+                                        <p:cTn id="28" dur="500" fill="hold"/>
                                         <p:tgtEl>
                                           <p:spTgt spid="3141"/>
                                         </p:tgtEl>
@@ -22888,14 +22739,14 @@
                                 </p:cTn>
                               </p:par>
                               <p:par>
-                                <p:cTn id="28" presetID="23" presetClass="entr" presetSubtype="16" fill="hold" nodeType="withEffect">
+                                <p:cTn id="29" presetID="23" presetClass="entr" presetSubtype="16" fill="hold" nodeType="withEffect">
                                   <p:stCondLst>
                                     <p:cond delay="0"/>
                                   </p:stCondLst>
                                   <p:childTnLst>
                                     <p:set>
                                       <p:cBhvr>
-                                        <p:cTn id="29" dur="1" fill="hold">
+                                        <p:cTn id="30" dur="1" fill="hold">
                                           <p:stCondLst>
                                             <p:cond delay="0"/>
                                           </p:stCondLst>
@@ -22913,7 +22764,7 @@
                                     </p:set>
                                     <p:anim calcmode="lin" valueType="num">
                                       <p:cBhvr>
-                                        <p:cTn id="30" dur="500" fill="hold"/>
+                                        <p:cTn id="31" dur="500" fill="hold"/>
                                         <p:tgtEl>
                                           <p:spTgt spid="4099"/>
                                         </p:tgtEl>
@@ -22936,7 +22787,7 @@
                                     </p:anim>
                                     <p:anim calcmode="lin" valueType="num">
                                       <p:cBhvr>
-                                        <p:cTn id="31" dur="500" fill="hold"/>
+                                        <p:cTn id="32" dur="500" fill="hold"/>
                                         <p:tgtEl>
                                           <p:spTgt spid="4099"/>
                                         </p:tgtEl>
@@ -22964,20 +22815,20 @@
                           </p:cTn>
                         </p:par>
                         <p:par>
-                          <p:cTn id="32" fill="hold">
+                          <p:cTn id="33" fill="hold">
                             <p:stCondLst>
-                              <p:cond delay="1500"/>
+                              <p:cond delay="500"/>
                             </p:stCondLst>
                             <p:childTnLst>
                               <p:par>
-                                <p:cTn id="33" presetID="22" presetClass="entr" presetSubtype="2" fill="hold" nodeType="afterEffect">
+                                <p:cTn id="34" presetID="22" presetClass="entr" presetSubtype="2" fill="hold" nodeType="afterEffect">
                                   <p:stCondLst>
                                     <p:cond delay="0"/>
                                   </p:stCondLst>
                                   <p:childTnLst>
                                     <p:set>
                                       <p:cBhvr>
-                                        <p:cTn id="34" dur="1" fill="hold">
+                                        <p:cTn id="35" dur="1" fill="hold">
                                           <p:stCondLst>
                                             <p:cond delay="0"/>
                                           </p:stCondLst>
@@ -22995,7 +22846,7 @@
                                     </p:set>
                                     <p:animEffect transition="in" filter="wipe(right)">
                                       <p:cBhvr>
-                                        <p:cTn id="35" dur="500"/>
+                                        <p:cTn id="36" dur="500"/>
                                         <p:tgtEl>
                                           <p:spTgt spid="143"/>
                                         </p:tgtEl>
@@ -23008,20 +22859,20 @@
                           </p:cTn>
                         </p:par>
                         <p:par>
-                          <p:cTn id="36" fill="hold">
+                          <p:cTn id="37" fill="hold">
                             <p:stCondLst>
-                              <p:cond delay="2500"/>
+                              <p:cond delay="1000"/>
                             </p:stCondLst>
                             <p:childTnLst>
                               <p:par>
-                                <p:cTn id="37" presetID="22" presetClass="entr" presetSubtype="2" fill="hold" grpId="0" nodeType="afterEffect">
+                                <p:cTn id="38" presetID="22" presetClass="entr" presetSubtype="2" fill="hold" grpId="0" nodeType="afterEffect">
                                   <p:stCondLst>
                                     <p:cond delay="0"/>
                                   </p:stCondLst>
                                   <p:childTnLst>
                                     <p:set>
                                       <p:cBhvr>
-                                        <p:cTn id="38" dur="1" fill="hold">
+                                        <p:cTn id="39" dur="1" fill="hold">
                                           <p:stCondLst>
                                             <p:cond delay="0"/>
                                           </p:stCondLst>
@@ -23039,7 +22890,7 @@
                                     </p:set>
                                     <p:animEffect transition="in" filter="wipe(right)">
                                       <p:cBhvr>
-                                        <p:cTn id="39" dur="500"/>
+                                        <p:cTn id="40" dur="500"/>
                                         <p:tgtEl>
                                           <p:spTgt spid="152"/>
                                         </p:tgtEl>
@@ -23051,21 +22902,30 @@
                             </p:childTnLst>
                           </p:cTn>
                         </p:par>
+                      </p:childTnLst>
+                    </p:cTn>
+                  </p:par>
+                  <p:par>
+                    <p:cTn id="41" fill="hold">
+                      <p:stCondLst>
+                        <p:cond delay="indefinite"/>
+                      </p:stCondLst>
+                      <p:childTnLst>
                         <p:par>
-                          <p:cTn id="40" fill="hold">
+                          <p:cTn id="42" fill="hold">
                             <p:stCondLst>
-                              <p:cond delay="3000"/>
+                              <p:cond delay="0"/>
                             </p:stCondLst>
                             <p:childTnLst>
                               <p:par>
-                                <p:cTn id="41" presetID="23" presetClass="entr" presetSubtype="16" fill="hold" grpId="0" nodeType="afterEffect">
+                                <p:cTn id="43" presetID="23" presetClass="entr" presetSubtype="16" fill="hold" grpId="0" nodeType="clickEffect">
                                   <p:stCondLst>
                                     <p:cond delay="0"/>
                                   </p:stCondLst>
                                   <p:childTnLst>
                                     <p:set>
                                       <p:cBhvr>
-                                        <p:cTn id="42" dur="1" fill="hold">
+                                        <p:cTn id="44" dur="1" fill="hold">
                                           <p:stCondLst>
                                             <p:cond delay="0"/>
                                           </p:stCondLst>
@@ -23083,7 +22943,7 @@
                                     </p:set>
                                     <p:anim calcmode="lin" valueType="num">
                                       <p:cBhvr>
-                                        <p:cTn id="43" dur="500" fill="hold"/>
+                                        <p:cTn id="45" dur="500" fill="hold"/>
                                         <p:tgtEl>
                                           <p:spTgt spid="3133"/>
                                         </p:tgtEl>
@@ -23106,7 +22966,7 @@
                                     </p:anim>
                                     <p:anim calcmode="lin" valueType="num">
                                       <p:cBhvr>
-                                        <p:cTn id="44" dur="500" fill="hold"/>
+                                        <p:cTn id="46" dur="500" fill="hold"/>
                                         <p:tgtEl>
                                           <p:spTgt spid="3133"/>
                                         </p:tgtEl>
@@ -23134,20 +22994,20 @@
                           </p:cTn>
                         </p:par>
                         <p:par>
-                          <p:cTn id="45" fill="hold">
+                          <p:cTn id="47" fill="hold">
                             <p:stCondLst>
-                              <p:cond delay="3500"/>
+                              <p:cond delay="500"/>
                             </p:stCondLst>
                             <p:childTnLst>
                               <p:par>
-                                <p:cTn id="46" presetID="22" presetClass="entr" presetSubtype="2" fill="hold" nodeType="afterEffect">
+                                <p:cTn id="48" presetID="22" presetClass="entr" presetSubtype="2" fill="hold" nodeType="afterEffect">
                                   <p:stCondLst>
                                     <p:cond delay="0"/>
                                   </p:stCondLst>
                                   <p:childTnLst>
                                     <p:set>
                                       <p:cBhvr>
-                                        <p:cTn id="47" dur="1" fill="hold">
+                                        <p:cTn id="49" dur="1" fill="hold">
                                           <p:stCondLst>
                                             <p:cond delay="0"/>
                                           </p:stCondLst>
@@ -23165,7 +23025,7 @@
                                     </p:set>
                                     <p:animEffect transition="in" filter="wipe(right)">
                                       <p:cBhvr>
-                                        <p:cTn id="48" dur="500"/>
+                                        <p:cTn id="50" dur="500"/>
                                         <p:tgtEl>
                                           <p:spTgt spid="146"/>
                                         </p:tgtEl>
@@ -23178,20 +23038,20 @@
                           </p:cTn>
                         </p:par>
                         <p:par>
-                          <p:cTn id="49" fill="hold">
+                          <p:cTn id="51" fill="hold">
                             <p:stCondLst>
-                              <p:cond delay="4000"/>
+                              <p:cond delay="1000"/>
                             </p:stCondLst>
                             <p:childTnLst>
                               <p:par>
-                                <p:cTn id="50" presetID="22" presetClass="entr" presetSubtype="2" fill="hold" grpId="0" nodeType="afterEffect">
+                                <p:cTn id="52" presetID="22" presetClass="entr" presetSubtype="2" fill="hold" grpId="0" nodeType="afterEffect">
                                   <p:stCondLst>
                                     <p:cond delay="0"/>
                                   </p:stCondLst>
                                   <p:childTnLst>
                                     <p:set>
                                       <p:cBhvr>
-                                        <p:cTn id="51" dur="1" fill="hold">
+                                        <p:cTn id="53" dur="1" fill="hold">
                                           <p:stCondLst>
                                             <p:cond delay="0"/>
                                           </p:stCondLst>
@@ -23209,7 +23069,7 @@
                                     </p:set>
                                     <p:animEffect transition="in" filter="wipe(right)">
                                       <p:cBhvr>
-                                        <p:cTn id="52" dur="500"/>
+                                        <p:cTn id="54" dur="500"/>
                                         <p:tgtEl>
                                           <p:spTgt spid="153"/>
                                         </p:tgtEl>
@@ -23221,21 +23081,30 @@
                             </p:childTnLst>
                           </p:cTn>
                         </p:par>
+                      </p:childTnLst>
+                    </p:cTn>
+                  </p:par>
+                  <p:par>
+                    <p:cTn id="55" fill="hold">
+                      <p:stCondLst>
+                        <p:cond delay="indefinite"/>
+                      </p:stCondLst>
+                      <p:childTnLst>
                         <p:par>
-                          <p:cTn id="53" fill="hold">
+                          <p:cTn id="56" fill="hold">
                             <p:stCondLst>
-                              <p:cond delay="4500"/>
+                              <p:cond delay="0"/>
                             </p:stCondLst>
                             <p:childTnLst>
                               <p:par>
-                                <p:cTn id="54" presetID="23" presetClass="entr" presetSubtype="16" fill="hold" nodeType="afterEffect">
+                                <p:cTn id="57" presetID="23" presetClass="entr" presetSubtype="16" fill="hold" nodeType="clickEffect">
                                   <p:stCondLst>
                                     <p:cond delay="0"/>
                                   </p:stCondLst>
                                   <p:childTnLst>
                                     <p:set>
                                       <p:cBhvr>
-                                        <p:cTn id="55" dur="1" fill="hold">
+                                        <p:cTn id="58" dur="1" fill="hold">
                                           <p:stCondLst>
                                             <p:cond delay="0"/>
                                           </p:stCondLst>
@@ -23253,7 +23122,7 @@
                                     </p:set>
                                     <p:anim calcmode="lin" valueType="num">
                                       <p:cBhvr>
-                                        <p:cTn id="56" dur="500" fill="hold"/>
+                                        <p:cTn id="59" dur="500" fill="hold"/>
                                         <p:tgtEl>
                                           <p:spTgt spid="4100"/>
                                         </p:tgtEl>
@@ -23276,7 +23145,7 @@
                                     </p:anim>
                                     <p:anim calcmode="lin" valueType="num">
                                       <p:cBhvr>
-                                        <p:cTn id="57" dur="500" fill="hold"/>
+                                        <p:cTn id="60" dur="500" fill="hold"/>
                                         <p:tgtEl>
                                           <p:spTgt spid="4100"/>
                                         </p:tgtEl>
@@ -23304,20 +23173,20 @@
                           </p:cTn>
                         </p:par>
                         <p:par>
-                          <p:cTn id="58" fill="hold">
+                          <p:cTn id="61" fill="hold">
                             <p:stCondLst>
-                              <p:cond delay="5000"/>
+                              <p:cond delay="500"/>
                             </p:stCondLst>
                             <p:childTnLst>
                               <p:par>
-                                <p:cTn id="59" presetID="23" presetClass="entr" presetSubtype="16" fill="hold" grpId="0" nodeType="afterEffect">
+                                <p:cTn id="62" presetID="23" presetClass="entr" presetSubtype="16" fill="hold" grpId="0" nodeType="afterEffect">
                                   <p:stCondLst>
                                     <p:cond delay="0"/>
                                   </p:stCondLst>
                                   <p:childTnLst>
                                     <p:set>
                                       <p:cBhvr>
-                                        <p:cTn id="60" dur="1" fill="hold">
+                                        <p:cTn id="63" dur="1" fill="hold">
                                           <p:stCondLst>
                                             <p:cond delay="0"/>
                                           </p:stCondLst>
@@ -23335,7 +23204,7 @@
                                     </p:set>
                                     <p:anim calcmode="lin" valueType="num">
                                       <p:cBhvr>
-                                        <p:cTn id="61" dur="500" fill="hold"/>
+                                        <p:cTn id="64" dur="500" fill="hold"/>
                                         <p:tgtEl>
                                           <p:spTgt spid="3137"/>
                                         </p:tgtEl>
@@ -23358,7 +23227,7 @@
                                     </p:anim>
                                     <p:anim calcmode="lin" valueType="num">
                                       <p:cBhvr>
-                                        <p:cTn id="62" dur="500" fill="hold"/>
+                                        <p:cTn id="65" dur="500" fill="hold"/>
                                         <p:tgtEl>
                                           <p:spTgt spid="3137"/>
                                         </p:tgtEl>
@@ -23386,20 +23255,20 @@
                           </p:cTn>
                         </p:par>
                         <p:par>
-                          <p:cTn id="63" fill="hold">
+                          <p:cTn id="66" fill="hold">
                             <p:stCondLst>
-                              <p:cond delay="5500"/>
+                              <p:cond delay="1000"/>
                             </p:stCondLst>
                             <p:childTnLst>
                               <p:par>
-                                <p:cTn id="64" presetID="22" presetClass="entr" presetSubtype="8" fill="hold" nodeType="afterEffect">
+                                <p:cTn id="67" presetID="22" presetClass="entr" presetSubtype="8" fill="hold" nodeType="afterEffect">
                                   <p:stCondLst>
                                     <p:cond delay="0"/>
                                   </p:stCondLst>
                                   <p:childTnLst>
                                     <p:set>
                                       <p:cBhvr>
-                                        <p:cTn id="65" dur="1" fill="hold">
+                                        <p:cTn id="68" dur="1" fill="hold">
                                           <p:stCondLst>
                                             <p:cond delay="0"/>
                                           </p:stCondLst>
@@ -23417,7 +23286,7 @@
                                     </p:set>
                                     <p:animEffect transition="in" filter="wipe(left)">
                                       <p:cBhvr>
-                                        <p:cTn id="66" dur="500"/>
+                                        <p:cTn id="69" dur="500"/>
                                         <p:tgtEl>
                                           <p:spTgt spid="131"/>
                                         </p:tgtEl>
@@ -23430,20 +23299,20 @@
                           </p:cTn>
                         </p:par>
                         <p:par>
-                          <p:cTn id="67" fill="hold">
+                          <p:cTn id="70" fill="hold">
                             <p:stCondLst>
-                              <p:cond delay="6000"/>
+                              <p:cond delay="1500"/>
                             </p:stCondLst>
                             <p:childTnLst>
                               <p:par>
-                                <p:cTn id="68" presetID="22" presetClass="entr" presetSubtype="8" fill="hold" grpId="0" nodeType="afterEffect">
+                                <p:cTn id="71" presetID="22" presetClass="entr" presetSubtype="8" fill="hold" grpId="0" nodeType="afterEffect">
                                   <p:stCondLst>
                                     <p:cond delay="0"/>
                                   </p:stCondLst>
                                   <p:childTnLst>
                                     <p:set>
                                       <p:cBhvr>
-                                        <p:cTn id="69" dur="1" fill="hold">
+                                        <p:cTn id="72" dur="1" fill="hold">
                                           <p:stCondLst>
                                             <p:cond delay="0"/>
                                           </p:stCondLst>
@@ -23461,7 +23330,7 @@
                                     </p:set>
                                     <p:animEffect transition="in" filter="wipe(left)">
                                       <p:cBhvr>
-                                        <p:cTn id="70" dur="500"/>
+                                        <p:cTn id="73" dur="500"/>
                                         <p:tgtEl>
                                           <p:spTgt spid="149"/>
                                         </p:tgtEl>
@@ -23473,21 +23342,30 @@
                             </p:childTnLst>
                           </p:cTn>
                         </p:par>
+                      </p:childTnLst>
+                    </p:cTn>
+                  </p:par>
+                  <p:par>
+                    <p:cTn id="74" fill="hold">
+                      <p:stCondLst>
+                        <p:cond delay="indefinite"/>
+                      </p:stCondLst>
+                      <p:childTnLst>
                         <p:par>
-                          <p:cTn id="71" fill="hold">
+                          <p:cTn id="75" fill="hold">
                             <p:stCondLst>
-                              <p:cond delay="6500"/>
+                              <p:cond delay="0"/>
                             </p:stCondLst>
                             <p:childTnLst>
                               <p:par>
-                                <p:cTn id="72" presetID="23" presetClass="entr" presetSubtype="16" fill="hold" grpId="0" nodeType="afterEffect">
+                                <p:cTn id="76" presetID="23" presetClass="entr" presetSubtype="16" fill="hold" grpId="0" nodeType="clickEffect">
                                   <p:stCondLst>
                                     <p:cond delay="0"/>
                                   </p:stCondLst>
                                   <p:childTnLst>
                                     <p:set>
                                       <p:cBhvr>
-                                        <p:cTn id="73" dur="1" fill="hold">
+                                        <p:cTn id="77" dur="1" fill="hold">
                                           <p:stCondLst>
                                             <p:cond delay="0"/>
                                           </p:stCondLst>
@@ -23505,7 +23383,7 @@
                                     </p:set>
                                     <p:anim calcmode="lin" valueType="num">
                                       <p:cBhvr>
-                                        <p:cTn id="74" dur="500" fill="hold"/>
+                                        <p:cTn id="78" dur="500" fill="hold"/>
                                         <p:tgtEl>
                                           <p:spTgt spid="3135"/>
                                         </p:tgtEl>
@@ -23528,7 +23406,7 @@
                                     </p:anim>
                                     <p:anim calcmode="lin" valueType="num">
                                       <p:cBhvr>
-                                        <p:cTn id="75" dur="500" fill="hold"/>
+                                        <p:cTn id="79" dur="500" fill="hold"/>
                                         <p:tgtEl>
                                           <p:spTgt spid="3135"/>
                                         </p:tgtEl>
@@ -23553,14 +23431,14 @@
                                 </p:cTn>
                               </p:par>
                               <p:par>
-                                <p:cTn id="76" presetID="23" presetClass="entr" presetSubtype="16" fill="hold" nodeType="withEffect">
+                                <p:cTn id="80" presetID="23" presetClass="entr" presetSubtype="16" fill="hold" nodeType="withEffect">
                                   <p:stCondLst>
                                     <p:cond delay="0"/>
                                   </p:stCondLst>
                                   <p:childTnLst>
                                     <p:set>
                                       <p:cBhvr>
-                                        <p:cTn id="77" dur="1" fill="hold">
+                                        <p:cTn id="81" dur="1" fill="hold">
                                           <p:stCondLst>
                                             <p:cond delay="0"/>
                                           </p:stCondLst>
@@ -23578,7 +23456,7 @@
                                     </p:set>
                                     <p:anim calcmode="lin" valueType="num">
                                       <p:cBhvr>
-                                        <p:cTn id="78" dur="500" fill="hold"/>
+                                        <p:cTn id="82" dur="500" fill="hold"/>
                                         <p:tgtEl>
                                           <p:spTgt spid="4101"/>
                                         </p:tgtEl>
@@ -23601,7 +23479,7 @@
                                     </p:anim>
                                     <p:anim calcmode="lin" valueType="num">
                                       <p:cBhvr>
-                                        <p:cTn id="79" dur="500" fill="hold"/>
+                                        <p:cTn id="83" dur="500" fill="hold"/>
                                         <p:tgtEl>
                                           <p:spTgt spid="4101"/>
                                         </p:tgtEl>
@@ -23629,57 +23507,13 @@
                           </p:cTn>
                         </p:par>
                         <p:par>
-                          <p:cTn id="80" fill="hold">
+                          <p:cTn id="84" fill="hold">
                             <p:stCondLst>
-                              <p:cond delay="7000"/>
+                              <p:cond delay="500"/>
                             </p:stCondLst>
                             <p:childTnLst>
                               <p:par>
-                                <p:cTn id="81" presetID="22" presetClass="entr" presetSubtype="8" fill="hold" nodeType="afterEffect">
-                                  <p:stCondLst>
-                                    <p:cond delay="0"/>
-                                  </p:stCondLst>
-                                  <p:childTnLst>
-                                    <p:set>
-                                      <p:cBhvr>
-                                        <p:cTn id="82" dur="1" fill="hold">
-                                          <p:stCondLst>
-                                            <p:cond delay="0"/>
-                                          </p:stCondLst>
-                                        </p:cTn>
-                                        <p:tgtEl>
-                                          <p:spTgt spid="140"/>
-                                        </p:tgtEl>
-                                        <p:attrNameLst>
-                                          <p:attrName>style.visibility</p:attrName>
-                                        </p:attrNameLst>
-                                      </p:cBhvr>
-                                      <p:to>
-                                        <p:strVal val="visible"/>
-                                      </p:to>
-                                    </p:set>
-                                    <p:animEffect transition="in" filter="wipe(left)">
-                                      <p:cBhvr>
-                                        <p:cTn id="83" dur="500"/>
-                                        <p:tgtEl>
-                                          <p:spTgt spid="140"/>
-                                        </p:tgtEl>
-                                      </p:cBhvr>
-                                    </p:animEffect>
-                                  </p:childTnLst>
-                                </p:cTn>
-                              </p:par>
-                            </p:childTnLst>
-                          </p:cTn>
-                        </p:par>
-                        <p:par>
-                          <p:cTn id="84" fill="hold">
-                            <p:stCondLst>
-                              <p:cond delay="7500"/>
-                            </p:stCondLst>
-                            <p:childTnLst>
-                              <p:par>
-                                <p:cTn id="85" presetID="22" presetClass="entr" presetSubtype="8" fill="hold" grpId="0" nodeType="afterEffect">
+                                <p:cTn id="85" presetID="22" presetClass="entr" presetSubtype="8" fill="hold" nodeType="afterEffect">
                                   <p:stCondLst>
                                     <p:cond delay="0"/>
                                   </p:stCondLst>
@@ -23692,7 +23526,7 @@
                                           </p:stCondLst>
                                         </p:cTn>
                                         <p:tgtEl>
-                                          <p:spTgt spid="150"/>
+                                          <p:spTgt spid="140"/>
                                         </p:tgtEl>
                                         <p:attrNameLst>
                                           <p:attrName>style.visibility</p:attrName>
@@ -23706,7 +23540,7 @@
                                       <p:cBhvr>
                                         <p:cTn id="87" dur="500"/>
                                         <p:tgtEl>
-                                          <p:spTgt spid="150"/>
+                                          <p:spTgt spid="140"/>
                                         </p:tgtEl>
                                       </p:cBhvr>
                                     </p:animEffect>
@@ -23719,11 +23553,11 @@
                         <p:par>
                           <p:cTn id="88" fill="hold">
                             <p:stCondLst>
-                              <p:cond delay="8000"/>
+                              <p:cond delay="1000"/>
                             </p:stCondLst>
                             <p:childTnLst>
                               <p:par>
-                                <p:cTn id="89" presetID="23" presetClass="entr" presetSubtype="16" fill="hold" grpId="0" nodeType="afterEffect">
+                                <p:cTn id="89" presetID="22" presetClass="entr" presetSubtype="8" fill="hold" grpId="0" nodeType="afterEffect">
                                   <p:stCondLst>
                                     <p:cond delay="0"/>
                                   </p:stCondLst>
@@ -23736,6 +23570,59 @@
                                           </p:stCondLst>
                                         </p:cTn>
                                         <p:tgtEl>
+                                          <p:spTgt spid="150"/>
+                                        </p:tgtEl>
+                                        <p:attrNameLst>
+                                          <p:attrName>style.visibility</p:attrName>
+                                        </p:attrNameLst>
+                                      </p:cBhvr>
+                                      <p:to>
+                                        <p:strVal val="visible"/>
+                                      </p:to>
+                                    </p:set>
+                                    <p:animEffect transition="in" filter="wipe(left)">
+                                      <p:cBhvr>
+                                        <p:cTn id="91" dur="500"/>
+                                        <p:tgtEl>
+                                          <p:spTgt spid="150"/>
+                                        </p:tgtEl>
+                                      </p:cBhvr>
+                                    </p:animEffect>
+                                  </p:childTnLst>
+                                </p:cTn>
+                              </p:par>
+                            </p:childTnLst>
+                          </p:cTn>
+                        </p:par>
+                      </p:childTnLst>
+                    </p:cTn>
+                  </p:par>
+                  <p:par>
+                    <p:cTn id="92" fill="hold">
+                      <p:stCondLst>
+                        <p:cond delay="indefinite"/>
+                      </p:stCondLst>
+                      <p:childTnLst>
+                        <p:par>
+                          <p:cTn id="93" fill="hold">
+                            <p:stCondLst>
+                              <p:cond delay="0"/>
+                            </p:stCondLst>
+                            <p:childTnLst>
+                              <p:par>
+                                <p:cTn id="94" presetID="23" presetClass="entr" presetSubtype="16" fill="hold" grpId="0" nodeType="clickEffect">
+                                  <p:stCondLst>
+                                    <p:cond delay="0"/>
+                                  </p:stCondLst>
+                                  <p:childTnLst>
+                                    <p:set>
+                                      <p:cBhvr>
+                                        <p:cTn id="95" dur="1" fill="hold">
+                                          <p:stCondLst>
+                                            <p:cond delay="0"/>
+                                          </p:stCondLst>
+                                        </p:cTn>
+                                        <p:tgtEl>
                                           <p:spTgt spid="3139"/>
                                         </p:tgtEl>
                                         <p:attrNameLst>
@@ -23748,7 +23635,7 @@
                                     </p:set>
                                     <p:anim calcmode="lin" valueType="num">
                                       <p:cBhvr>
-                                        <p:cTn id="91" dur="500" fill="hold"/>
+                                        <p:cTn id="96" dur="500" fill="hold"/>
                                         <p:tgtEl>
                                           <p:spTgt spid="3139"/>
                                         </p:tgtEl>
@@ -23771,7 +23658,7 @@
                                     </p:anim>
                                     <p:anim calcmode="lin" valueType="num">
                                       <p:cBhvr>
-                                        <p:cTn id="92" dur="500" fill="hold"/>
+                                        <p:cTn id="97" dur="500" fill="hold"/>
                                         <p:tgtEl>
                                           <p:spTgt spid="3139"/>
                                         </p:tgtEl>
@@ -23796,14 +23683,14 @@
                                 </p:cTn>
                               </p:par>
                               <p:par>
-                                <p:cTn id="93" presetID="23" presetClass="entr" presetSubtype="16" fill="hold" nodeType="withEffect">
+                                <p:cTn id="98" presetID="23" presetClass="entr" presetSubtype="16" fill="hold" nodeType="withEffect">
                                   <p:stCondLst>
                                     <p:cond delay="0"/>
                                   </p:stCondLst>
                                   <p:childTnLst>
                                     <p:set>
                                       <p:cBhvr>
-                                        <p:cTn id="94" dur="1" fill="hold">
+                                        <p:cTn id="99" dur="1" fill="hold">
                                           <p:stCondLst>
                                             <p:cond delay="0"/>
                                           </p:stCondLst>
@@ -23821,7 +23708,7 @@
                                     </p:set>
                                     <p:anim calcmode="lin" valueType="num">
                                       <p:cBhvr>
-                                        <p:cTn id="95" dur="500" fill="hold"/>
+                                        <p:cTn id="100" dur="500" fill="hold"/>
                                         <p:tgtEl>
                                           <p:spTgt spid="4102"/>
                                         </p:tgtEl>
@@ -23844,7 +23731,7 @@
                                     </p:anim>
                                     <p:anim calcmode="lin" valueType="num">
                                       <p:cBhvr>
-                                        <p:cTn id="96" dur="500" fill="hold"/>
+                                        <p:cTn id="101" dur="500" fill="hold"/>
                                         <p:tgtEl>
                                           <p:spTgt spid="4102"/>
                                         </p:tgtEl>
@@ -23872,20 +23759,20 @@
                           </p:cTn>
                         </p:par>
                         <p:par>
-                          <p:cTn id="97" fill="hold">
+                          <p:cTn id="102" fill="hold">
                             <p:stCondLst>
-                              <p:cond delay="8500"/>
+                              <p:cond delay="500"/>
                             </p:stCondLst>
                             <p:childTnLst>
                               <p:par>
-                                <p:cTn id="98" presetID="22" presetClass="entr" presetSubtype="8" fill="hold" nodeType="afterEffect">
+                                <p:cTn id="103" presetID="22" presetClass="entr" presetSubtype="8" fill="hold" nodeType="afterEffect">
                                   <p:stCondLst>
                                     <p:cond delay="0"/>
                                   </p:stCondLst>
                                   <p:childTnLst>
                                     <p:set>
                                       <p:cBhvr>
-                                        <p:cTn id="99" dur="1" fill="hold">
+                                        <p:cTn id="104" dur="1" fill="hold">
                                           <p:stCondLst>
                                             <p:cond delay="0"/>
                                           </p:stCondLst>
@@ -23903,7 +23790,7 @@
                                     </p:set>
                                     <p:animEffect transition="in" filter="wipe(left)">
                                       <p:cBhvr>
-                                        <p:cTn id="100" dur="500"/>
+                                        <p:cTn id="105" dur="500"/>
                                         <p:tgtEl>
                                           <p:spTgt spid="134"/>
                                         </p:tgtEl>
@@ -23916,20 +23803,20 @@
                           </p:cTn>
                         </p:par>
                         <p:par>
-                          <p:cTn id="101" fill="hold">
+                          <p:cTn id="106" fill="hold">
                             <p:stCondLst>
-                              <p:cond delay="9000"/>
+                              <p:cond delay="1000"/>
                             </p:stCondLst>
                             <p:childTnLst>
                               <p:par>
-                                <p:cTn id="102" presetID="22" presetClass="entr" presetSubtype="8" fill="hold" grpId="0" nodeType="afterEffect">
+                                <p:cTn id="107" presetID="22" presetClass="entr" presetSubtype="8" fill="hold" grpId="0" nodeType="afterEffect">
                                   <p:stCondLst>
                                     <p:cond delay="0"/>
                                   </p:stCondLst>
                                   <p:childTnLst>
                                     <p:set>
                                       <p:cBhvr>
-                                        <p:cTn id="103" dur="1" fill="hold">
+                                        <p:cTn id="108" dur="1" fill="hold">
                                           <p:stCondLst>
                                             <p:cond delay="0"/>
                                           </p:stCondLst>
@@ -23947,7 +23834,7 @@
                                     </p:set>
                                     <p:animEffect transition="in" filter="wipe(left)">
                                       <p:cBhvr>
-                                        <p:cTn id="104" dur="500"/>
+                                        <p:cTn id="109" dur="500"/>
                                         <p:tgtEl>
                                           <p:spTgt spid="151"/>
                                         </p:tgtEl>
@@ -24108,7 +23995,7 @@
               <a:buChar char="-"/>
             </a:pPr>
             <a:r>
-              <a:rPr lang="fr-CH" sz="1400" dirty="0" smtClean="0">
+              <a:rPr lang="fr-CH" sz="1400" dirty="0">
                 <a:solidFill>
                   <a:schemeClr val="bg1">
                     <a:lumMod val="85000"/>
@@ -24124,7 +24011,7 @@
               <a:buChar char="-"/>
             </a:pPr>
             <a:r>
-              <a:rPr lang="fr-CH" sz="1400" dirty="0" smtClean="0">
+              <a:rPr lang="fr-CH" sz="1400" dirty="0">
                 <a:solidFill>
                   <a:schemeClr val="bg1">
                     <a:lumMod val="85000"/>
@@ -24140,7 +24027,7 @@
               <a:buChar char="-"/>
             </a:pPr>
             <a:r>
-              <a:rPr lang="fr-CH" sz="1400" dirty="0" smtClean="0">
+              <a:rPr lang="fr-CH" sz="1400" dirty="0">
                 <a:solidFill>
                   <a:schemeClr val="bg1">
                     <a:lumMod val="85000"/>
@@ -24156,7 +24043,7 @@
               <a:buChar char="-"/>
             </a:pPr>
             <a:r>
-              <a:rPr lang="fr-CH" sz="1400" dirty="0" smtClean="0">
+              <a:rPr lang="fr-CH" sz="1400" dirty="0">
                 <a:solidFill>
                   <a:schemeClr val="bg1">
                     <a:lumMod val="85000"/>
@@ -24265,7 +24152,7 @@
             <a:p>
               <a:pPr algn="ctr"/>
               <a:r>
-                <a:rPr lang="en-US" sz="1867" b="1" dirty="0" smtClean="0">
+                <a:rPr lang="en-US" sz="1867" b="1" dirty="0">
                   <a:solidFill>
                     <a:schemeClr val="bg1">
                       <a:lumMod val="95000"/>
@@ -24360,7 +24247,7 @@
               <a:buChar char="-"/>
             </a:pPr>
             <a:r>
-              <a:rPr lang="fr-CH" sz="1400" dirty="0" smtClean="0">
+              <a:rPr lang="fr-CH" sz="1400" dirty="0">
                 <a:solidFill>
                   <a:schemeClr val="bg1">
                     <a:lumMod val="85000"/>
@@ -24376,7 +24263,7 @@
               <a:buChar char="-"/>
             </a:pPr>
             <a:r>
-              <a:rPr lang="fr-CH" sz="1400" dirty="0" smtClean="0">
+              <a:rPr lang="fr-CH" sz="1400" dirty="0">
                 <a:solidFill>
                   <a:schemeClr val="bg1">
                     <a:lumMod val="85000"/>
@@ -24385,7 +24272,7 @@
               </a:rPr>
               <a:t>Diverses technologies</a:t>
             </a:r>
-            <a:endParaRPr lang="fr-CH" sz="1400" dirty="0" smtClean="0">
+            <a:endParaRPr lang="fr-CH" sz="1400" dirty="0">
               <a:solidFill>
                 <a:schemeClr val="tx1">
                   <a:lumMod val="50000"/>
@@ -24490,7 +24377,7 @@
             <a:p>
               <a:pPr algn="ctr"/>
               <a:r>
-                <a:rPr lang="en-US" sz="1867" b="1" dirty="0" smtClean="0">
+                <a:rPr lang="en-US" sz="1867" b="1" dirty="0">
                   <a:solidFill>
                     <a:schemeClr val="bg1">
                       <a:lumMod val="95000"/>
@@ -24543,27 +24430,17 @@
           <a:p>
             <a:pPr algn="ctr"/>
             <a:r>
-              <a:rPr lang="en-US" sz="2400" dirty="0" smtClean="0">
+              <a:rPr lang="en-US" sz="2400" dirty="0">
                 <a:solidFill>
                   <a:schemeClr val="bg1">
                     <a:lumMod val="85000"/>
                   </a:schemeClr>
                 </a:solidFill>
               </a:rPr>
-              <a:t>Cadre et but </a:t>
+              <a:t>Cadre et but du </a:t>
             </a:r>
             <a:r>
-              <a:rPr lang="en-US" sz="2400" dirty="0" smtClean="0">
-                <a:solidFill>
-                  <a:schemeClr val="bg1">
-                    <a:lumMod val="85000"/>
-                  </a:schemeClr>
-                </a:solidFill>
-              </a:rPr>
-              <a:t>du </a:t>
-            </a:r>
-            <a:r>
-              <a:rPr lang="en-US" sz="2400" dirty="0" err="1" smtClean="0">
+              <a:rPr lang="en-US" sz="2400" dirty="0" err="1">
                 <a:solidFill>
                   <a:schemeClr val="bg1">
                     <a:lumMod val="85000"/>
@@ -24675,18 +24552,13 @@
           <a:lstStyle/>
           <a:p>
             <a:r>
-              <a:rPr lang="fr-CH" sz="2800" dirty="0" smtClean="0">
+              <a:rPr lang="fr-CH" sz="2800" dirty="0">
                 <a:solidFill>
                   <a:schemeClr val="bg1"/>
                 </a:solidFill>
               </a:rPr>
               <a:t>3</a:t>
             </a:r>
-            <a:endParaRPr lang="fr-CH" sz="2800" dirty="0">
-              <a:solidFill>
-                <a:schemeClr val="bg1"/>
-              </a:solidFill>
-            </a:endParaRPr>
           </a:p>
         </p:txBody>
       </p:sp>
@@ -25101,10 +24973,9 @@
           <a:lstStyle/>
           <a:p>
             <a:r>
-              <a:rPr lang="en-US" dirty="0" smtClean="0"/>
+              <a:rPr lang="en-US" dirty="0"/>
               <a:t>Site web</a:t>
             </a:r>
-            <a:endParaRPr lang="en-US" dirty="0"/>
           </a:p>
         </p:txBody>
       </p:sp>
@@ -25143,10 +25014,9 @@
           <a:lstStyle/>
           <a:p>
             <a:r>
-              <a:rPr lang="en-US" dirty="0" smtClean="0"/>
+              <a:rPr lang="en-US" dirty="0"/>
               <a:t>Technologies</a:t>
             </a:r>
-            <a:endParaRPr lang="en-US" dirty="0"/>
           </a:p>
         </p:txBody>
       </p:sp>
@@ -25220,7 +25090,7 @@
           <a:lstStyle/>
           <a:p>
             <a:r>
-              <a:rPr lang="en-US" dirty="0" err="1" smtClean="0"/>
+              <a:rPr lang="en-US" dirty="0" err="1"/>
               <a:t>Partage</a:t>
             </a:r>
             <a:endParaRPr lang="en-US" dirty="0"/>
@@ -25274,10 +25144,9 @@
           <a:lstStyle/>
           <a:p>
             <a:r>
-              <a:rPr lang="en-US" dirty="0" smtClean="0"/>
+              <a:rPr lang="en-US" dirty="0"/>
               <a:t>Import / Export</a:t>
             </a:r>
-            <a:endParaRPr lang="en-US" dirty="0"/>
           </a:p>
         </p:txBody>
       </p:sp>
@@ -25297,7 +25166,7 @@
           <a:lstStyle/>
           <a:p>
             <a:r>
-              <a:rPr lang="en-US" dirty="0" err="1" smtClean="0"/>
+              <a:rPr lang="en-US" dirty="0" err="1"/>
               <a:t>Filtres</a:t>
             </a:r>
             <a:endParaRPr lang="en-US" dirty="0"/>
@@ -25337,7 +25206,7 @@
           <a:p>
             <a:pPr algn="ctr"/>
             <a:r>
-              <a:rPr lang="fr-CH" sz="2400" dirty="0" smtClean="0">
+              <a:rPr lang="fr-CH" sz="2400" dirty="0">
                 <a:solidFill>
                   <a:schemeClr val="bg1">
                     <a:lumMod val="85000"/>
@@ -25346,13 +25215,6 @@
               </a:rPr>
               <a:t>Qu’est-ce que c’est ?</a:t>
             </a:r>
-            <a:endParaRPr lang="fr-CH" sz="2400" dirty="0">
-              <a:solidFill>
-                <a:schemeClr val="bg1">
-                  <a:lumMod val="85000"/>
-                </a:schemeClr>
-              </a:solidFill>
-            </a:endParaRPr>
           </a:p>
         </p:txBody>
       </p:sp>
@@ -25532,18 +25394,13 @@
           <a:lstStyle/>
           <a:p>
             <a:r>
-              <a:rPr lang="fr-CH" sz="2800" dirty="0" smtClean="0">
+              <a:rPr lang="fr-CH" sz="2800" dirty="0">
                 <a:solidFill>
                   <a:schemeClr val="bg1"/>
                 </a:solidFill>
               </a:rPr>
               <a:t>4</a:t>
             </a:r>
-            <a:endParaRPr lang="fr-CH" sz="2800" dirty="0">
-              <a:solidFill>
-                <a:schemeClr val="bg1"/>
-              </a:solidFill>
-            </a:endParaRPr>
           </a:p>
         </p:txBody>
       </p:sp>
@@ -25560,13 +25417,6 @@
   <p:transition>
     <p:push dir="u"/>
   </p:transition>
-  <p:timing>
-    <p:tnLst>
-      <p:par>
-        <p:cTn id="1" dur="indefinite" restart="never" nodeType="tmRoot"/>
-      </p:par>
-    </p:tnLst>
-  </p:timing>
 </p:sld>
 </file>
 
@@ -25948,14 +25798,14 @@
           </a:lstStyle>
           <a:p>
             <a:r>
-              <a:rPr lang="fr-CH" b="1" dirty="0" smtClean="0">
+              <a:rPr lang="fr-CH" b="1" dirty="0">
                 <a:solidFill>
                   <a:srgbClr val="5A99D3"/>
                 </a:solidFill>
               </a:rPr>
               <a:t>PHP</a:t>
             </a:r>
-            <a:endParaRPr lang="fr-CH" dirty="0" smtClean="0">
+            <a:endParaRPr lang="fr-CH" dirty="0">
               <a:solidFill>
                 <a:srgbClr val="5A99D3"/>
               </a:solidFill>
@@ -25971,7 +25821,7 @@
               <a:defRPr/>
             </a:pPr>
             <a:r>
-              <a:rPr lang="fr-CH" sz="1400" dirty="0" smtClean="0">
+              <a:rPr lang="fr-CH" sz="1400" dirty="0">
                 <a:solidFill>
                   <a:schemeClr val="bg1">
                     <a:lumMod val="85000"/>
@@ -25981,7 +25831,7 @@
               <a:t>Communication avec la base de données</a:t>
             </a:r>
             <a:r>
-              <a:rPr lang="fr-CH" sz="1400" dirty="0" smtClean="0">
+              <a:rPr lang="fr-CH" sz="1400" dirty="0">
                 <a:solidFill>
                   <a:schemeClr val="tx1">
                     <a:lumMod val="50000"/>
@@ -26002,7 +25852,7 @@
               <a:defRPr/>
             </a:pPr>
             <a:r>
-              <a:rPr lang="fr-CH" sz="1400" dirty="0" smtClean="0">
+              <a:rPr lang="fr-CH" sz="1400" dirty="0">
                 <a:solidFill>
                   <a:schemeClr val="bg1">
                     <a:lumMod val="85000"/>
@@ -26022,7 +25872,7 @@
               <a:defRPr/>
             </a:pPr>
             <a:r>
-              <a:rPr lang="fr-CH" sz="1400" dirty="0" smtClean="0">
+              <a:rPr lang="fr-CH" sz="1400" dirty="0">
                 <a:solidFill>
                   <a:schemeClr val="bg1">
                     <a:lumMod val="85000"/>
@@ -26032,7 +25882,7 @@
               <a:t>Informations </a:t>
             </a:r>
             <a:r>
-              <a:rPr lang="fr-CH" sz="1400" dirty="0" err="1" smtClean="0">
+              <a:rPr lang="fr-CH" sz="1400" dirty="0" err="1">
                 <a:solidFill>
                   <a:schemeClr val="bg1">
                     <a:lumMod val="85000"/>
@@ -26041,7 +25891,7 @@
               </a:rPr>
               <a:t>disponnible</a:t>
             </a:r>
-            <a:endParaRPr lang="fr-CH" sz="1400" dirty="0" smtClean="0">
+            <a:endParaRPr lang="fr-CH" sz="1400" dirty="0">
               <a:solidFill>
                 <a:schemeClr val="bg1">
                   <a:lumMod val="85000"/>
@@ -26328,14 +26178,14 @@
           </a:lstStyle>
           <a:p>
             <a:r>
-              <a:rPr lang="fr-CH" b="1" dirty="0" err="1" smtClean="0">
+              <a:rPr lang="fr-CH" b="1" dirty="0" err="1">
                 <a:solidFill>
                   <a:srgbClr val="E97C30"/>
                 </a:solidFill>
               </a:rPr>
               <a:t>Javascript</a:t>
             </a:r>
-            <a:endParaRPr lang="fr-CH" b="1" dirty="0" smtClean="0">
+            <a:endParaRPr lang="fr-CH" b="1" dirty="0">
               <a:solidFill>
                 <a:srgbClr val="E97C30"/>
               </a:solidFill>
@@ -26351,7 +26201,7 @@
               <a:defRPr/>
             </a:pPr>
             <a:r>
-              <a:rPr lang="fr-CH" sz="1400" dirty="0" smtClean="0">
+              <a:rPr lang="fr-CH" sz="1400" dirty="0">
                 <a:solidFill>
                   <a:schemeClr val="bg1">
                     <a:lumMod val="85000"/>
@@ -26371,7 +26221,7 @@
               <a:defRPr/>
             </a:pPr>
             <a:r>
-              <a:rPr lang="fr-CH" sz="1400" dirty="0" smtClean="0">
+              <a:rPr lang="fr-CH" sz="1400" dirty="0">
                 <a:solidFill>
                   <a:schemeClr val="bg1">
                     <a:lumMod val="85000"/>
@@ -26391,7 +26241,7 @@
               <a:defRPr/>
             </a:pPr>
             <a:r>
-              <a:rPr lang="fr-CH" sz="1400" dirty="0" smtClean="0">
+              <a:rPr lang="fr-CH" sz="1400" dirty="0">
                 <a:solidFill>
                   <a:schemeClr val="bg1">
                     <a:lumMod val="85000"/>
@@ -26688,7 +26538,7 @@
           </a:lstStyle>
           <a:p>
             <a:r>
-              <a:rPr lang="en-US" b="1" dirty="0" smtClean="0">
+              <a:rPr lang="en-US" b="1" dirty="0">
                 <a:solidFill>
                   <a:srgbClr val="A3A3A3"/>
                 </a:solidFill>
@@ -26711,7 +26561,7 @@
               <a:defRPr/>
             </a:pPr>
             <a:r>
-              <a:rPr lang="en-US" sz="1400" dirty="0" smtClean="0">
+              <a:rPr lang="en-US" sz="1400" dirty="0">
                 <a:solidFill>
                   <a:schemeClr val="bg1">
                     <a:lumMod val="85000"/>
@@ -27018,14 +26868,14 @@
           </a:lstStyle>
           <a:p>
             <a:r>
-              <a:rPr lang="fr-CH" b="1" dirty="0" smtClean="0">
+              <a:rPr lang="fr-CH" b="1" dirty="0">
                 <a:solidFill>
                   <a:srgbClr val="FBBD00"/>
                 </a:solidFill>
               </a:rPr>
               <a:t>CSS</a:t>
             </a:r>
-            <a:endParaRPr lang="fr-CH" dirty="0" smtClean="0">
+            <a:endParaRPr lang="fr-CH" dirty="0">
               <a:solidFill>
                 <a:srgbClr val="FBBD00"/>
               </a:solidFill>
@@ -27041,7 +26891,7 @@
               <a:defRPr/>
             </a:pPr>
             <a:r>
-              <a:rPr lang="fr-CH" sz="1400" dirty="0" smtClean="0">
+              <a:rPr lang="fr-CH" sz="1400" dirty="0">
                 <a:solidFill>
                   <a:schemeClr val="bg1">
                     <a:lumMod val="85000"/>
@@ -27104,7 +26954,7 @@
           <a:p>
             <a:pPr algn="ctr"/>
             <a:r>
-              <a:rPr lang="en-US" sz="2400" dirty="0" smtClean="0">
+              <a:rPr lang="en-US" sz="2400" dirty="0">
                 <a:solidFill>
                   <a:schemeClr val="bg1">
                     <a:lumMod val="85000"/>
@@ -27113,13 +26963,6 @@
               </a:rPr>
               <a:t>Technologies</a:t>
             </a:r>
-            <a:endParaRPr lang="en-US" sz="2400" dirty="0">
-              <a:solidFill>
-                <a:schemeClr val="bg1">
-                  <a:lumMod val="85000"/>
-                </a:schemeClr>
-              </a:solidFill>
-            </a:endParaRPr>
           </a:p>
         </p:txBody>
       </p:sp>
@@ -27146,18 +26989,13 @@
           <a:lstStyle/>
           <a:p>
             <a:r>
-              <a:rPr lang="fr-CH" sz="2800" dirty="0" smtClean="0">
+              <a:rPr lang="fr-CH" sz="2800" dirty="0">
                 <a:solidFill>
                   <a:schemeClr val="bg1"/>
                 </a:solidFill>
               </a:rPr>
               <a:t>5</a:t>
             </a:r>
-            <a:endParaRPr lang="fr-CH" sz="2800" dirty="0">
-              <a:solidFill>
-                <a:schemeClr val="bg1"/>
-              </a:solidFill>
-            </a:endParaRPr>
           </a:p>
         </p:txBody>
       </p:sp>
@@ -27549,21 +27387,30 @@
                             </p:childTnLst>
                           </p:cTn>
                         </p:par>
+                      </p:childTnLst>
+                    </p:cTn>
+                  </p:par>
+                  <p:par>
+                    <p:cTn id="27" fill="hold">
+                      <p:stCondLst>
+                        <p:cond delay="indefinite"/>
+                      </p:stCondLst>
+                      <p:childTnLst>
                         <p:par>
-                          <p:cTn id="27" fill="hold">
+                          <p:cTn id="28" fill="hold">
                             <p:stCondLst>
-                              <p:cond delay="2500"/>
+                              <p:cond delay="0"/>
                             </p:stCondLst>
                             <p:childTnLst>
                               <p:par>
-                                <p:cTn id="28" presetID="2" presetClass="entr" presetSubtype="4" accel="50000" decel="50000" fill="hold" grpId="0" nodeType="afterEffect">
+                                <p:cTn id="29" presetID="2" presetClass="entr" presetSubtype="4" accel="50000" decel="50000" fill="hold" grpId="0" nodeType="clickEffect">
                                   <p:stCondLst>
                                     <p:cond delay="0"/>
                                   </p:stCondLst>
                                   <p:childTnLst>
                                     <p:set>
                                       <p:cBhvr>
-                                        <p:cTn id="29" dur="1" fill="hold">
+                                        <p:cTn id="30" dur="1" fill="hold">
                                           <p:stCondLst>
                                             <p:cond delay="0"/>
                                           </p:stCondLst>
@@ -27585,7 +27432,7 @@
                                     </p:set>
                                     <p:anim calcmode="lin" valueType="num">
                                       <p:cBhvr additive="base">
-                                        <p:cTn id="30" dur="500" fill="hold"/>
+                                        <p:cTn id="31" dur="500" fill="hold"/>
                                         <p:tgtEl>
                                           <p:spTgt spid="4">
                                             <p:graphicEl>
@@ -27612,7 +27459,7 @@
                                     </p:anim>
                                     <p:anim calcmode="lin" valueType="num">
                                       <p:cBhvr additive="base">
-                                        <p:cTn id="31" dur="500" fill="hold"/>
+                                        <p:cTn id="32" dur="500" fill="hold"/>
                                         <p:tgtEl>
                                           <p:spTgt spid="4">
                                             <p:graphicEl>
@@ -27644,20 +27491,20 @@
                           </p:cTn>
                         </p:par>
                         <p:par>
-                          <p:cTn id="32" fill="hold">
+                          <p:cTn id="33" fill="hold">
                             <p:stCondLst>
-                              <p:cond delay="3000"/>
+                              <p:cond delay="500"/>
                             </p:stCondLst>
                             <p:childTnLst>
                               <p:par>
-                                <p:cTn id="33" presetID="2" presetClass="entr" presetSubtype="9" fill="hold" grpId="0" nodeType="afterEffect">
+                                <p:cTn id="34" presetID="2" presetClass="entr" presetSubtype="9" fill="hold" grpId="0" nodeType="afterEffect">
                                   <p:stCondLst>
                                     <p:cond delay="0"/>
                                   </p:stCondLst>
                                   <p:childTnLst>
                                     <p:set>
                                       <p:cBhvr>
-                                        <p:cTn id="34" dur="1" fill="hold">
+                                        <p:cTn id="35" dur="1" fill="hold">
                                           <p:stCondLst>
                                             <p:cond delay="0"/>
                                           </p:stCondLst>
@@ -27675,7 +27522,7 @@
                                     </p:set>
                                     <p:anim calcmode="lin" valueType="num">
                                       <p:cBhvr additive="base">
-                                        <p:cTn id="35" dur="500" fill="hold"/>
+                                        <p:cTn id="36" dur="500" fill="hold"/>
                                         <p:tgtEl>
                                           <p:spTgt spid="36"/>
                                         </p:tgtEl>
@@ -27698,7 +27545,7 @@
                                     </p:anim>
                                     <p:anim calcmode="lin" valueType="num">
                                       <p:cBhvr additive="base">
-                                        <p:cTn id="36" dur="500" fill="hold"/>
+                                        <p:cTn id="37" dur="500" fill="hold"/>
                                         <p:tgtEl>
                                           <p:spTgt spid="36"/>
                                         </p:tgtEl>
@@ -27726,20 +27573,20 @@
                           </p:cTn>
                         </p:par>
                         <p:par>
-                          <p:cTn id="37" fill="hold">
+                          <p:cTn id="38" fill="hold">
                             <p:stCondLst>
-                              <p:cond delay="3500"/>
+                              <p:cond delay="1000"/>
                             </p:stCondLst>
                             <p:childTnLst>
                               <p:par>
-                                <p:cTn id="38" presetID="22" presetClass="entr" presetSubtype="8" fill="hold" grpId="0" nodeType="afterEffect">
+                                <p:cTn id="39" presetID="22" presetClass="entr" presetSubtype="8" fill="hold" grpId="0" nodeType="afterEffect">
                                   <p:stCondLst>
                                     <p:cond delay="0"/>
                                   </p:stCondLst>
                                   <p:childTnLst>
                                     <p:set>
                                       <p:cBhvr>
-                                        <p:cTn id="39" dur="1" fill="hold">
+                                        <p:cTn id="40" dur="1" fill="hold">
                                           <p:stCondLst>
                                             <p:cond delay="0"/>
                                           </p:stCondLst>
@@ -27757,7 +27604,7 @@
                                     </p:set>
                                     <p:animEffect transition="in" filter="wipe(left)">
                                       <p:cBhvr>
-                                        <p:cTn id="40" dur="500"/>
+                                        <p:cTn id="41" dur="500"/>
                                         <p:tgtEl>
                                           <p:spTgt spid="37"/>
                                         </p:tgtEl>
@@ -27769,21 +27616,30 @@
                             </p:childTnLst>
                           </p:cTn>
                         </p:par>
+                      </p:childTnLst>
+                    </p:cTn>
+                  </p:par>
+                  <p:par>
+                    <p:cTn id="42" fill="hold">
+                      <p:stCondLst>
+                        <p:cond delay="indefinite"/>
+                      </p:stCondLst>
+                      <p:childTnLst>
                         <p:par>
-                          <p:cTn id="41" fill="hold">
+                          <p:cTn id="43" fill="hold">
                             <p:stCondLst>
-                              <p:cond delay="4000"/>
+                              <p:cond delay="0"/>
                             </p:stCondLst>
                             <p:childTnLst>
                               <p:par>
-                                <p:cTn id="42" presetID="2" presetClass="entr" presetSubtype="4" accel="50000" decel="50000" fill="hold" grpId="0" nodeType="afterEffect">
+                                <p:cTn id="44" presetID="2" presetClass="entr" presetSubtype="4" accel="50000" decel="50000" fill="hold" grpId="0" nodeType="clickEffect">
                                   <p:stCondLst>
                                     <p:cond delay="0"/>
                                   </p:stCondLst>
                                   <p:childTnLst>
                                     <p:set>
                                       <p:cBhvr>
-                                        <p:cTn id="43" dur="1" fill="hold">
+                                        <p:cTn id="45" dur="1" fill="hold">
                                           <p:stCondLst>
                                             <p:cond delay="0"/>
                                           </p:stCondLst>
@@ -27805,7 +27661,7 @@
                                     </p:set>
                                     <p:anim calcmode="lin" valueType="num">
                                       <p:cBhvr additive="base">
-                                        <p:cTn id="44" dur="500" fill="hold"/>
+                                        <p:cTn id="46" dur="500" fill="hold"/>
                                         <p:tgtEl>
                                           <p:spTgt spid="4">
                                             <p:graphicEl>
@@ -27832,7 +27688,7 @@
                                     </p:anim>
                                     <p:anim calcmode="lin" valueType="num">
                                       <p:cBhvr additive="base">
-                                        <p:cTn id="45" dur="500" fill="hold"/>
+                                        <p:cTn id="47" dur="500" fill="hold"/>
                                         <p:tgtEl>
                                           <p:spTgt spid="4">
                                             <p:graphicEl>
@@ -27864,20 +27720,20 @@
                           </p:cTn>
                         </p:par>
                         <p:par>
-                          <p:cTn id="46" fill="hold">
+                          <p:cTn id="48" fill="hold">
                             <p:stCondLst>
-                              <p:cond delay="4500"/>
+                              <p:cond delay="500"/>
                             </p:stCondLst>
                             <p:childTnLst>
                               <p:par>
-                                <p:cTn id="47" presetID="2" presetClass="entr" presetSubtype="9" fill="hold" grpId="0" nodeType="afterEffect">
+                                <p:cTn id="49" presetID="2" presetClass="entr" presetSubtype="9" fill="hold" grpId="0" nodeType="afterEffect">
                                   <p:stCondLst>
                                     <p:cond delay="0"/>
                                   </p:stCondLst>
                                   <p:childTnLst>
                                     <p:set>
                                       <p:cBhvr>
-                                        <p:cTn id="48" dur="1" fill="hold">
+                                        <p:cTn id="50" dur="1" fill="hold">
                                           <p:stCondLst>
                                             <p:cond delay="0"/>
                                           </p:stCondLst>
@@ -27895,7 +27751,7 @@
                                     </p:set>
                                     <p:anim calcmode="lin" valueType="num">
                                       <p:cBhvr additive="base">
-                                        <p:cTn id="49" dur="500" fill="hold"/>
+                                        <p:cTn id="51" dur="500" fill="hold"/>
                                         <p:tgtEl>
                                           <p:spTgt spid="38"/>
                                         </p:tgtEl>
@@ -27918,7 +27774,7 @@
                                     </p:anim>
                                     <p:anim calcmode="lin" valueType="num">
                                       <p:cBhvr additive="base">
-                                        <p:cTn id="50" dur="500" fill="hold"/>
+                                        <p:cTn id="52" dur="500" fill="hold"/>
                                         <p:tgtEl>
                                           <p:spTgt spid="38"/>
                                         </p:tgtEl>
@@ -27946,20 +27802,20 @@
                           </p:cTn>
                         </p:par>
                         <p:par>
-                          <p:cTn id="51" fill="hold">
+                          <p:cTn id="53" fill="hold">
                             <p:stCondLst>
-                              <p:cond delay="5000"/>
+                              <p:cond delay="1000"/>
                             </p:stCondLst>
                             <p:childTnLst>
                               <p:par>
-                                <p:cTn id="52" presetID="22" presetClass="entr" presetSubtype="8" fill="hold" grpId="0" nodeType="afterEffect">
+                                <p:cTn id="54" presetID="22" presetClass="entr" presetSubtype="8" fill="hold" grpId="0" nodeType="afterEffect">
                                   <p:stCondLst>
                                     <p:cond delay="0"/>
                                   </p:stCondLst>
                                   <p:childTnLst>
                                     <p:set>
                                       <p:cBhvr>
-                                        <p:cTn id="53" dur="1" fill="hold">
+                                        <p:cTn id="55" dur="1" fill="hold">
                                           <p:stCondLst>
                                             <p:cond delay="0"/>
                                           </p:stCondLst>
@@ -27977,7 +27833,7 @@
                                     </p:set>
                                     <p:animEffect transition="in" filter="wipe(left)">
                                       <p:cBhvr>
-                                        <p:cTn id="54" dur="500"/>
+                                        <p:cTn id="56" dur="500"/>
                                         <p:tgtEl>
                                           <p:spTgt spid="39"/>
                                         </p:tgtEl>
@@ -27989,21 +27845,30 @@
                             </p:childTnLst>
                           </p:cTn>
                         </p:par>
+                      </p:childTnLst>
+                    </p:cTn>
+                  </p:par>
+                  <p:par>
+                    <p:cTn id="57" fill="hold">
+                      <p:stCondLst>
+                        <p:cond delay="indefinite"/>
+                      </p:stCondLst>
+                      <p:childTnLst>
                         <p:par>
-                          <p:cTn id="55" fill="hold">
+                          <p:cTn id="58" fill="hold">
                             <p:stCondLst>
-                              <p:cond delay="5500"/>
+                              <p:cond delay="0"/>
                             </p:stCondLst>
                             <p:childTnLst>
                               <p:par>
-                                <p:cTn id="56" presetID="2" presetClass="entr" presetSubtype="4" accel="50000" decel="50000" fill="hold" grpId="0" nodeType="afterEffect">
+                                <p:cTn id="59" presetID="2" presetClass="entr" presetSubtype="4" accel="50000" decel="50000" fill="hold" grpId="0" nodeType="clickEffect">
                                   <p:stCondLst>
                                     <p:cond delay="0"/>
                                   </p:stCondLst>
                                   <p:childTnLst>
                                     <p:set>
                                       <p:cBhvr>
-                                        <p:cTn id="57" dur="1" fill="hold">
+                                        <p:cTn id="60" dur="1" fill="hold">
                                           <p:stCondLst>
                                             <p:cond delay="0"/>
                                           </p:stCondLst>
@@ -28025,7 +27890,7 @@
                                     </p:set>
                                     <p:anim calcmode="lin" valueType="num">
                                       <p:cBhvr additive="base">
-                                        <p:cTn id="58" dur="500" fill="hold"/>
+                                        <p:cTn id="61" dur="500" fill="hold"/>
                                         <p:tgtEl>
                                           <p:spTgt spid="4">
                                             <p:graphicEl>
@@ -28052,7 +27917,7 @@
                                     </p:anim>
                                     <p:anim calcmode="lin" valueType="num">
                                       <p:cBhvr additive="base">
-                                        <p:cTn id="59" dur="500" fill="hold"/>
+                                        <p:cTn id="62" dur="500" fill="hold"/>
                                         <p:tgtEl>
                                           <p:spTgt spid="4">
                                             <p:graphicEl>
@@ -28084,20 +27949,20 @@
                           </p:cTn>
                         </p:par>
                         <p:par>
-                          <p:cTn id="60" fill="hold">
+                          <p:cTn id="63" fill="hold">
                             <p:stCondLst>
-                              <p:cond delay="6000"/>
+                              <p:cond delay="500"/>
                             </p:stCondLst>
                             <p:childTnLst>
                               <p:par>
-                                <p:cTn id="61" presetID="2" presetClass="entr" presetSubtype="9" fill="hold" grpId="0" nodeType="afterEffect">
+                                <p:cTn id="64" presetID="2" presetClass="entr" presetSubtype="9" fill="hold" grpId="0" nodeType="afterEffect">
                                   <p:stCondLst>
                                     <p:cond delay="0"/>
                                   </p:stCondLst>
                                   <p:childTnLst>
                                     <p:set>
                                       <p:cBhvr>
-                                        <p:cTn id="62" dur="1" fill="hold">
+                                        <p:cTn id="65" dur="1" fill="hold">
                                           <p:stCondLst>
                                             <p:cond delay="0"/>
                                           </p:stCondLst>
@@ -28115,7 +27980,7 @@
                                     </p:set>
                                     <p:anim calcmode="lin" valueType="num">
                                       <p:cBhvr additive="base">
-                                        <p:cTn id="63" dur="500" fill="hold"/>
+                                        <p:cTn id="66" dur="500" fill="hold"/>
                                         <p:tgtEl>
                                           <p:spTgt spid="40"/>
                                         </p:tgtEl>
@@ -28138,7 +28003,7 @@
                                     </p:anim>
                                     <p:anim calcmode="lin" valueType="num">
                                       <p:cBhvr additive="base">
-                                        <p:cTn id="64" dur="500" fill="hold"/>
+                                        <p:cTn id="67" dur="500" fill="hold"/>
                                         <p:tgtEl>
                                           <p:spTgt spid="40"/>
                                         </p:tgtEl>
@@ -28166,20 +28031,20 @@
                           </p:cTn>
                         </p:par>
                         <p:par>
-                          <p:cTn id="65" fill="hold">
+                          <p:cTn id="68" fill="hold">
                             <p:stCondLst>
-                              <p:cond delay="6500"/>
+                              <p:cond delay="1000"/>
                             </p:stCondLst>
                             <p:childTnLst>
                               <p:par>
-                                <p:cTn id="66" presetID="22" presetClass="entr" presetSubtype="8" fill="hold" grpId="0" nodeType="afterEffect">
+                                <p:cTn id="69" presetID="22" presetClass="entr" presetSubtype="8" fill="hold" grpId="0" nodeType="afterEffect">
                                   <p:stCondLst>
                                     <p:cond delay="0"/>
                                   </p:stCondLst>
                                   <p:childTnLst>
                                     <p:set>
                                       <p:cBhvr>
-                                        <p:cTn id="67" dur="1" fill="hold">
+                                        <p:cTn id="70" dur="1" fill="hold">
                                           <p:stCondLst>
                                             <p:cond delay="0"/>
                                           </p:stCondLst>
@@ -28197,7 +28062,7 @@
                                     </p:set>
                                     <p:animEffect transition="in" filter="wipe(left)">
                                       <p:cBhvr>
-                                        <p:cTn id="68" dur="500"/>
+                                        <p:cTn id="71" dur="500"/>
                                         <p:tgtEl>
                                           <p:spTgt spid="41"/>
                                         </p:tgtEl>
@@ -28415,7 +28280,7 @@
           <a:p>
             <a:pPr algn="ctr"/>
             <a:r>
-              <a:rPr lang="en-US" sz="2400" dirty="0" smtClean="0">
+              <a:rPr lang="en-US" sz="2400" dirty="0">
                 <a:solidFill>
                   <a:schemeClr val="bg1">
                     <a:lumMod val="85000"/>
@@ -28424,13 +28289,6 @@
               </a:rPr>
               <a:t>Bootstrap</a:t>
             </a:r>
-            <a:endParaRPr lang="en-US" sz="2400" dirty="0">
-              <a:solidFill>
-                <a:schemeClr val="bg1">
-                  <a:lumMod val="85000"/>
-                </a:schemeClr>
-              </a:solidFill>
-            </a:endParaRPr>
           </a:p>
         </p:txBody>
       </p:sp>
@@ -28632,7 +28490,7 @@
           <a:p>
             <a:pPr algn="l"/>
             <a:r>
-              <a:rPr lang="en-US" sz="2000" b="1" dirty="0" smtClean="0">
+              <a:rPr lang="en-US" sz="2000" b="1" dirty="0">
                 <a:solidFill>
                   <a:srgbClr val="5A99D3"/>
                 </a:solidFill>
@@ -28655,7 +28513,7 @@
               <a:defRPr/>
             </a:pPr>
             <a:r>
-              <a:rPr lang="fr-CH" dirty="0" smtClean="0">
+              <a:rPr lang="fr-CH" dirty="0">
                 <a:solidFill>
                   <a:schemeClr val="bg2">
                     <a:lumMod val="25000"/>
@@ -28675,7 +28533,7 @@
               <a:defRPr/>
             </a:pPr>
             <a:r>
-              <a:rPr lang="fr-CH" dirty="0" smtClean="0">
+              <a:rPr lang="fr-CH" dirty="0">
                 <a:solidFill>
                   <a:schemeClr val="bg2">
                     <a:lumMod val="25000"/>
@@ -28695,7 +28553,7 @@
               <a:defRPr/>
             </a:pPr>
             <a:r>
-              <a:rPr lang="fr-CH" dirty="0" smtClean="0">
+              <a:rPr lang="fr-CH" dirty="0">
                 <a:solidFill>
                   <a:schemeClr val="bg2">
                     <a:lumMod val="25000"/>
@@ -28715,7 +28573,7 @@
               <a:defRPr/>
             </a:pPr>
             <a:r>
-              <a:rPr lang="fr-CH" sz="1400" dirty="0" smtClean="0">
+              <a:rPr lang="fr-CH" sz="1400" dirty="0">
                 <a:solidFill>
                   <a:schemeClr val="bg2">
                     <a:lumMod val="25000"/>
@@ -28725,7 +28583,7 @@
               <a:t>HTML, CSS, </a:t>
             </a:r>
             <a:r>
-              <a:rPr lang="fr-CH" sz="1400" dirty="0" err="1" smtClean="0">
+              <a:rPr lang="fr-CH" sz="1400" dirty="0" err="1">
                 <a:solidFill>
                   <a:schemeClr val="bg2">
                     <a:lumMod val="25000"/>
@@ -28734,7 +28592,7 @@
               </a:rPr>
               <a:t>Javascript</a:t>
             </a:r>
-            <a:endParaRPr lang="fr-CH" sz="1400" dirty="0" smtClean="0">
+            <a:endParaRPr lang="fr-CH" sz="1400" dirty="0">
               <a:solidFill>
                 <a:schemeClr val="bg2">
                   <a:lumMod val="25000"/>
@@ -28804,8 +28662,8 @@
         </p:nvSpPr>
         <p:spPr>
           <a:xfrm>
-            <a:off x="6426367" y="4693658"/>
-            <a:ext cx="3912516" cy="923330"/>
+            <a:off x="6426367" y="4484011"/>
+            <a:ext cx="3912516" cy="1477328"/>
           </a:xfrm>
           <a:prstGeom prst="rect">
             <a:avLst/>
@@ -28818,12 +28676,37 @@
           </a:bodyPr>
           <a:lstStyle/>
           <a:p>
+            <a:r>
+              <a:rPr lang="en-US" dirty="0" err="1">
+                <a:solidFill>
+                  <a:srgbClr val="0070C0"/>
+                </a:solidFill>
+              </a:rPr>
+              <a:t>Avantages</a:t>
+            </a:r>
+            <a:r>
+              <a:rPr lang="en-US" dirty="0">
+                <a:solidFill>
+                  <a:srgbClr val="0070C0"/>
+                </a:solidFill>
+              </a:rPr>
+              <a:t> :</a:t>
+            </a:r>
+          </a:p>
+          <a:p>
+            <a:endParaRPr lang="en-US" dirty="0">
+              <a:solidFill>
+                <a:srgbClr val="0070C0"/>
+              </a:solidFill>
+            </a:endParaRPr>
+          </a:p>
+          <a:p>
             <a:pPr marL="285750" indent="-285750">
               <a:buFont typeface="Wingdings" panose="05000000000000000000" pitchFamily="2" charset="2"/>
               <a:buChar char="Ø"/>
             </a:pPr>
             <a:r>
-              <a:rPr lang="en-US" dirty="0" smtClean="0"/>
+              <a:rPr lang="en-US" dirty="0"/>
               <a:t>Flexible</a:t>
             </a:r>
           </a:p>
@@ -28833,7 +28716,7 @@
               <a:buChar char="Ø"/>
             </a:pPr>
             <a:r>
-              <a:rPr lang="en-US" dirty="0" smtClean="0"/>
+              <a:rPr lang="en-US" dirty="0"/>
               <a:t>Responsive</a:t>
             </a:r>
           </a:p>
@@ -28843,10 +28726,9 @@
               <a:buChar char="Ø"/>
             </a:pPr>
             <a:r>
-              <a:rPr lang="fr-CH" dirty="0" smtClean="0"/>
-              <a:t>Grande collection de composant</a:t>
+              <a:rPr lang="fr-CH" dirty="0"/>
+              <a:t>Grande collection de composants</a:t>
             </a:r>
-            <a:endParaRPr lang="fr-CH" dirty="0"/>
           </a:p>
         </p:txBody>
       </p:sp>
@@ -28945,7 +28827,7 @@
           <a:p>
             <a:pPr algn="ctr"/>
             <a:r>
-              <a:rPr lang="fr-FR" sz="5400" b="1" cap="none" spc="100" dirty="0" smtClean="0">
+              <a:rPr lang="fr-FR" sz="5400" b="1" cap="none" spc="100" dirty="0">
                 <a:ln w="18000">
                   <a:solidFill>
                     <a:srgbClr val="C75CF2"/>
@@ -28969,28 +28851,6 @@
               </a:rPr>
               <a:t>B</a:t>
             </a:r>
-            <a:endParaRPr lang="fr-FR" sz="5400" b="1" cap="none" spc="100" dirty="0">
-              <a:ln w="18000">
-                <a:solidFill>
-                  <a:srgbClr val="C75CF2"/>
-                </a:solidFill>
-                <a:prstDash val="solid"/>
-              </a:ln>
-              <a:solidFill>
-                <a:srgbClr val="C75CF2">
-                  <a:alpha val="5700"/>
-                </a:srgbClr>
-              </a:solidFill>
-              <a:effectLst>
-                <a:outerShdw blurRad="25000" dist="20000" dir="16020000" algn="tl">
-                  <a:schemeClr val="accent1">
-                    <a:satMod val="200000"/>
-                    <a:shade val="1000"/>
-                    <a:alpha val="60000"/>
-                  </a:schemeClr>
-                </a:outerShdw>
-              </a:effectLst>
-            </a:endParaRPr>
           </a:p>
         </p:txBody>
       </p:sp>
@@ -29017,18 +28877,13 @@
           <a:lstStyle/>
           <a:p>
             <a:r>
-              <a:rPr lang="fr-CH" sz="2800" dirty="0" smtClean="0">
+              <a:rPr lang="fr-CH" sz="2800" dirty="0">
                 <a:solidFill>
                   <a:schemeClr val="bg1"/>
                 </a:solidFill>
               </a:rPr>
               <a:t>6</a:t>
             </a:r>
-            <a:endParaRPr lang="fr-CH" sz="2800" dirty="0">
-              <a:solidFill>
-                <a:schemeClr val="bg1"/>
-              </a:solidFill>
-            </a:endParaRPr>
           </a:p>
         </p:txBody>
       </p:sp>
@@ -30524,7 +30379,7 @@
           <a:p>
             <a:pPr algn="ctr"/>
             <a:r>
-              <a:rPr lang="en-US" sz="2400" dirty="0" smtClean="0">
+              <a:rPr lang="en-US" sz="2400" dirty="0">
                 <a:solidFill>
                   <a:schemeClr val="bg1">
                     <a:lumMod val="85000"/>
@@ -30533,13 +30388,6 @@
               </a:rPr>
               <a:t>Google API</a:t>
             </a:r>
-            <a:endParaRPr lang="en-US" sz="2400" dirty="0">
-              <a:solidFill>
-                <a:schemeClr val="bg1">
-                  <a:lumMod val="85000"/>
-                </a:schemeClr>
-              </a:solidFill>
-            </a:endParaRPr>
           </a:p>
         </p:txBody>
       </p:sp>
@@ -30661,7 +30509,7 @@
                 <a:defRPr/>
               </a:pPr>
               <a:r>
-                <a:rPr lang="en-US" sz="1400" i="1" dirty="0" smtClean="0">
+                <a:rPr lang="en-US" sz="1400" i="1" dirty="0">
                   <a:solidFill>
                     <a:schemeClr val="bg2">
                       <a:lumMod val="25000"/>
@@ -30681,7 +30529,7 @@
                 <a:defRPr/>
               </a:pPr>
               <a:r>
-                <a:rPr lang="fr-CH" sz="1400" dirty="0" smtClean="0">
+                <a:rPr lang="fr-CH" sz="1400" dirty="0">
                   <a:solidFill>
                     <a:schemeClr val="bg2">
                       <a:lumMod val="25000"/>
@@ -30701,7 +30549,7 @@
                 <a:defRPr/>
               </a:pPr>
               <a:r>
-                <a:rPr lang="fr-CH" sz="1400" dirty="0" smtClean="0">
+                <a:rPr lang="fr-CH" sz="1400" dirty="0">
                   <a:solidFill>
                     <a:schemeClr val="bg2">
                       <a:lumMod val="25000"/>
@@ -30741,18 +30589,13 @@
                 <a:defRPr/>
               </a:pPr>
               <a:r>
-                <a:rPr lang="fr-CH" sz="2000" b="1" dirty="0" smtClean="0">
+                <a:rPr lang="fr-CH" sz="2000" b="1" dirty="0">
                   <a:solidFill>
                     <a:schemeClr val="accent1"/>
                   </a:solidFill>
                 </a:rPr>
                 <a:t>Qu’est ce qu’une API ?</a:t>
               </a:r>
-              <a:endParaRPr lang="fr-CH" sz="2000" b="1" dirty="0">
-                <a:solidFill>
-                  <a:schemeClr val="accent1"/>
-                </a:solidFill>
-              </a:endParaRPr>
             </a:p>
           </p:txBody>
         </p:sp>
@@ -30953,10 +30796,9 @@
             <a:p>
               <a:pPr algn="ctr"/>
               <a:r>
-                <a:rPr lang="en-US" sz="2000" dirty="0" smtClean="0"/>
+                <a:rPr lang="en-US" sz="2000" dirty="0"/>
                 <a:t>01</a:t>
               </a:r>
-              <a:endParaRPr lang="en-US" sz="2000" dirty="0"/>
             </a:p>
           </p:txBody>
         </p:sp>
@@ -31079,7 +30921,7 @@
                 <a:defRPr/>
               </a:pPr>
               <a:r>
-                <a:rPr lang="fr-CH" sz="1400" dirty="0" smtClean="0">
+                <a:rPr lang="fr-CH" sz="1400" dirty="0">
                   <a:solidFill>
                     <a:schemeClr val="bg2">
                       <a:lumMod val="25000"/>
@@ -31098,7 +30940,7 @@
                 <a:buChar char="-"/>
                 <a:defRPr/>
               </a:pPr>
-              <a:endParaRPr lang="fr-CH" sz="1400" dirty="0" smtClean="0">
+              <a:endParaRPr lang="fr-CH" sz="1400" dirty="0">
                 <a:solidFill>
                   <a:schemeClr val="bg2">
                     <a:lumMod val="25000"/>
@@ -31116,7 +30958,7 @@
                 <a:defRPr/>
               </a:pPr>
               <a:r>
-                <a:rPr lang="fr-CH" sz="1400" dirty="0" smtClean="0">
+                <a:rPr lang="fr-CH" sz="1400" dirty="0">
                   <a:solidFill>
                     <a:schemeClr val="bg2">
                       <a:lumMod val="25000"/>
@@ -31125,13 +30967,6 @@
                 </a:rPr>
                 <a:t>Seule API visible</a:t>
               </a:r>
-              <a:endParaRPr lang="fr-CH" sz="1400" dirty="0">
-                <a:solidFill>
-                  <a:schemeClr val="bg2">
-                    <a:lumMod val="25000"/>
-                  </a:schemeClr>
-                </a:solidFill>
-              </a:endParaRPr>
             </a:p>
           </p:txBody>
         </p:sp>
@@ -31163,7 +30998,7 @@
                 <a:defRPr/>
               </a:pPr>
               <a:r>
-                <a:rPr lang="en-US" sz="2000" b="1" dirty="0" smtClean="0">
+                <a:rPr lang="en-US" sz="2000" b="1" dirty="0">
                   <a:solidFill>
                     <a:schemeClr val="accent2"/>
                   </a:solidFill>
@@ -31171,7 +31006,7 @@
                 <a:t>Maps </a:t>
               </a:r>
               <a:r>
-                <a:rPr lang="en-US" sz="2000" b="1" dirty="0" err="1" smtClean="0">
+                <a:rPr lang="en-US" sz="2000" b="1" dirty="0" err="1">
                   <a:solidFill>
                     <a:schemeClr val="accent2"/>
                   </a:solidFill>
@@ -31305,7 +31140,7 @@
                 <a:defRPr/>
               </a:pPr>
               <a:r>
-                <a:rPr lang="en-US" sz="1400" i="1" dirty="0" smtClean="0">
+                <a:rPr lang="en-US" sz="1400" i="1" dirty="0">
                   <a:solidFill>
                     <a:schemeClr val="bg2">
                       <a:lumMod val="25000"/>
@@ -31324,7 +31159,7 @@
                 <a:buChar char="-"/>
                 <a:defRPr/>
               </a:pPr>
-              <a:endParaRPr lang="en-US" sz="1400" i="1" dirty="0" smtClean="0">
+              <a:endParaRPr lang="en-US" sz="1400" i="1" dirty="0">
                 <a:solidFill>
                   <a:schemeClr val="bg2">
                     <a:lumMod val="25000"/>
@@ -31342,7 +31177,7 @@
                 <a:defRPr/>
               </a:pPr>
               <a:r>
-                <a:rPr lang="en-US" sz="1400" i="1" dirty="0" smtClean="0">
+                <a:rPr lang="en-US" sz="1400" i="1" dirty="0">
                   <a:solidFill>
                     <a:schemeClr val="bg2">
                       <a:lumMod val="25000"/>
@@ -31361,7 +31196,7 @@
                 <a:buChar char="-"/>
                 <a:defRPr/>
               </a:pPr>
-              <a:endParaRPr lang="en-US" sz="1400" i="1" dirty="0" smtClean="0">
+              <a:endParaRPr lang="en-US" sz="1400" i="1" dirty="0">
                 <a:solidFill>
                   <a:schemeClr val="bg2">
                     <a:lumMod val="25000"/>
@@ -31379,7 +31214,7 @@
                 <a:defRPr/>
               </a:pPr>
               <a:r>
-                <a:rPr lang="en-US" sz="1400" i="1" dirty="0" smtClean="0">
+                <a:rPr lang="en-US" sz="1400" i="1" dirty="0">
                   <a:solidFill>
                     <a:schemeClr val="bg2">
                       <a:lumMod val="25000"/>
@@ -31388,13 +31223,6 @@
                 </a:rPr>
                 <a:t>Speed limit</a:t>
               </a:r>
-              <a:endParaRPr lang="en-US" sz="1400" i="1" dirty="0">
-                <a:solidFill>
-                  <a:schemeClr val="bg2">
-                    <a:lumMod val="25000"/>
-                  </a:schemeClr>
-                </a:solidFill>
-              </a:endParaRPr>
             </a:p>
           </p:txBody>
         </p:sp>
@@ -31426,7 +31254,7 @@
                 <a:defRPr/>
               </a:pPr>
               <a:r>
-                <a:rPr lang="en-US" sz="2000" b="1" dirty="0" smtClean="0">
+                <a:rPr lang="en-US" sz="2000" b="1" dirty="0">
                   <a:solidFill>
                     <a:schemeClr val="bg1">
                       <a:lumMod val="50000"/>
@@ -31435,13 +31263,6 @@
                 </a:rPr>
                 <a:t>Roads</a:t>
               </a:r>
-              <a:endParaRPr lang="en-US" sz="2000" b="1" dirty="0">
-                <a:solidFill>
-                  <a:schemeClr val="bg1">
-                    <a:lumMod val="50000"/>
-                  </a:schemeClr>
-                </a:solidFill>
-              </a:endParaRPr>
             </a:p>
           </p:txBody>
         </p:sp>
@@ -31564,7 +31385,7 @@
                 <a:defRPr/>
               </a:pPr>
               <a:r>
-                <a:rPr lang="fr-CH" sz="1400" dirty="0" smtClean="0">
+                <a:rPr lang="fr-CH" sz="1400" dirty="0">
                   <a:solidFill>
                     <a:schemeClr val="bg2">
                       <a:lumMod val="25000"/>
@@ -31584,7 +31405,7 @@
                 <a:defRPr/>
               </a:pPr>
               <a:r>
-                <a:rPr lang="fr-CH" sz="1400" dirty="0" smtClean="0">
+                <a:rPr lang="fr-CH" sz="1400" dirty="0">
                   <a:solidFill>
                     <a:schemeClr val="bg2">
                       <a:lumMod val="25000"/>
@@ -31604,7 +31425,7 @@
                 <a:defRPr/>
               </a:pPr>
               <a:r>
-                <a:rPr lang="fr-CH" sz="1400" dirty="0" smtClean="0">
+                <a:rPr lang="fr-CH" sz="1400" dirty="0">
                   <a:solidFill>
                     <a:schemeClr val="bg2">
                       <a:lumMod val="25000"/>
@@ -31624,7 +31445,7 @@
                 <a:defRPr/>
               </a:pPr>
               <a:r>
-                <a:rPr lang="fr-CH" sz="1400" dirty="0" smtClean="0">
+                <a:rPr lang="fr-CH" sz="1400" dirty="0">
                   <a:solidFill>
                     <a:schemeClr val="bg2">
                       <a:lumMod val="25000"/>
@@ -31644,7 +31465,7 @@
                 <a:defRPr/>
               </a:pPr>
               <a:r>
-                <a:rPr lang="fr-CH" sz="1400" dirty="0" smtClean="0">
+                <a:rPr lang="fr-CH" sz="1400" dirty="0">
                   <a:solidFill>
                     <a:schemeClr val="bg2">
                       <a:lumMod val="25000"/>
@@ -31653,13 +31474,6 @@
                 </a:rPr>
                 <a:t>Indications</a:t>
               </a:r>
-              <a:endParaRPr lang="fr-CH" sz="1400" dirty="0">
-                <a:solidFill>
-                  <a:schemeClr val="bg2">
-                    <a:lumMod val="25000"/>
-                  </a:schemeClr>
-                </a:solidFill>
-              </a:endParaRPr>
             </a:p>
           </p:txBody>
         </p:sp>
@@ -31691,18 +31505,13 @@
                 <a:defRPr/>
               </a:pPr>
               <a:r>
-                <a:rPr lang="en-US" sz="2000" b="1" dirty="0" smtClean="0">
+                <a:rPr lang="en-US" sz="2000" b="1" dirty="0">
                   <a:solidFill>
                     <a:srgbClr val="FFC000"/>
                   </a:solidFill>
                 </a:rPr>
                 <a:t>Direction</a:t>
               </a:r>
-              <a:endParaRPr lang="en-US" sz="2000" b="1" dirty="0">
-                <a:solidFill>
-                  <a:srgbClr val="FFC000"/>
-                </a:solidFill>
-              </a:endParaRPr>
             </a:p>
           </p:txBody>
         </p:sp>
@@ -31825,7 +31634,7 @@
                 <a:defRPr/>
               </a:pPr>
               <a:r>
-                <a:rPr lang="fr-CH" sz="1400" dirty="0" smtClean="0">
+                <a:rPr lang="fr-CH" sz="1400" dirty="0">
                   <a:solidFill>
                     <a:schemeClr val="bg2">
                       <a:lumMod val="25000"/>
@@ -31844,7 +31653,7 @@
                 <a:buChar char="-"/>
                 <a:defRPr/>
               </a:pPr>
-              <a:endParaRPr lang="fr-CH" sz="1400" dirty="0" smtClean="0">
+              <a:endParaRPr lang="fr-CH" sz="1400" dirty="0">
                 <a:solidFill>
                   <a:schemeClr val="bg2">
                     <a:lumMod val="25000"/>
@@ -31862,7 +31671,7 @@
                 <a:defRPr/>
               </a:pPr>
               <a:r>
-                <a:rPr lang="fr-CH" sz="1400" dirty="0" smtClean="0">
+                <a:rPr lang="fr-CH" sz="1400" dirty="0">
                   <a:solidFill>
                     <a:schemeClr val="bg2">
                       <a:lumMod val="25000"/>
@@ -31881,7 +31690,7 @@
                 <a:buChar char="-"/>
                 <a:defRPr/>
               </a:pPr>
-              <a:endParaRPr lang="fr-CH" sz="1400" dirty="0" smtClean="0">
+              <a:endParaRPr lang="fr-CH" sz="1400" dirty="0">
                 <a:solidFill>
                   <a:schemeClr val="bg2">
                     <a:lumMod val="25000"/>
@@ -31899,7 +31708,7 @@
                 <a:defRPr/>
               </a:pPr>
               <a:r>
-                <a:rPr lang="fr-CH" sz="1400" dirty="0" smtClean="0">
+                <a:rPr lang="fr-CH" sz="1400" dirty="0">
                   <a:solidFill>
                     <a:schemeClr val="bg2">
                       <a:lumMod val="25000"/>
@@ -31908,13 +31717,6 @@
                 </a:rPr>
                 <a:t>Tracé</a:t>
               </a:r>
-              <a:endParaRPr lang="fr-CH" sz="1400" dirty="0">
-                <a:solidFill>
-                  <a:schemeClr val="bg2">
-                    <a:lumMod val="25000"/>
-                  </a:schemeClr>
-                </a:solidFill>
-              </a:endParaRPr>
             </a:p>
           </p:txBody>
         </p:sp>
@@ -31946,18 +31748,13 @@
                 <a:defRPr/>
               </a:pPr>
               <a:r>
-                <a:rPr lang="en-US" sz="2000" b="1" dirty="0" smtClean="0">
+                <a:rPr lang="en-US" sz="2000" b="1" dirty="0">
                   <a:solidFill>
                     <a:schemeClr val="accent1"/>
                   </a:solidFill>
                 </a:rPr>
                 <a:t>Elevation</a:t>
               </a:r>
-              <a:endParaRPr lang="en-US" sz="2000" b="1" dirty="0">
-                <a:solidFill>
-                  <a:schemeClr val="accent1"/>
-                </a:solidFill>
-              </a:endParaRPr>
             </a:p>
           </p:txBody>
         </p:sp>
@@ -32161,10 +31958,9 @@
             <a:p>
               <a:pPr algn="ctr"/>
               <a:r>
-                <a:rPr lang="en-US" sz="2000" dirty="0" smtClean="0"/>
+                <a:rPr lang="en-US" sz="2000" dirty="0"/>
                 <a:t>02</a:t>
               </a:r>
-              <a:endParaRPr lang="en-US" sz="2000" dirty="0"/>
             </a:p>
           </p:txBody>
         </p:sp>
@@ -32368,10 +32164,9 @@
             <a:p>
               <a:pPr algn="ctr"/>
               <a:r>
-                <a:rPr lang="en-US" sz="2000" dirty="0" smtClean="0"/>
+                <a:rPr lang="en-US" sz="2000" dirty="0"/>
                 <a:t>03</a:t>
               </a:r>
-              <a:endParaRPr lang="en-US" sz="2000" dirty="0"/>
             </a:p>
           </p:txBody>
         </p:sp>
@@ -32575,10 +32370,9 @@
             <a:p>
               <a:pPr algn="ctr"/>
               <a:r>
-                <a:rPr lang="en-US" sz="2000" dirty="0" smtClean="0"/>
+                <a:rPr lang="en-US" sz="2000" dirty="0"/>
                 <a:t>04</a:t>
               </a:r>
-              <a:endParaRPr lang="en-US" sz="2000" dirty="0"/>
             </a:p>
           </p:txBody>
         </p:sp>
@@ -32782,10 +32576,9 @@
             <a:p>
               <a:pPr algn="ctr"/>
               <a:r>
-                <a:rPr lang="en-US" sz="2000" dirty="0" smtClean="0"/>
+                <a:rPr lang="en-US" sz="2000" dirty="0"/>
                 <a:t>05</a:t>
               </a:r>
-              <a:endParaRPr lang="en-US" sz="2000" dirty="0"/>
             </a:p>
           </p:txBody>
         </p:sp>
@@ -32813,18 +32606,13 @@
           <a:lstStyle/>
           <a:p>
             <a:r>
-              <a:rPr lang="fr-CH" sz="2800" dirty="0" smtClean="0">
+              <a:rPr lang="fr-CH" sz="2800" dirty="0">
                 <a:solidFill>
                   <a:schemeClr val="bg1"/>
                 </a:solidFill>
               </a:rPr>
               <a:t>7</a:t>
             </a:r>
-            <a:endParaRPr lang="fr-CH" sz="2800" dirty="0">
-              <a:solidFill>
-                <a:schemeClr val="bg1"/>
-              </a:solidFill>
-            </a:endParaRPr>
           </a:p>
         </p:txBody>
       </p:sp>
@@ -33200,21 +32988,30 @@
                             </p:childTnLst>
                           </p:cTn>
                         </p:par>
+                      </p:childTnLst>
+                    </p:cTn>
+                  </p:par>
+                  <p:par>
+                    <p:cTn id="28" fill="hold">
+                      <p:stCondLst>
+                        <p:cond delay="indefinite"/>
+                      </p:stCondLst>
+                      <p:childTnLst>
                         <p:par>
-                          <p:cTn id="28" fill="hold">
+                          <p:cTn id="29" fill="hold">
                             <p:stCondLst>
-                              <p:cond delay="3500"/>
+                              <p:cond delay="0"/>
                             </p:stCondLst>
                             <p:childTnLst>
                               <p:par>
-                                <p:cTn id="29" presetID="2" presetClass="entr" presetSubtype="2" fill="hold" nodeType="afterEffect">
+                                <p:cTn id="30" presetID="2" presetClass="entr" presetSubtype="2" fill="hold" nodeType="clickEffect">
                                   <p:stCondLst>
                                     <p:cond delay="0"/>
                                   </p:stCondLst>
                                   <p:childTnLst>
                                     <p:set>
                                       <p:cBhvr>
-                                        <p:cTn id="30" dur="1" fill="hold">
+                                        <p:cTn id="31" dur="1" fill="hold">
                                           <p:stCondLst>
                                             <p:cond delay="0"/>
                                           </p:stCondLst>
@@ -33232,7 +33029,7 @@
                                     </p:set>
                                     <p:anim calcmode="lin" valueType="num">
                                       <p:cBhvr additive="base">
-                                        <p:cTn id="31" dur="500" fill="hold"/>
+                                        <p:cTn id="32" dur="500" fill="hold"/>
                                         <p:tgtEl>
                                           <p:spTgt spid="10"/>
                                         </p:tgtEl>
@@ -33255,7 +33052,7 @@
                                     </p:anim>
                                     <p:anim calcmode="lin" valueType="num">
                                       <p:cBhvr additive="base">
-                                        <p:cTn id="32" dur="500" fill="hold"/>
+                                        <p:cTn id="33" dur="500" fill="hold"/>
                                         <p:tgtEl>
                                           <p:spTgt spid="10"/>
                                         </p:tgtEl>
@@ -33283,20 +33080,20 @@
                           </p:cTn>
                         </p:par>
                         <p:par>
-                          <p:cTn id="33" fill="hold">
+                          <p:cTn id="34" fill="hold">
                             <p:stCondLst>
-                              <p:cond delay="4000"/>
+                              <p:cond delay="500"/>
                             </p:stCondLst>
                             <p:childTnLst>
                               <p:par>
-                                <p:cTn id="34" presetID="42" presetClass="entr" presetSubtype="0" fill="hold" nodeType="afterEffect">
+                                <p:cTn id="35" presetID="42" presetClass="entr" presetSubtype="0" fill="hold" nodeType="afterEffect">
                                   <p:stCondLst>
                                     <p:cond delay="0"/>
                                   </p:stCondLst>
                                   <p:childTnLst>
                                     <p:set>
                                       <p:cBhvr>
-                                        <p:cTn id="35" dur="1" fill="hold">
+                                        <p:cTn id="36" dur="1" fill="hold">
                                           <p:stCondLst>
                                             <p:cond delay="0"/>
                                           </p:stCondLst>
@@ -33314,7 +33111,7 @@
                                     </p:set>
                                     <p:animEffect transition="in" filter="fade">
                                       <p:cBhvr>
-                                        <p:cTn id="36" dur="1000"/>
+                                        <p:cTn id="37" dur="1000"/>
                                         <p:tgtEl>
                                           <p:spTgt spid="14"/>
                                         </p:tgtEl>
@@ -33322,7 +33119,7 @@
                                     </p:animEffect>
                                     <p:anim calcmode="lin" valueType="num">
                                       <p:cBhvr>
-                                        <p:cTn id="37" dur="1000" fill="hold"/>
+                                        <p:cTn id="38" dur="1000" fill="hold"/>
                                         <p:tgtEl>
                                           <p:spTgt spid="14"/>
                                         </p:tgtEl>
@@ -33345,7 +33142,7 @@
                                     </p:anim>
                                     <p:anim calcmode="lin" valueType="num">
                                       <p:cBhvr>
-                                        <p:cTn id="38" dur="1000" fill="hold"/>
+                                        <p:cTn id="39" dur="1000" fill="hold"/>
                                         <p:tgtEl>
                                           <p:spTgt spid="14"/>
                                         </p:tgtEl>
@@ -33373,20 +33170,20 @@
                           </p:cTn>
                         </p:par>
                         <p:par>
-                          <p:cTn id="39" fill="hold">
+                          <p:cTn id="40" fill="hold">
                             <p:stCondLst>
-                              <p:cond delay="5000"/>
+                              <p:cond delay="1500"/>
                             </p:stCondLst>
                             <p:childTnLst>
                               <p:par>
-                                <p:cTn id="40" presetID="2" presetClass="entr" presetSubtype="4" fill="hold" grpId="0" nodeType="afterEffect">
+                                <p:cTn id="41" presetID="2" presetClass="entr" presetSubtype="4" fill="hold" grpId="0" nodeType="afterEffect">
                                   <p:stCondLst>
                                     <p:cond delay="0"/>
                                   </p:stCondLst>
                                   <p:childTnLst>
                                     <p:set>
                                       <p:cBhvr>
-                                        <p:cTn id="41" dur="1" fill="hold">
+                                        <p:cTn id="42" dur="1" fill="hold">
                                           <p:stCondLst>
                                             <p:cond delay="0"/>
                                           </p:stCondLst>
@@ -33404,7 +33201,7 @@
                                     </p:set>
                                     <p:anim calcmode="lin" valueType="num">
                                       <p:cBhvr additive="base">
-                                        <p:cTn id="42" dur="500" fill="hold"/>
+                                        <p:cTn id="43" dur="500" fill="hold"/>
                                         <p:tgtEl>
                                           <p:spTgt spid="81"/>
                                         </p:tgtEl>
@@ -33427,7 +33224,7 @@
                                     </p:anim>
                                     <p:anim calcmode="lin" valueType="num">
                                       <p:cBhvr additive="base">
-                                        <p:cTn id="43" dur="500" fill="hold"/>
+                                        <p:cTn id="44" dur="500" fill="hold"/>
                                         <p:tgtEl>
                                           <p:spTgt spid="81"/>
                                         </p:tgtEl>
@@ -33455,20 +33252,20 @@
                           </p:cTn>
                         </p:par>
                         <p:par>
-                          <p:cTn id="44" fill="hold">
+                          <p:cTn id="45" fill="hold">
                             <p:stCondLst>
-                              <p:cond delay="5500"/>
+                              <p:cond delay="2000"/>
                             </p:stCondLst>
                             <p:childTnLst>
                               <p:par>
-                                <p:cTn id="45" presetID="22" presetClass="entr" presetSubtype="1" fill="hold" nodeType="afterEffect">
+                                <p:cTn id="46" presetID="22" presetClass="entr" presetSubtype="1" fill="hold" nodeType="afterEffect">
                                   <p:stCondLst>
                                     <p:cond delay="0"/>
                                   </p:stCondLst>
                                   <p:childTnLst>
                                     <p:set>
                                       <p:cBhvr>
-                                        <p:cTn id="46" dur="1" fill="hold">
+                                        <p:cTn id="47" dur="1" fill="hold">
                                           <p:stCondLst>
                                             <p:cond delay="0"/>
                                           </p:stCondLst>
@@ -33486,7 +33283,7 @@
                                     </p:set>
                                     <p:animEffect transition="in" filter="wipe(up)">
                                       <p:cBhvr>
-                                        <p:cTn id="47" dur="1000"/>
+                                        <p:cTn id="48" dur="1000"/>
                                         <p:tgtEl>
                                           <p:spTgt spid="82"/>
                                         </p:tgtEl>
@@ -33498,21 +33295,30 @@
                             </p:childTnLst>
                           </p:cTn>
                         </p:par>
+                      </p:childTnLst>
+                    </p:cTn>
+                  </p:par>
+                  <p:par>
+                    <p:cTn id="49" fill="hold">
+                      <p:stCondLst>
+                        <p:cond delay="indefinite"/>
+                      </p:stCondLst>
+                      <p:childTnLst>
                         <p:par>
-                          <p:cTn id="48" fill="hold">
+                          <p:cTn id="50" fill="hold">
                             <p:stCondLst>
-                              <p:cond delay="6500"/>
+                              <p:cond delay="0"/>
                             </p:stCondLst>
                             <p:childTnLst>
                               <p:par>
-                                <p:cTn id="49" presetID="2" presetClass="entr" presetSubtype="2" fill="hold" nodeType="afterEffect">
+                                <p:cTn id="51" presetID="2" presetClass="entr" presetSubtype="2" fill="hold" nodeType="clickEffect">
                                   <p:stCondLst>
                                     <p:cond delay="0"/>
                                   </p:stCondLst>
                                   <p:childTnLst>
                                     <p:set>
                                       <p:cBhvr>
-                                        <p:cTn id="50" dur="1" fill="hold">
+                                        <p:cTn id="52" dur="1" fill="hold">
                                           <p:stCondLst>
                                             <p:cond delay="0"/>
                                           </p:stCondLst>
@@ -33530,7 +33336,7 @@
                                     </p:set>
                                     <p:anim calcmode="lin" valueType="num">
                                       <p:cBhvr additive="base">
-                                        <p:cTn id="51" dur="500" fill="hold"/>
+                                        <p:cTn id="53" dur="500" fill="hold"/>
                                         <p:tgtEl>
                                           <p:spTgt spid="11"/>
                                         </p:tgtEl>
@@ -33553,7 +33359,7 @@
                                     </p:anim>
                                     <p:anim calcmode="lin" valueType="num">
                                       <p:cBhvr additive="base">
-                                        <p:cTn id="52" dur="500" fill="hold"/>
+                                        <p:cTn id="54" dur="500" fill="hold"/>
                                         <p:tgtEl>
                                           <p:spTgt spid="11"/>
                                         </p:tgtEl>
@@ -33581,20 +33387,20 @@
                           </p:cTn>
                         </p:par>
                         <p:par>
-                          <p:cTn id="53" fill="hold">
+                          <p:cTn id="55" fill="hold">
                             <p:stCondLst>
-                              <p:cond delay="7000"/>
+                              <p:cond delay="500"/>
                             </p:stCondLst>
                             <p:childTnLst>
                               <p:par>
-                                <p:cTn id="54" presetID="42" presetClass="entr" presetSubtype="0" fill="hold" nodeType="afterEffect">
+                                <p:cTn id="56" presetID="42" presetClass="entr" presetSubtype="0" fill="hold" nodeType="afterEffect">
                                   <p:stCondLst>
                                     <p:cond delay="0"/>
                                   </p:stCondLst>
                                   <p:childTnLst>
                                     <p:set>
                                       <p:cBhvr>
-                                        <p:cTn id="55" dur="1" fill="hold">
+                                        <p:cTn id="57" dur="1" fill="hold">
                                           <p:stCondLst>
                                             <p:cond delay="0"/>
                                           </p:stCondLst>
@@ -33612,7 +33418,7 @@
                                     </p:set>
                                     <p:animEffect transition="in" filter="fade">
                                       <p:cBhvr>
-                                        <p:cTn id="56" dur="1000"/>
+                                        <p:cTn id="58" dur="1000"/>
                                         <p:tgtEl>
                                           <p:spTgt spid="15"/>
                                         </p:tgtEl>
@@ -33620,7 +33426,7 @@
                                     </p:animEffect>
                                     <p:anim calcmode="lin" valueType="num">
                                       <p:cBhvr>
-                                        <p:cTn id="57" dur="1000" fill="hold"/>
+                                        <p:cTn id="59" dur="1000" fill="hold"/>
                                         <p:tgtEl>
                                           <p:spTgt spid="15"/>
                                         </p:tgtEl>
@@ -33643,7 +33449,7 @@
                                     </p:anim>
                                     <p:anim calcmode="lin" valueType="num">
                                       <p:cBhvr>
-                                        <p:cTn id="58" dur="1000" fill="hold"/>
+                                        <p:cTn id="60" dur="1000" fill="hold"/>
                                         <p:tgtEl>
                                           <p:spTgt spid="15"/>
                                         </p:tgtEl>
@@ -33671,20 +33477,20 @@
                           </p:cTn>
                         </p:par>
                         <p:par>
-                          <p:cTn id="59" fill="hold">
+                          <p:cTn id="61" fill="hold">
                             <p:stCondLst>
-                              <p:cond delay="8000"/>
+                              <p:cond delay="1500"/>
                             </p:stCondLst>
                             <p:childTnLst>
                               <p:par>
-                                <p:cTn id="60" presetID="2" presetClass="entr" presetSubtype="4" fill="hold" grpId="0" nodeType="afterEffect">
+                                <p:cTn id="62" presetID="2" presetClass="entr" presetSubtype="4" fill="hold" grpId="0" nodeType="afterEffect">
                                   <p:stCondLst>
                                     <p:cond delay="0"/>
                                   </p:stCondLst>
                                   <p:childTnLst>
                                     <p:set>
                                       <p:cBhvr>
-                                        <p:cTn id="61" dur="1" fill="hold">
+                                        <p:cTn id="63" dur="1" fill="hold">
                                           <p:stCondLst>
                                             <p:cond delay="0"/>
                                           </p:stCondLst>
@@ -33702,7 +33508,7 @@
                                     </p:set>
                                     <p:anim calcmode="lin" valueType="num">
                                       <p:cBhvr additive="base">
-                                        <p:cTn id="62" dur="500" fill="hold"/>
+                                        <p:cTn id="64" dur="500" fill="hold"/>
                                         <p:tgtEl>
                                           <p:spTgt spid="86"/>
                                         </p:tgtEl>
@@ -33725,7 +33531,7 @@
                                     </p:anim>
                                     <p:anim calcmode="lin" valueType="num">
                                       <p:cBhvr additive="base">
-                                        <p:cTn id="63" dur="500" fill="hold"/>
+                                        <p:cTn id="65" dur="500" fill="hold"/>
                                         <p:tgtEl>
                                           <p:spTgt spid="86"/>
                                         </p:tgtEl>
@@ -33753,20 +33559,20 @@
                           </p:cTn>
                         </p:par>
                         <p:par>
-                          <p:cTn id="64" fill="hold">
+                          <p:cTn id="66" fill="hold">
                             <p:stCondLst>
-                              <p:cond delay="8500"/>
+                              <p:cond delay="2000"/>
                             </p:stCondLst>
                             <p:childTnLst>
                               <p:par>
-                                <p:cTn id="65" presetID="22" presetClass="entr" presetSubtype="1" fill="hold" nodeType="afterEffect">
+                                <p:cTn id="67" presetID="22" presetClass="entr" presetSubtype="1" fill="hold" nodeType="afterEffect">
                                   <p:stCondLst>
                                     <p:cond delay="0"/>
                                   </p:stCondLst>
                                   <p:childTnLst>
                                     <p:set>
                                       <p:cBhvr>
-                                        <p:cTn id="66" dur="1" fill="hold">
+                                        <p:cTn id="68" dur="1" fill="hold">
                                           <p:stCondLst>
                                             <p:cond delay="0"/>
                                           </p:stCondLst>
@@ -33784,7 +33590,7 @@
                                     </p:set>
                                     <p:animEffect transition="in" filter="wipe(up)">
                                       <p:cBhvr>
-                                        <p:cTn id="67" dur="1000"/>
+                                        <p:cTn id="69" dur="1000"/>
                                         <p:tgtEl>
                                           <p:spTgt spid="96"/>
                                         </p:tgtEl>
@@ -33796,21 +33602,30 @@
                             </p:childTnLst>
                           </p:cTn>
                         </p:par>
+                      </p:childTnLst>
+                    </p:cTn>
+                  </p:par>
+                  <p:par>
+                    <p:cTn id="70" fill="hold">
+                      <p:stCondLst>
+                        <p:cond delay="indefinite"/>
+                      </p:stCondLst>
+                      <p:childTnLst>
                         <p:par>
-                          <p:cTn id="68" fill="hold">
+                          <p:cTn id="71" fill="hold">
                             <p:stCondLst>
-                              <p:cond delay="9500"/>
+                              <p:cond delay="0"/>
                             </p:stCondLst>
                             <p:childTnLst>
                               <p:par>
-                                <p:cTn id="69" presetID="2" presetClass="entr" presetSubtype="2" fill="hold" nodeType="afterEffect">
+                                <p:cTn id="72" presetID="2" presetClass="entr" presetSubtype="2" fill="hold" nodeType="clickEffect">
                                   <p:stCondLst>
                                     <p:cond delay="0"/>
                                   </p:stCondLst>
                                   <p:childTnLst>
                                     <p:set>
                                       <p:cBhvr>
-                                        <p:cTn id="70" dur="1" fill="hold">
+                                        <p:cTn id="73" dur="1" fill="hold">
                                           <p:stCondLst>
                                             <p:cond delay="0"/>
                                           </p:stCondLst>
@@ -33828,7 +33643,7 @@
                                     </p:set>
                                     <p:anim calcmode="lin" valueType="num">
                                       <p:cBhvr additive="base">
-                                        <p:cTn id="71" dur="500" fill="hold"/>
+                                        <p:cTn id="74" dur="500" fill="hold"/>
                                         <p:tgtEl>
                                           <p:spTgt spid="12"/>
                                         </p:tgtEl>
@@ -33851,7 +33666,7 @@
                                     </p:anim>
                                     <p:anim calcmode="lin" valueType="num">
                                       <p:cBhvr additive="base">
-                                        <p:cTn id="72" dur="500" fill="hold"/>
+                                        <p:cTn id="75" dur="500" fill="hold"/>
                                         <p:tgtEl>
                                           <p:spTgt spid="12"/>
                                         </p:tgtEl>
@@ -33879,20 +33694,20 @@
                           </p:cTn>
                         </p:par>
                         <p:par>
-                          <p:cTn id="73" fill="hold">
+                          <p:cTn id="76" fill="hold">
                             <p:stCondLst>
-                              <p:cond delay="10000"/>
+                              <p:cond delay="500"/>
                             </p:stCondLst>
                             <p:childTnLst>
                               <p:par>
-                                <p:cTn id="74" presetID="42" presetClass="entr" presetSubtype="0" fill="hold" nodeType="afterEffect">
+                                <p:cTn id="77" presetID="42" presetClass="entr" presetSubtype="0" fill="hold" nodeType="afterEffect">
                                   <p:stCondLst>
                                     <p:cond delay="0"/>
                                   </p:stCondLst>
                                   <p:childTnLst>
                                     <p:set>
                                       <p:cBhvr>
-                                        <p:cTn id="75" dur="1" fill="hold">
+                                        <p:cTn id="78" dur="1" fill="hold">
                                           <p:stCondLst>
                                             <p:cond delay="0"/>
                                           </p:stCondLst>
@@ -33910,7 +33725,7 @@
                                     </p:set>
                                     <p:animEffect transition="in" filter="fade">
                                       <p:cBhvr>
-                                        <p:cTn id="76" dur="1000"/>
+                                        <p:cTn id="79" dur="1000"/>
                                         <p:tgtEl>
                                           <p:spTgt spid="16"/>
                                         </p:tgtEl>
@@ -33918,7 +33733,7 @@
                                     </p:animEffect>
                                     <p:anim calcmode="lin" valueType="num">
                                       <p:cBhvr>
-                                        <p:cTn id="77" dur="1000" fill="hold"/>
+                                        <p:cTn id="80" dur="1000" fill="hold"/>
                                         <p:tgtEl>
                                           <p:spTgt spid="16"/>
                                         </p:tgtEl>
@@ -33941,7 +33756,7 @@
                                     </p:anim>
                                     <p:anim calcmode="lin" valueType="num">
                                       <p:cBhvr>
-                                        <p:cTn id="78" dur="1000" fill="hold"/>
+                                        <p:cTn id="81" dur="1000" fill="hold"/>
                                         <p:tgtEl>
                                           <p:spTgt spid="16"/>
                                         </p:tgtEl>
@@ -33969,20 +33784,20 @@
                           </p:cTn>
                         </p:par>
                         <p:par>
-                          <p:cTn id="79" fill="hold">
+                          <p:cTn id="82" fill="hold">
                             <p:stCondLst>
-                              <p:cond delay="11000"/>
+                              <p:cond delay="1500"/>
                             </p:stCondLst>
                             <p:childTnLst>
                               <p:par>
-                                <p:cTn id="80" presetID="2" presetClass="entr" presetSubtype="4" fill="hold" grpId="0" nodeType="afterEffect">
+                                <p:cTn id="83" presetID="2" presetClass="entr" presetSubtype="4" fill="hold" grpId="0" nodeType="afterEffect">
                                   <p:stCondLst>
                                     <p:cond delay="0"/>
                                   </p:stCondLst>
                                   <p:childTnLst>
                                     <p:set>
                                       <p:cBhvr>
-                                        <p:cTn id="81" dur="1" fill="hold">
+                                        <p:cTn id="84" dur="1" fill="hold">
                                           <p:stCondLst>
                                             <p:cond delay="0"/>
                                           </p:stCondLst>
@@ -34000,7 +33815,7 @@
                                     </p:set>
                                     <p:anim calcmode="lin" valueType="num">
                                       <p:cBhvr additive="base">
-                                        <p:cTn id="82" dur="500" fill="hold"/>
+                                        <p:cTn id="85" dur="500" fill="hold"/>
                                         <p:tgtEl>
                                           <p:spTgt spid="109"/>
                                         </p:tgtEl>
@@ -34023,7 +33838,7 @@
                                     </p:anim>
                                     <p:anim calcmode="lin" valueType="num">
                                       <p:cBhvr additive="base">
-                                        <p:cTn id="83" dur="500" fill="hold"/>
+                                        <p:cTn id="86" dur="500" fill="hold"/>
                                         <p:tgtEl>
                                           <p:spTgt spid="109"/>
                                         </p:tgtEl>
@@ -34051,20 +33866,20 @@
                           </p:cTn>
                         </p:par>
                         <p:par>
-                          <p:cTn id="84" fill="hold">
+                          <p:cTn id="87" fill="hold">
                             <p:stCondLst>
-                              <p:cond delay="11500"/>
+                              <p:cond delay="2000"/>
                             </p:stCondLst>
                             <p:childTnLst>
                               <p:par>
-                                <p:cTn id="85" presetID="22" presetClass="entr" presetSubtype="1" fill="hold" nodeType="afterEffect">
+                                <p:cTn id="88" presetID="22" presetClass="entr" presetSubtype="1" fill="hold" nodeType="afterEffect">
                                   <p:stCondLst>
                                     <p:cond delay="0"/>
                                   </p:stCondLst>
                                   <p:childTnLst>
                                     <p:set>
                                       <p:cBhvr>
-                                        <p:cTn id="86" dur="1" fill="hold">
+                                        <p:cTn id="89" dur="1" fill="hold">
                                           <p:stCondLst>
                                             <p:cond delay="0"/>
                                           </p:stCondLst>
@@ -34082,7 +33897,7 @@
                                     </p:set>
                                     <p:animEffect transition="in" filter="wipe(up)">
                                       <p:cBhvr>
-                                        <p:cTn id="87" dur="1000"/>
+                                        <p:cTn id="90" dur="1000"/>
                                         <p:tgtEl>
                                           <p:spTgt spid="110"/>
                                         </p:tgtEl>
@@ -34094,21 +33909,30 @@
                             </p:childTnLst>
                           </p:cTn>
                         </p:par>
+                      </p:childTnLst>
+                    </p:cTn>
+                  </p:par>
+                  <p:par>
+                    <p:cTn id="91" fill="hold">
+                      <p:stCondLst>
+                        <p:cond delay="indefinite"/>
+                      </p:stCondLst>
+                      <p:childTnLst>
                         <p:par>
-                          <p:cTn id="88" fill="hold">
+                          <p:cTn id="92" fill="hold">
                             <p:stCondLst>
-                              <p:cond delay="12500"/>
+                              <p:cond delay="0"/>
                             </p:stCondLst>
                             <p:childTnLst>
                               <p:par>
-                                <p:cTn id="89" presetID="2" presetClass="entr" presetSubtype="2" fill="hold" nodeType="afterEffect">
+                                <p:cTn id="93" presetID="2" presetClass="entr" presetSubtype="2" fill="hold" nodeType="clickEffect">
                                   <p:stCondLst>
                                     <p:cond delay="0"/>
                                   </p:stCondLst>
                                   <p:childTnLst>
                                     <p:set>
                                       <p:cBhvr>
-                                        <p:cTn id="90" dur="1" fill="hold">
+                                        <p:cTn id="94" dur="1" fill="hold">
                                           <p:stCondLst>
                                             <p:cond delay="0"/>
                                           </p:stCondLst>
@@ -34126,7 +33950,7 @@
                                     </p:set>
                                     <p:anim calcmode="lin" valueType="num">
                                       <p:cBhvr additive="base">
-                                        <p:cTn id="91" dur="500" fill="hold"/>
+                                        <p:cTn id="95" dur="500" fill="hold"/>
                                         <p:tgtEl>
                                           <p:spTgt spid="13"/>
                                         </p:tgtEl>
@@ -34149,7 +33973,7 @@
                                     </p:anim>
                                     <p:anim calcmode="lin" valueType="num">
                                       <p:cBhvr additive="base">
-                                        <p:cTn id="92" dur="500" fill="hold"/>
+                                        <p:cTn id="96" dur="500" fill="hold"/>
                                         <p:tgtEl>
                                           <p:spTgt spid="13"/>
                                         </p:tgtEl>
@@ -34177,20 +34001,20 @@
                           </p:cTn>
                         </p:par>
                         <p:par>
-                          <p:cTn id="93" fill="hold">
+                          <p:cTn id="97" fill="hold">
                             <p:stCondLst>
-                              <p:cond delay="13000"/>
+                              <p:cond delay="500"/>
                             </p:stCondLst>
                             <p:childTnLst>
                               <p:par>
-                                <p:cTn id="94" presetID="42" presetClass="entr" presetSubtype="0" fill="hold" nodeType="afterEffect">
+                                <p:cTn id="98" presetID="42" presetClass="entr" presetSubtype="0" fill="hold" nodeType="afterEffect">
                                   <p:stCondLst>
                                     <p:cond delay="0"/>
                                   </p:stCondLst>
                                   <p:childTnLst>
                                     <p:set>
                                       <p:cBhvr>
-                                        <p:cTn id="95" dur="1" fill="hold">
+                                        <p:cTn id="99" dur="1" fill="hold">
                                           <p:stCondLst>
                                             <p:cond delay="0"/>
                                           </p:stCondLst>
@@ -34208,7 +34032,7 @@
                                     </p:set>
                                     <p:animEffect transition="in" filter="fade">
                                       <p:cBhvr>
-                                        <p:cTn id="96" dur="1000"/>
+                                        <p:cTn id="100" dur="1000"/>
                                         <p:tgtEl>
                                           <p:spTgt spid="17"/>
                                         </p:tgtEl>
@@ -34216,7 +34040,7 @@
                                     </p:animEffect>
                                     <p:anim calcmode="lin" valueType="num">
                                       <p:cBhvr>
-                                        <p:cTn id="97" dur="1000" fill="hold"/>
+                                        <p:cTn id="101" dur="1000" fill="hold"/>
                                         <p:tgtEl>
                                           <p:spTgt spid="17"/>
                                         </p:tgtEl>
@@ -34239,7 +34063,7 @@
                                     </p:anim>
                                     <p:anim calcmode="lin" valueType="num">
                                       <p:cBhvr>
-                                        <p:cTn id="98" dur="1000" fill="hold"/>
+                                        <p:cTn id="102" dur="1000" fill="hold"/>
                                         <p:tgtEl>
                                           <p:spTgt spid="17"/>
                                         </p:tgtEl>
@@ -34267,20 +34091,20 @@
                           </p:cTn>
                         </p:par>
                         <p:par>
-                          <p:cTn id="99" fill="hold">
+                          <p:cTn id="103" fill="hold">
                             <p:stCondLst>
-                              <p:cond delay="14000"/>
+                              <p:cond delay="1500"/>
                             </p:stCondLst>
                             <p:childTnLst>
                               <p:par>
-                                <p:cTn id="100" presetID="2" presetClass="entr" presetSubtype="4" fill="hold" grpId="0" nodeType="afterEffect">
+                                <p:cTn id="104" presetID="2" presetClass="entr" presetSubtype="4" fill="hold" grpId="0" nodeType="afterEffect">
                                   <p:stCondLst>
                                     <p:cond delay="0"/>
                                   </p:stCondLst>
                                   <p:childTnLst>
                                     <p:set>
                                       <p:cBhvr>
-                                        <p:cTn id="101" dur="1" fill="hold">
+                                        <p:cTn id="105" dur="1" fill="hold">
                                           <p:stCondLst>
                                             <p:cond delay="0"/>
                                           </p:stCondLst>
@@ -34298,7 +34122,7 @@
                                     </p:set>
                                     <p:anim calcmode="lin" valueType="num">
                                       <p:cBhvr additive="base">
-                                        <p:cTn id="102" dur="500" fill="hold"/>
+                                        <p:cTn id="106" dur="500" fill="hold"/>
                                         <p:tgtEl>
                                           <p:spTgt spid="123"/>
                                         </p:tgtEl>
@@ -34321,7 +34145,7 @@
                                     </p:anim>
                                     <p:anim calcmode="lin" valueType="num">
                                       <p:cBhvr additive="base">
-                                        <p:cTn id="103" dur="500" fill="hold"/>
+                                        <p:cTn id="107" dur="500" fill="hold"/>
                                         <p:tgtEl>
                                           <p:spTgt spid="123"/>
                                         </p:tgtEl>
@@ -34349,20 +34173,20 @@
                           </p:cTn>
                         </p:par>
                         <p:par>
-                          <p:cTn id="104" fill="hold">
+                          <p:cTn id="108" fill="hold">
                             <p:stCondLst>
-                              <p:cond delay="14500"/>
+                              <p:cond delay="2000"/>
                             </p:stCondLst>
                             <p:childTnLst>
                               <p:par>
-                                <p:cTn id="105" presetID="22" presetClass="entr" presetSubtype="1" fill="hold" nodeType="afterEffect">
+                                <p:cTn id="109" presetID="22" presetClass="entr" presetSubtype="1" fill="hold" nodeType="afterEffect">
                                   <p:stCondLst>
                                     <p:cond delay="0"/>
                                   </p:stCondLst>
                                   <p:childTnLst>
                                     <p:set>
                                       <p:cBhvr>
-                                        <p:cTn id="106" dur="1" fill="hold">
+                                        <p:cTn id="110" dur="1" fill="hold">
                                           <p:stCondLst>
                                             <p:cond delay="0"/>
                                           </p:stCondLst>
@@ -34380,7 +34204,7 @@
                                     </p:set>
                                     <p:animEffect transition="in" filter="wipe(up)">
                                       <p:cBhvr>
-                                        <p:cTn id="107" dur="1000"/>
+                                        <p:cTn id="111" dur="1000"/>
                                         <p:tgtEl>
                                           <p:spTgt spid="124"/>
                                         </p:tgtEl>
@@ -34540,7 +34364,7 @@
           <a:p>
             <a:pPr algn="ctr"/>
             <a:r>
-              <a:rPr lang="fr-CH" sz="2400" dirty="0" smtClean="0">
+              <a:rPr lang="fr-CH" sz="2400" dirty="0">
                 <a:solidFill>
                   <a:schemeClr val="bg1">
                     <a:lumMod val="85000"/>
@@ -34549,13 +34373,6 @@
               </a:rPr>
               <a:t>Création d’un itinéraire</a:t>
             </a:r>
-            <a:endParaRPr lang="fr-CH" sz="2400" dirty="0">
-              <a:solidFill>
-                <a:schemeClr val="bg1">
-                  <a:lumMod val="85000"/>
-                </a:schemeClr>
-              </a:solidFill>
-            </a:endParaRPr>
           </a:p>
         </p:txBody>
       </p:sp>
@@ -35017,7 +34834,7 @@
               <a:buNone/>
             </a:pPr>
             <a:r>
-              <a:rPr lang="en-US" sz="2000" b="1" dirty="0" smtClean="0">
+              <a:rPr lang="en-US" sz="2000" b="1" dirty="0">
                 <a:solidFill>
                   <a:schemeClr val="tx1">
                     <a:lumMod val="65000"/>
@@ -35027,14 +34844,6 @@
               </a:rPr>
               <a:t>01</a:t>
             </a:r>
-            <a:endParaRPr lang="en-US" sz="2000" b="1" dirty="0">
-              <a:solidFill>
-                <a:schemeClr val="tx1">
-                  <a:lumMod val="65000"/>
-                  <a:lumOff val="35000"/>
-                </a:schemeClr>
-              </a:solidFill>
-            </a:endParaRPr>
           </a:p>
         </p:txBody>
       </p:sp>
@@ -35226,7 +35035,7 @@
               <a:buNone/>
             </a:pPr>
             <a:r>
-              <a:rPr lang="en-US" sz="2000" b="1" dirty="0" smtClean="0">
+              <a:rPr lang="en-US" sz="2000" b="1" dirty="0">
                 <a:solidFill>
                   <a:schemeClr val="tx1">
                     <a:lumMod val="65000"/>
@@ -35236,14 +35045,6 @@
               </a:rPr>
               <a:t>02</a:t>
             </a:r>
-            <a:endParaRPr lang="en-US" sz="2000" b="1" dirty="0">
-              <a:solidFill>
-                <a:schemeClr val="tx1">
-                  <a:lumMod val="65000"/>
-                  <a:lumOff val="35000"/>
-                </a:schemeClr>
-              </a:solidFill>
-            </a:endParaRPr>
           </a:p>
         </p:txBody>
       </p:sp>
@@ -35435,7 +35236,7 @@
               <a:buNone/>
             </a:pPr>
             <a:r>
-              <a:rPr lang="en-US" sz="2000" b="1" dirty="0" smtClean="0">
+              <a:rPr lang="en-US" sz="2000" b="1" dirty="0">
                 <a:solidFill>
                   <a:schemeClr val="tx1">
                     <a:lumMod val="65000"/>
@@ -35445,14 +35246,6 @@
               </a:rPr>
               <a:t>03</a:t>
             </a:r>
-            <a:endParaRPr lang="en-US" sz="2000" b="1" dirty="0">
-              <a:solidFill>
-                <a:schemeClr val="tx1">
-                  <a:lumMod val="65000"/>
-                  <a:lumOff val="35000"/>
-                </a:schemeClr>
-              </a:solidFill>
-            </a:endParaRPr>
           </a:p>
         </p:txBody>
       </p:sp>
@@ -35860,7 +35653,7 @@
           <a:p>
             <a:pPr algn="l"/>
             <a:r>
-              <a:rPr lang="en-US" b="1" dirty="0" err="1" smtClean="0">
+              <a:rPr lang="en-US" b="1" dirty="0" err="1">
                 <a:solidFill>
                   <a:srgbClr val="5B9BD5"/>
                 </a:solidFill>
@@ -35868,7 +35661,7 @@
               <a:t>Ajouter</a:t>
             </a:r>
             <a:r>
-              <a:rPr lang="en-US" b="1" dirty="0" smtClean="0">
+              <a:rPr lang="en-US" b="1" dirty="0">
                 <a:solidFill>
                   <a:srgbClr val="5B9BD5"/>
                 </a:solidFill>
@@ -36172,7 +35965,7 @@
           <a:p>
             <a:pPr algn="l"/>
             <a:r>
-              <a:rPr lang="en-US" b="1" dirty="0" err="1" smtClean="0">
+              <a:rPr lang="en-US" b="1" dirty="0" err="1">
                 <a:solidFill>
                   <a:srgbClr val="ED7D31"/>
                 </a:solidFill>
@@ -36180,7 +35973,7 @@
               <a:t>Calcul</a:t>
             </a:r>
             <a:r>
-              <a:rPr lang="en-US" b="1" dirty="0" smtClean="0">
+              <a:rPr lang="en-US" b="1" dirty="0">
                 <a:solidFill>
                   <a:srgbClr val="ED7D31"/>
                 </a:solidFill>
@@ -36188,14 +35981,14 @@
               <a:t> de </a:t>
             </a:r>
             <a:r>
-              <a:rPr lang="en-US" b="1" dirty="0" err="1" smtClean="0">
+              <a:rPr lang="en-US" b="1" dirty="0" err="1">
                 <a:solidFill>
                   <a:srgbClr val="ED7D31"/>
                 </a:solidFill>
               </a:rPr>
               <a:t>l’itinéraire</a:t>
             </a:r>
-            <a:endParaRPr lang="en-US" dirty="0" smtClean="0">
+            <a:endParaRPr lang="en-US" dirty="0">
               <a:solidFill>
                 <a:srgbClr val="ED7D31"/>
               </a:solidFill>
@@ -36481,7 +36274,7 @@
           <a:p>
             <a:pPr algn="l"/>
             <a:r>
-              <a:rPr lang="en-US" b="1" dirty="0" err="1" smtClean="0">
+              <a:rPr lang="en-US" b="1" dirty="0" err="1">
                 <a:solidFill>
                   <a:srgbClr val="A5A5A5"/>
                 </a:solidFill>
@@ -36572,18 +36365,13 @@
           <a:lstStyle/>
           <a:p>
             <a:r>
-              <a:rPr lang="fr-CH" sz="2800" dirty="0" smtClean="0">
+              <a:rPr lang="fr-CH" sz="2800" dirty="0">
                 <a:solidFill>
                   <a:schemeClr val="bg1"/>
                 </a:solidFill>
               </a:rPr>
               <a:t>8</a:t>
             </a:r>
-            <a:endParaRPr lang="fr-CH" sz="2800" dirty="0">
-              <a:solidFill>
-                <a:schemeClr val="bg1"/>
-              </a:solidFill>
-            </a:endParaRPr>
           </a:p>
         </p:txBody>
       </p:sp>
@@ -37134,21 +36922,30 @@
                             </p:childTnLst>
                           </p:cTn>
                         </p:par>
+                      </p:childTnLst>
+                    </p:cTn>
+                  </p:par>
+                  <p:par>
+                    <p:cTn id="44" fill="hold">
+                      <p:stCondLst>
+                        <p:cond delay="indefinite"/>
+                      </p:stCondLst>
+                      <p:childTnLst>
                         <p:par>
-                          <p:cTn id="44" fill="hold">
+                          <p:cTn id="45" fill="hold">
                             <p:stCondLst>
-                              <p:cond delay="4000"/>
+                              <p:cond delay="0"/>
                             </p:stCondLst>
                             <p:childTnLst>
                               <p:par>
-                                <p:cTn id="45" presetID="53" presetClass="entr" presetSubtype="16" fill="hold" grpId="0" nodeType="afterEffect">
+                                <p:cTn id="46" presetID="53" presetClass="entr" presetSubtype="16" fill="hold" grpId="0" nodeType="clickEffect">
                                   <p:stCondLst>
                                     <p:cond delay="0"/>
                                   </p:stCondLst>
                                   <p:childTnLst>
                                     <p:set>
                                       <p:cBhvr>
-                                        <p:cTn id="46" dur="1" fill="hold">
+                                        <p:cTn id="47" dur="1" fill="hold">
                                           <p:stCondLst>
                                             <p:cond delay="0"/>
                                           </p:stCondLst>
@@ -37166,7 +36963,7 @@
                                     </p:set>
                                     <p:anim calcmode="lin" valueType="num">
                                       <p:cBhvr>
-                                        <p:cTn id="47" dur="500" fill="hold"/>
+                                        <p:cTn id="48" dur="500" fill="hold"/>
                                         <p:tgtEl>
                                           <p:spTgt spid="21"/>
                                         </p:tgtEl>
@@ -37189,7 +36986,7 @@
                                     </p:anim>
                                     <p:anim calcmode="lin" valueType="num">
                                       <p:cBhvr>
-                                        <p:cTn id="48" dur="500" fill="hold"/>
+                                        <p:cTn id="49" dur="500" fill="hold"/>
                                         <p:tgtEl>
                                           <p:spTgt spid="21"/>
                                         </p:tgtEl>
@@ -37212,7 +37009,7 @@
                                     </p:anim>
                                     <p:animEffect transition="in" filter="fade">
                                       <p:cBhvr>
-                                        <p:cTn id="49" dur="500"/>
+                                        <p:cTn id="50" dur="500"/>
                                         <p:tgtEl>
                                           <p:spTgt spid="21"/>
                                         </p:tgtEl>
@@ -37225,20 +37022,20 @@
                           </p:cTn>
                         </p:par>
                         <p:par>
-                          <p:cTn id="50" fill="hold">
+                          <p:cTn id="51" fill="hold">
                             <p:stCondLst>
-                              <p:cond delay="4500"/>
+                              <p:cond delay="500"/>
                             </p:stCondLst>
                             <p:childTnLst>
                               <p:par>
-                                <p:cTn id="51" presetID="22" presetClass="entr" presetSubtype="4" fill="hold" grpId="0" nodeType="afterEffect">
+                                <p:cTn id="52" presetID="22" presetClass="entr" presetSubtype="4" fill="hold" grpId="0" nodeType="afterEffect">
                                   <p:stCondLst>
                                     <p:cond delay="0"/>
                                   </p:stCondLst>
                                   <p:childTnLst>
                                     <p:set>
                                       <p:cBhvr>
-                                        <p:cTn id="52" dur="1" fill="hold">
+                                        <p:cTn id="53" dur="1" fill="hold">
                                           <p:stCondLst>
                                             <p:cond delay="0"/>
                                           </p:stCondLst>
@@ -37256,7 +37053,7 @@
                                     </p:set>
                                     <p:animEffect transition="in" filter="wipe(down)">
                                       <p:cBhvr>
-                                        <p:cTn id="53" dur="500"/>
+                                        <p:cTn id="54" dur="500"/>
                                         <p:tgtEl>
                                           <p:spTgt spid="35"/>
                                         </p:tgtEl>
@@ -37269,20 +37066,20 @@
                           </p:cTn>
                         </p:par>
                         <p:par>
-                          <p:cTn id="54" fill="hold">
+                          <p:cTn id="55" fill="hold">
                             <p:stCondLst>
-                              <p:cond delay="5000"/>
+                              <p:cond delay="1000"/>
                             </p:stCondLst>
                             <p:childTnLst>
                               <p:par>
-                                <p:cTn id="55" presetID="22" presetClass="entr" presetSubtype="8" fill="hold" nodeType="afterEffect">
+                                <p:cTn id="56" presetID="22" presetClass="entr" presetSubtype="8" fill="hold" nodeType="afterEffect">
                                   <p:stCondLst>
                                     <p:cond delay="0"/>
                                   </p:stCondLst>
                                   <p:childTnLst>
                                     <p:set>
                                       <p:cBhvr>
-                                        <p:cTn id="56" dur="1" fill="hold">
+                                        <p:cTn id="57" dur="1" fill="hold">
                                           <p:stCondLst>
                                             <p:cond delay="0"/>
                                           </p:stCondLst>
@@ -37300,7 +37097,7 @@
                                     </p:set>
                                     <p:animEffect transition="in" filter="wipe(left)">
                                       <p:cBhvr>
-                                        <p:cTn id="57" dur="500"/>
+                                        <p:cTn id="58" dur="500"/>
                                         <p:tgtEl>
                                           <p:spTgt spid="39"/>
                                         </p:tgtEl>
@@ -37313,20 +37110,20 @@
                           </p:cTn>
                         </p:par>
                         <p:par>
-                          <p:cTn id="58" fill="hold">
+                          <p:cTn id="59" fill="hold">
                             <p:stCondLst>
-                              <p:cond delay="5500"/>
+                              <p:cond delay="1500"/>
                             </p:stCondLst>
                             <p:childTnLst>
                               <p:par>
-                                <p:cTn id="59" presetID="2" presetClass="entr" presetSubtype="9" fill="hold" grpId="0" nodeType="afterEffect">
+                                <p:cTn id="60" presetID="2" presetClass="entr" presetSubtype="9" fill="hold" grpId="0" nodeType="afterEffect">
                                   <p:stCondLst>
                                     <p:cond delay="0"/>
                                   </p:stCondLst>
                                   <p:childTnLst>
                                     <p:set>
                                       <p:cBhvr>
-                                        <p:cTn id="60" dur="1" fill="hold">
+                                        <p:cTn id="61" dur="1" fill="hold">
                                           <p:stCondLst>
                                             <p:cond delay="0"/>
                                           </p:stCondLst>
@@ -37344,7 +37141,7 @@
                                     </p:set>
                                     <p:anim calcmode="lin" valueType="num">
                                       <p:cBhvr additive="base">
-                                        <p:cTn id="61" dur="500" fill="hold"/>
+                                        <p:cTn id="62" dur="500" fill="hold"/>
                                         <p:tgtEl>
                                           <p:spTgt spid="48"/>
                                         </p:tgtEl>
@@ -37367,7 +37164,7 @@
                                     </p:anim>
                                     <p:anim calcmode="lin" valueType="num">
                                       <p:cBhvr additive="base">
-                                        <p:cTn id="62" dur="500" fill="hold"/>
+                                        <p:cTn id="63" dur="500" fill="hold"/>
                                         <p:tgtEl>
                                           <p:spTgt spid="48"/>
                                         </p:tgtEl>
@@ -37395,20 +37192,20 @@
                           </p:cTn>
                         </p:par>
                         <p:par>
-                          <p:cTn id="63" fill="hold">
+                          <p:cTn id="64" fill="hold">
                             <p:stCondLst>
-                              <p:cond delay="6000"/>
+                              <p:cond delay="2000"/>
                             </p:stCondLst>
                             <p:childTnLst>
                               <p:par>
-                                <p:cTn id="64" presetID="22" presetClass="entr" presetSubtype="8" fill="hold" grpId="0" nodeType="afterEffect">
+                                <p:cTn id="65" presetID="22" presetClass="entr" presetSubtype="8" fill="hold" grpId="0" nodeType="afterEffect">
                                   <p:stCondLst>
                                     <p:cond delay="0"/>
                                   </p:stCondLst>
                                   <p:childTnLst>
                                     <p:set>
                                       <p:cBhvr>
-                                        <p:cTn id="65" dur="1" fill="hold">
+                                        <p:cTn id="66" dur="1" fill="hold">
                                           <p:stCondLst>
                                             <p:cond delay="0"/>
                                           </p:stCondLst>
@@ -37426,7 +37223,7 @@
                                     </p:set>
                                     <p:animEffect transition="in" filter="wipe(left)">
                                       <p:cBhvr>
-                                        <p:cTn id="66" dur="500"/>
+                                        <p:cTn id="67" dur="500"/>
                                         <p:tgtEl>
                                           <p:spTgt spid="49"/>
                                         </p:tgtEl>
@@ -37439,20 +37236,20 @@
                           </p:cTn>
                         </p:par>
                         <p:par>
-                          <p:cTn id="67" fill="hold">
+                          <p:cTn id="68" fill="hold">
                             <p:stCondLst>
-                              <p:cond delay="6500"/>
+                              <p:cond delay="2500"/>
                             </p:stCondLst>
                             <p:childTnLst>
                               <p:par>
-                                <p:cTn id="68" presetID="22" presetClass="entr" presetSubtype="1" fill="hold" grpId="0" nodeType="afterEffect">
+                                <p:cTn id="69" presetID="22" presetClass="entr" presetSubtype="1" fill="hold" grpId="0" nodeType="afterEffect">
                                   <p:stCondLst>
                                     <p:cond delay="0"/>
                                   </p:stCondLst>
                                   <p:childTnLst>
                                     <p:set>
                                       <p:cBhvr>
-                                        <p:cTn id="69" dur="1" fill="hold">
+                                        <p:cTn id="70" dur="1" fill="hold">
                                           <p:stCondLst>
                                             <p:cond delay="0"/>
                                           </p:stCondLst>
@@ -37470,7 +37267,7 @@
                                     </p:set>
                                     <p:animEffect transition="in" filter="wipe(up)">
                                       <p:cBhvr>
-                                        <p:cTn id="70" dur="500"/>
+                                        <p:cTn id="71" dur="500"/>
                                         <p:tgtEl>
                                           <p:spTgt spid="33"/>
                                         </p:tgtEl>
@@ -37482,21 +37279,30 @@
                             </p:childTnLst>
                           </p:cTn>
                         </p:par>
+                      </p:childTnLst>
+                    </p:cTn>
+                  </p:par>
+                  <p:par>
+                    <p:cTn id="72" fill="hold">
+                      <p:stCondLst>
+                        <p:cond delay="indefinite"/>
+                      </p:stCondLst>
+                      <p:childTnLst>
                         <p:par>
-                          <p:cTn id="71" fill="hold">
+                          <p:cTn id="73" fill="hold">
                             <p:stCondLst>
-                              <p:cond delay="7000"/>
+                              <p:cond delay="0"/>
                             </p:stCondLst>
                             <p:childTnLst>
                               <p:par>
-                                <p:cTn id="72" presetID="53" presetClass="entr" presetSubtype="16" fill="hold" grpId="0" nodeType="afterEffect">
+                                <p:cTn id="74" presetID="53" presetClass="entr" presetSubtype="16" fill="hold" grpId="0" nodeType="clickEffect">
                                   <p:stCondLst>
                                     <p:cond delay="0"/>
                                   </p:stCondLst>
                                   <p:childTnLst>
                                     <p:set>
                                       <p:cBhvr>
-                                        <p:cTn id="73" dur="1" fill="hold">
+                                        <p:cTn id="75" dur="1" fill="hold">
                                           <p:stCondLst>
                                             <p:cond delay="0"/>
                                           </p:stCondLst>
@@ -37514,7 +37320,7 @@
                                     </p:set>
                                     <p:anim calcmode="lin" valueType="num">
                                       <p:cBhvr>
-                                        <p:cTn id="74" dur="500" fill="hold"/>
+                                        <p:cTn id="76" dur="500" fill="hold"/>
                                         <p:tgtEl>
                                           <p:spTgt spid="22"/>
                                         </p:tgtEl>
@@ -37537,7 +37343,7 @@
                                     </p:anim>
                                     <p:anim calcmode="lin" valueType="num">
                                       <p:cBhvr>
-                                        <p:cTn id="75" dur="500" fill="hold"/>
+                                        <p:cTn id="77" dur="500" fill="hold"/>
                                         <p:tgtEl>
                                           <p:spTgt spid="22"/>
                                         </p:tgtEl>
@@ -37560,7 +37366,7 @@
                                     </p:anim>
                                     <p:animEffect transition="in" filter="fade">
                                       <p:cBhvr>
-                                        <p:cTn id="76" dur="500"/>
+                                        <p:cTn id="78" dur="500"/>
                                         <p:tgtEl>
                                           <p:spTgt spid="22"/>
                                         </p:tgtEl>
@@ -37573,20 +37379,20 @@
                           </p:cTn>
                         </p:par>
                         <p:par>
-                          <p:cTn id="77" fill="hold">
+                          <p:cTn id="79" fill="hold">
                             <p:stCondLst>
-                              <p:cond delay="7500"/>
+                              <p:cond delay="500"/>
                             </p:stCondLst>
                             <p:childTnLst>
                               <p:par>
-                                <p:cTn id="78" presetID="22" presetClass="entr" presetSubtype="8" fill="hold" grpId="0" nodeType="afterEffect">
+                                <p:cTn id="80" presetID="22" presetClass="entr" presetSubtype="8" fill="hold" grpId="0" nodeType="afterEffect">
                                   <p:stCondLst>
                                     <p:cond delay="0"/>
                                   </p:stCondLst>
                                   <p:childTnLst>
                                     <p:set>
                                       <p:cBhvr>
-                                        <p:cTn id="79" dur="1" fill="hold">
+                                        <p:cTn id="81" dur="1" fill="hold">
                                           <p:stCondLst>
                                             <p:cond delay="0"/>
                                           </p:stCondLst>
@@ -37604,7 +37410,7 @@
                                     </p:set>
                                     <p:animEffect transition="in" filter="wipe(left)">
                                       <p:cBhvr>
-                                        <p:cTn id="80" dur="500"/>
+                                        <p:cTn id="82" dur="500"/>
                                         <p:tgtEl>
                                           <p:spTgt spid="36"/>
                                         </p:tgtEl>
@@ -37617,20 +37423,20 @@
                           </p:cTn>
                         </p:par>
                         <p:par>
-                          <p:cTn id="81" fill="hold">
+                          <p:cTn id="83" fill="hold">
                             <p:stCondLst>
-                              <p:cond delay="8000"/>
+                              <p:cond delay="1000"/>
                             </p:stCondLst>
                             <p:childTnLst>
                               <p:par>
-                                <p:cTn id="82" presetID="22" presetClass="entr" presetSubtype="8" fill="hold" nodeType="afterEffect">
+                                <p:cTn id="84" presetID="22" presetClass="entr" presetSubtype="8" fill="hold" nodeType="afterEffect">
                                   <p:stCondLst>
                                     <p:cond delay="0"/>
                                   </p:stCondLst>
                                   <p:childTnLst>
                                     <p:set>
                                       <p:cBhvr>
-                                        <p:cTn id="83" dur="1" fill="hold">
+                                        <p:cTn id="85" dur="1" fill="hold">
                                           <p:stCondLst>
                                             <p:cond delay="0"/>
                                           </p:stCondLst>
@@ -37648,7 +37454,7 @@
                                     </p:set>
                                     <p:animEffect transition="in" filter="wipe(left)">
                                       <p:cBhvr>
-                                        <p:cTn id="84" dur="500"/>
+                                        <p:cTn id="86" dur="500"/>
                                         <p:tgtEl>
                                           <p:spTgt spid="40"/>
                                         </p:tgtEl>
@@ -37661,20 +37467,20 @@
                           </p:cTn>
                         </p:par>
                         <p:par>
-                          <p:cTn id="85" fill="hold">
+                          <p:cTn id="87" fill="hold">
                             <p:stCondLst>
-                              <p:cond delay="8500"/>
+                              <p:cond delay="1500"/>
                             </p:stCondLst>
                             <p:childTnLst>
                               <p:par>
-                                <p:cTn id="86" presetID="2" presetClass="entr" presetSubtype="9" fill="hold" grpId="0" nodeType="afterEffect">
+                                <p:cTn id="88" presetID="2" presetClass="entr" presetSubtype="9" fill="hold" grpId="0" nodeType="afterEffect">
                                   <p:stCondLst>
                                     <p:cond delay="0"/>
                                   </p:stCondLst>
                                   <p:childTnLst>
                                     <p:set>
                                       <p:cBhvr>
-                                        <p:cTn id="87" dur="1" fill="hold">
+                                        <p:cTn id="89" dur="1" fill="hold">
                                           <p:stCondLst>
                                             <p:cond delay="0"/>
                                           </p:stCondLst>
@@ -37692,7 +37498,7 @@
                                     </p:set>
                                     <p:anim calcmode="lin" valueType="num">
                                       <p:cBhvr additive="base">
-                                        <p:cTn id="88" dur="500" fill="hold"/>
+                                        <p:cTn id="90" dur="500" fill="hold"/>
                                         <p:tgtEl>
                                           <p:spTgt spid="50"/>
                                         </p:tgtEl>
@@ -37715,7 +37521,7 @@
                                     </p:anim>
                                     <p:anim calcmode="lin" valueType="num">
                                       <p:cBhvr additive="base">
-                                        <p:cTn id="89" dur="500" fill="hold"/>
+                                        <p:cTn id="91" dur="500" fill="hold"/>
                                         <p:tgtEl>
                                           <p:spTgt spid="50"/>
                                         </p:tgtEl>
@@ -37743,20 +37549,20 @@
                           </p:cTn>
                         </p:par>
                         <p:par>
-                          <p:cTn id="90" fill="hold">
+                          <p:cTn id="92" fill="hold">
                             <p:stCondLst>
-                              <p:cond delay="9000"/>
+                              <p:cond delay="2000"/>
                             </p:stCondLst>
                             <p:childTnLst>
                               <p:par>
-                                <p:cTn id="91" presetID="22" presetClass="entr" presetSubtype="8" fill="hold" grpId="0" nodeType="afterEffect">
+                                <p:cTn id="93" presetID="22" presetClass="entr" presetSubtype="8" fill="hold" grpId="0" nodeType="afterEffect">
                                   <p:stCondLst>
                                     <p:cond delay="0"/>
                                   </p:stCondLst>
                                   <p:childTnLst>
                                     <p:set>
                                       <p:cBhvr>
-                                        <p:cTn id="92" dur="1" fill="hold">
+                                        <p:cTn id="94" dur="1" fill="hold">
                                           <p:stCondLst>
                                             <p:cond delay="0"/>
                                           </p:stCondLst>
@@ -37774,7 +37580,7 @@
                                     </p:set>
                                     <p:animEffect transition="in" filter="wipe(left)">
                                       <p:cBhvr>
-                                        <p:cTn id="93" dur="500"/>
+                                        <p:cTn id="95" dur="500"/>
                                         <p:tgtEl>
                                           <p:spTgt spid="51"/>
                                         </p:tgtEl>
@@ -38174,7 +37980,7 @@
               <a:defRPr/>
             </a:pPr>
             <a:r>
-              <a:rPr lang="fr-CH" sz="2000" b="1" dirty="0" smtClean="0">
+              <a:rPr lang="fr-CH" sz="2000" b="1" dirty="0">
                 <a:solidFill>
                   <a:srgbClr val="5B9BD5"/>
                 </a:solidFill>
@@ -38193,7 +37999,7 @@
               <a:defRPr/>
             </a:pPr>
             <a:r>
-              <a:rPr lang="fr-CH" dirty="0" smtClean="0">
+              <a:rPr lang="fr-CH" dirty="0">
                 <a:solidFill>
                   <a:schemeClr val="tx1">
                     <a:lumMod val="65000"/>
@@ -38213,7 +38019,7 @@
               <a:buChar char="-"/>
               <a:defRPr/>
             </a:pPr>
-            <a:endParaRPr lang="fr-CH" dirty="0" smtClean="0">
+            <a:endParaRPr lang="fr-CH" dirty="0">
               <a:solidFill>
                 <a:schemeClr val="tx1">
                   <a:lumMod val="65000"/>
@@ -38232,7 +38038,7 @@
               <a:defRPr/>
             </a:pPr>
             <a:r>
-              <a:rPr lang="fr-CH" dirty="0" smtClean="0">
+              <a:rPr lang="fr-CH" dirty="0">
                 <a:solidFill>
                   <a:schemeClr val="tx1">
                     <a:lumMod val="65000"/>
@@ -38243,15 +38049,6 @@
               </a:rPr>
               <a:t>Commun à tous les GPS</a:t>
             </a:r>
-            <a:endParaRPr lang="fr-CH" dirty="0">
-              <a:solidFill>
-                <a:schemeClr val="tx1">
-                  <a:lumMod val="65000"/>
-                  <a:lumOff val="35000"/>
-                </a:schemeClr>
-              </a:solidFill>
-              <a:cs typeface="+mj-cs"/>
-            </a:endParaRPr>
           </a:p>
         </p:txBody>
       </p:sp>
@@ -38519,7 +38316,7 @@
               <a:defRPr/>
             </a:pPr>
             <a:r>
-              <a:rPr lang="fr-CH" sz="2000" b="1" dirty="0" smtClean="0">
+              <a:rPr lang="fr-CH" sz="2000" b="1" dirty="0">
                 <a:solidFill>
                   <a:srgbClr val="ED7D31"/>
                 </a:solidFill>
@@ -38538,7 +38335,7 @@
               <a:defRPr/>
             </a:pPr>
             <a:r>
-              <a:rPr lang="fr-CH" dirty="0" smtClean="0">
+              <a:rPr lang="fr-CH" dirty="0">
                 <a:solidFill>
                   <a:schemeClr val="tx1">
                     <a:lumMod val="65000"/>
@@ -38558,7 +38355,7 @@
               <a:buChar char="-"/>
               <a:defRPr/>
             </a:pPr>
-            <a:endParaRPr lang="fr-CH" dirty="0" smtClean="0">
+            <a:endParaRPr lang="fr-CH" dirty="0">
               <a:solidFill>
                 <a:schemeClr val="tx1">
                   <a:lumMod val="65000"/>
@@ -38577,7 +38374,7 @@
               <a:defRPr/>
             </a:pPr>
             <a:r>
-              <a:rPr lang="fr-CH" dirty="0" smtClean="0">
+              <a:rPr lang="fr-CH" dirty="0">
                 <a:solidFill>
                   <a:schemeClr val="tx1">
                     <a:lumMod val="65000"/>
@@ -38587,14 +38384,6 @@
               </a:rPr>
               <a:t>Export</a:t>
             </a:r>
-            <a:endParaRPr lang="fr-CH" dirty="0">
-              <a:solidFill>
-                <a:schemeClr val="tx1">
-                  <a:lumMod val="65000"/>
-                  <a:lumOff val="35000"/>
-                </a:schemeClr>
-              </a:solidFill>
-            </a:endParaRPr>
           </a:p>
         </p:txBody>
       </p:sp>
@@ -38631,7 +38420,7 @@
           <a:p>
             <a:pPr algn="ctr"/>
             <a:r>
-              <a:rPr lang="fr-CH" sz="2400" dirty="0" smtClean="0">
+              <a:rPr lang="fr-CH" sz="2400" dirty="0">
                 <a:solidFill>
                   <a:schemeClr val="bg1">
                     <a:lumMod val="85000"/>
@@ -38640,13 +38429,6 @@
               </a:rPr>
               <a:t>Fichier GPX</a:t>
             </a:r>
-            <a:endParaRPr lang="fr-CH" sz="2400" dirty="0">
-              <a:solidFill>
-                <a:schemeClr val="bg1">
-                  <a:lumMod val="85000"/>
-                </a:schemeClr>
-              </a:solidFill>
-            </a:endParaRPr>
           </a:p>
         </p:txBody>
       </p:sp>
@@ -38795,18 +38577,13 @@
           <a:lstStyle/>
           <a:p>
             <a:r>
-              <a:rPr lang="fr-CH" sz="2800" dirty="0" smtClean="0">
+              <a:rPr lang="fr-CH" sz="2800" dirty="0">
                 <a:solidFill>
                   <a:schemeClr val="bg1"/>
                 </a:solidFill>
               </a:rPr>
               <a:t>9</a:t>
             </a:r>
-            <a:endParaRPr lang="fr-CH" sz="2800" dirty="0">
-              <a:solidFill>
-                <a:schemeClr val="bg1"/>
-              </a:solidFill>
-            </a:endParaRPr>
           </a:p>
         </p:txBody>
       </p:sp>
@@ -39611,7 +39388,7 @@
   <a:extraClrSchemeLst/>
   <a:extLst>
     <a:ext uri="{05A4C25C-085E-4340-85A3-A5531E510DB2}">
-      <thm15:themeFamily xmlns:thm15="http://schemas.microsoft.com/office/thememl/2012/main" xmlns="" name="Office Theme" id="{62F939B6-93AF-4DB8-9C6B-D6C7DFDC589F}" vid="{4A3C46E8-61CC-4603-A589-7422A47A8E4A}"/>
+      <thm15:themeFamily xmlns:thm15="http://schemas.microsoft.com/office/thememl/2012/main" name="Office Theme" id="{62F939B6-93AF-4DB8-9C6B-D6C7DFDC589F}" vid="{4A3C46E8-61CC-4603-A589-7422A47A8E4A}"/>
     </a:ext>
   </a:extLst>
 </a:theme>
@@ -39872,7 +39649,7 @@
   <a:extraClrSchemeLst/>
   <a:extLst>
     <a:ext uri="{05A4C25C-085E-4340-85A3-A5531E510DB2}">
-      <thm15:themeFamily xmlns:thm15="http://schemas.microsoft.com/office/thememl/2012/main" xmlns="" name="Office Theme" id="{62F939B6-93AF-4DB8-9C6B-D6C7DFDC589F}" vid="{4A3C46E8-61CC-4603-A589-7422A47A8E4A}"/>
+      <thm15:themeFamily xmlns:thm15="http://schemas.microsoft.com/office/thememl/2012/main" name="Office Theme" id="{62F939B6-93AF-4DB8-9C6B-D6C7DFDC589F}" vid="{4A3C46E8-61CC-4603-A589-7422A47A8E4A}"/>
     </a:ext>
   </a:extLst>
 </a:theme>
